--- a/Oficina_AppInventor_Alexa.pptx
+++ b/Oficina_AppInventor_Alexa.pptx
@@ -27,6 +27,8 @@
     <p:sldId id="265" r:id="rId21"/>
     <p:sldId id="277" r:id="rId22"/>
     <p:sldId id="278" r:id="rId23"/>
+    <p:sldId id="279" r:id="rId24"/>
+    <p:sldId id="280" r:id="rId25"/>
   </p:sldIdLst>
   <p:sldSz cx="12192000" cy="6858000"/>
   <p:notesSz cx="6858000" cy="9144000"/>
@@ -280,7 +282,7 @@
           <a:p>
             <a:fld id="{CEA4E635-B4B8-483F-B057-25245A46B3CE}" type="datetimeFigureOut">
               <a:rPr lang="pt-BR" smtClean="0"/>
-              <a:t>30/09/2024</a:t>
+              <a:t>01/10/2024</a:t>
             </a:fld>
             <a:endParaRPr lang="pt-BR"/>
           </a:p>
@@ -483,7 +485,7 @@
           <a:p>
             <a:fld id="{CEA4E635-B4B8-483F-B057-25245A46B3CE}" type="datetimeFigureOut">
               <a:rPr lang="pt-BR" smtClean="0"/>
-              <a:t>30/09/2024</a:t>
+              <a:t>01/10/2024</a:t>
             </a:fld>
             <a:endParaRPr lang="pt-BR"/>
           </a:p>
@@ -691,7 +693,7 @@
           <a:p>
             <a:fld id="{CEA4E635-B4B8-483F-B057-25245A46B3CE}" type="datetimeFigureOut">
               <a:rPr lang="pt-BR" smtClean="0"/>
-              <a:t>30/09/2024</a:t>
+              <a:t>01/10/2024</a:t>
             </a:fld>
             <a:endParaRPr lang="pt-BR"/>
           </a:p>
@@ -894,7 +896,7 @@
           <a:p>
             <a:fld id="{CEA4E635-B4B8-483F-B057-25245A46B3CE}" type="datetimeFigureOut">
               <a:rPr lang="pt-BR" smtClean="0"/>
-              <a:t>30/09/2024</a:t>
+              <a:t>01/10/2024</a:t>
             </a:fld>
             <a:endParaRPr lang="pt-BR"/>
           </a:p>
@@ -1169,7 +1171,7 @@
           <a:p>
             <a:fld id="{CEA4E635-B4B8-483F-B057-25245A46B3CE}" type="datetimeFigureOut">
               <a:rPr lang="pt-BR" smtClean="0"/>
-              <a:t>30/09/2024</a:t>
+              <a:t>01/10/2024</a:t>
             </a:fld>
             <a:endParaRPr lang="pt-BR"/>
           </a:p>
@@ -1439,7 +1441,7 @@
           <a:p>
             <a:fld id="{CEA4E635-B4B8-483F-B057-25245A46B3CE}" type="datetimeFigureOut">
               <a:rPr lang="pt-BR" smtClean="0"/>
-              <a:t>30/09/2024</a:t>
+              <a:t>01/10/2024</a:t>
             </a:fld>
             <a:endParaRPr lang="pt-BR"/>
           </a:p>
@@ -1851,7 +1853,7 @@
           <a:p>
             <a:fld id="{CEA4E635-B4B8-483F-B057-25245A46B3CE}" type="datetimeFigureOut">
               <a:rPr lang="pt-BR" smtClean="0"/>
-              <a:t>30/09/2024</a:t>
+              <a:t>01/10/2024</a:t>
             </a:fld>
             <a:endParaRPr lang="pt-BR"/>
           </a:p>
@@ -1997,7 +1999,7 @@
           <a:p>
             <a:fld id="{CEA4E635-B4B8-483F-B057-25245A46B3CE}" type="datetimeFigureOut">
               <a:rPr lang="pt-BR" smtClean="0"/>
-              <a:t>30/09/2024</a:t>
+              <a:t>01/10/2024</a:t>
             </a:fld>
             <a:endParaRPr lang="pt-BR"/>
           </a:p>
@@ -2110,7 +2112,7 @@
           <a:p>
             <a:fld id="{CEA4E635-B4B8-483F-B057-25245A46B3CE}" type="datetimeFigureOut">
               <a:rPr lang="pt-BR" smtClean="0"/>
-              <a:t>30/09/2024</a:t>
+              <a:t>01/10/2024</a:t>
             </a:fld>
             <a:endParaRPr lang="pt-BR"/>
           </a:p>
@@ -2421,7 +2423,7 @@
           <a:p>
             <a:fld id="{CEA4E635-B4B8-483F-B057-25245A46B3CE}" type="datetimeFigureOut">
               <a:rPr lang="pt-BR" smtClean="0"/>
-              <a:t>30/09/2024</a:t>
+              <a:t>01/10/2024</a:t>
             </a:fld>
             <a:endParaRPr lang="pt-BR"/>
           </a:p>
@@ -2709,7 +2711,7 @@
           <a:p>
             <a:fld id="{CEA4E635-B4B8-483F-B057-25245A46B3CE}" type="datetimeFigureOut">
               <a:rPr lang="pt-BR" smtClean="0"/>
-              <a:t>30/09/2024</a:t>
+              <a:t>01/10/2024</a:t>
             </a:fld>
             <a:endParaRPr lang="pt-BR"/>
           </a:p>
@@ -2953,7 +2955,7 @@
           <a:p>
             <a:fld id="{CEA4E635-B4B8-483F-B057-25245A46B3CE}" type="datetimeFigureOut">
               <a:rPr lang="pt-BR" smtClean="0"/>
-              <a:t>30/09/2024</a:t>
+              <a:t>01/10/2024</a:t>
             </a:fld>
             <a:endParaRPr lang="pt-BR"/>
           </a:p>
@@ -6995,6 +6997,5243 @@
 </p:sld>
 </file>
 
+<file path=ppt/slides/slide23.xml><?xml version="1.0" encoding="utf-8"?>
+<p:sld xmlns:a="http://schemas.openxmlformats.org/drawingml/2006/main" xmlns:r="http://schemas.openxmlformats.org/officeDocument/2006/relationships" xmlns:p="http://schemas.openxmlformats.org/presentationml/2006/main">
+  <p:cSld>
+    <p:spTree>
+      <p:nvGrpSpPr>
+        <p:cNvPr id="1" name=""/>
+        <p:cNvGrpSpPr/>
+        <p:nvPr/>
+      </p:nvGrpSpPr>
+      <p:grpSpPr>
+        <a:xfrm>
+          <a:off x="0" y="0"/>
+          <a:ext cx="0" cy="0"/>
+          <a:chOff x="0" y="0"/>
+          <a:chExt cx="0" cy="0"/>
+        </a:xfrm>
+      </p:grpSpPr>
+      <p:sp>
+        <p:nvSpPr>
+          <p:cNvPr id="2" name="Título 1">
+            <a:extLst>
+              <a:ext uri="{FF2B5EF4-FFF2-40B4-BE49-F238E27FC236}">
+                <a16:creationId xmlns:a16="http://schemas.microsoft.com/office/drawing/2014/main" id="{2A669E79-F469-9724-2E90-E8B7C4BE3BCB}"/>
+              </a:ext>
+            </a:extLst>
+          </p:cNvPr>
+          <p:cNvSpPr>
+            <a:spLocks noGrp="1"/>
+          </p:cNvSpPr>
+          <p:nvPr>
+            <p:ph type="title"/>
+          </p:nvPr>
+        </p:nvSpPr>
+        <p:spPr/>
+        <p:txBody>
+          <a:bodyPr/>
+          <a:lstStyle/>
+          <a:p>
+            <a:r>
+              <a:rPr lang="pt-BR" dirty="0"/>
+              <a:t>Código do ESP32 (SUB)</a:t>
+            </a:r>
+          </a:p>
+        </p:txBody>
+      </p:sp>
+      <p:sp>
+        <p:nvSpPr>
+          <p:cNvPr id="3" name="Espaço Reservado para Conteúdo 2">
+            <a:extLst>
+              <a:ext uri="{FF2B5EF4-FFF2-40B4-BE49-F238E27FC236}">
+                <a16:creationId xmlns:a16="http://schemas.microsoft.com/office/drawing/2014/main" id="{196BEAAC-3341-38F1-6CA5-2B730F61789D}"/>
+              </a:ext>
+            </a:extLst>
+          </p:cNvPr>
+          <p:cNvSpPr>
+            <a:spLocks noGrp="1"/>
+          </p:cNvSpPr>
+          <p:nvPr>
+            <p:ph idx="1"/>
+          </p:nvPr>
+        </p:nvSpPr>
+        <p:spPr>
+          <a:xfrm>
+            <a:off x="0" y="1432594"/>
+            <a:ext cx="5294231" cy="4351338"/>
+          </a:xfrm>
+          <a:solidFill>
+            <a:schemeClr val="tx1"/>
+          </a:solidFill>
+        </p:spPr>
+        <p:txBody>
+          <a:bodyPr>
+            <a:normAutofit fontScale="25000" lnSpcReduction="20000"/>
+          </a:bodyPr>
+          <a:lstStyle/>
+          <a:p>
+            <a:pPr marL="0" indent="0">
+              <a:buNone/>
+            </a:pPr>
+            <a:r>
+              <a:rPr lang="pt-BR" sz="4400" b="0" dirty="0">
+                <a:solidFill>
+                  <a:srgbClr val="C586C0"/>
+                </a:solidFill>
+                <a:effectLst/>
+                <a:latin typeface="Consolas" panose="020B0609020204030204" pitchFamily="49" charset="0"/>
+              </a:rPr>
+              <a:t>#include</a:t>
+            </a:r>
+            <a:r>
+              <a:rPr lang="pt-BR" sz="4400" b="0" dirty="0">
+                <a:solidFill>
+                  <a:srgbClr val="569CD6"/>
+                </a:solidFill>
+                <a:effectLst/>
+                <a:latin typeface="Consolas" panose="020B0609020204030204" pitchFamily="49" charset="0"/>
+              </a:rPr>
+              <a:t> </a:t>
+            </a:r>
+            <a:r>
+              <a:rPr lang="pt-BR" sz="4400" b="0" dirty="0">
+                <a:solidFill>
+                  <a:srgbClr val="CE9178"/>
+                </a:solidFill>
+                <a:effectLst/>
+                <a:latin typeface="Consolas" panose="020B0609020204030204" pitchFamily="49" charset="0"/>
+              </a:rPr>
+              <a:t>&lt;</a:t>
+            </a:r>
+            <a:r>
+              <a:rPr lang="pt-BR" sz="4400" b="0" dirty="0" err="1">
+                <a:solidFill>
+                  <a:srgbClr val="CE9178"/>
+                </a:solidFill>
+                <a:effectLst/>
+                <a:latin typeface="Consolas" panose="020B0609020204030204" pitchFamily="49" charset="0"/>
+              </a:rPr>
+              <a:t>Arduino.h</a:t>
+            </a:r>
+            <a:r>
+              <a:rPr lang="pt-BR" sz="4400" b="0" dirty="0">
+                <a:solidFill>
+                  <a:srgbClr val="CE9178"/>
+                </a:solidFill>
+                <a:effectLst/>
+                <a:latin typeface="Consolas" panose="020B0609020204030204" pitchFamily="49" charset="0"/>
+              </a:rPr>
+              <a:t>&gt;</a:t>
+            </a:r>
+            <a:endParaRPr lang="pt-BR" sz="4400" b="0" dirty="0">
+              <a:solidFill>
+                <a:srgbClr val="CCCCCC"/>
+              </a:solidFill>
+              <a:effectLst/>
+              <a:latin typeface="Consolas" panose="020B0609020204030204" pitchFamily="49" charset="0"/>
+            </a:endParaRPr>
+          </a:p>
+          <a:p>
+            <a:pPr marL="0" indent="0">
+              <a:buNone/>
+            </a:pPr>
+            <a:br>
+              <a:rPr lang="pt-BR" sz="4400" b="0" dirty="0">
+                <a:solidFill>
+                  <a:srgbClr val="CCCCCC"/>
+                </a:solidFill>
+                <a:effectLst/>
+                <a:latin typeface="Consolas" panose="020B0609020204030204" pitchFamily="49" charset="0"/>
+              </a:rPr>
+            </a:br>
+            <a:r>
+              <a:rPr lang="pt-BR" sz="4400" b="0" dirty="0">
+                <a:solidFill>
+                  <a:srgbClr val="C586C0"/>
+                </a:solidFill>
+                <a:effectLst/>
+                <a:latin typeface="Consolas" panose="020B0609020204030204" pitchFamily="49" charset="0"/>
+              </a:rPr>
+              <a:t>#include</a:t>
+            </a:r>
+            <a:r>
+              <a:rPr lang="pt-BR" sz="4400" b="0" dirty="0">
+                <a:solidFill>
+                  <a:srgbClr val="569CD6"/>
+                </a:solidFill>
+                <a:effectLst/>
+                <a:latin typeface="Consolas" panose="020B0609020204030204" pitchFamily="49" charset="0"/>
+              </a:rPr>
+              <a:t> </a:t>
+            </a:r>
+            <a:r>
+              <a:rPr lang="pt-BR" sz="4400" b="0" dirty="0">
+                <a:solidFill>
+                  <a:srgbClr val="CE9178"/>
+                </a:solidFill>
+                <a:effectLst/>
+                <a:latin typeface="Consolas" panose="020B0609020204030204" pitchFamily="49" charset="0"/>
+              </a:rPr>
+              <a:t>&lt;</a:t>
+            </a:r>
+            <a:r>
+              <a:rPr lang="pt-BR" sz="4400" b="0" dirty="0" err="1">
+                <a:solidFill>
+                  <a:srgbClr val="CE9178"/>
+                </a:solidFill>
+                <a:effectLst/>
+                <a:latin typeface="Consolas" panose="020B0609020204030204" pitchFamily="49" charset="0"/>
+              </a:rPr>
+              <a:t>WiFi.h</a:t>
+            </a:r>
+            <a:r>
+              <a:rPr lang="pt-BR" sz="4400" b="0" dirty="0">
+                <a:solidFill>
+                  <a:srgbClr val="CE9178"/>
+                </a:solidFill>
+                <a:effectLst/>
+                <a:latin typeface="Consolas" panose="020B0609020204030204" pitchFamily="49" charset="0"/>
+              </a:rPr>
+              <a:t>&gt;</a:t>
+            </a:r>
+            <a:endParaRPr lang="pt-BR" sz="4400" b="0" dirty="0">
+              <a:solidFill>
+                <a:srgbClr val="CCCCCC"/>
+              </a:solidFill>
+              <a:effectLst/>
+              <a:latin typeface="Consolas" panose="020B0609020204030204" pitchFamily="49" charset="0"/>
+            </a:endParaRPr>
+          </a:p>
+          <a:p>
+            <a:pPr marL="0" indent="0">
+              <a:buNone/>
+            </a:pPr>
+            <a:r>
+              <a:rPr lang="pt-BR" sz="4400" b="0" dirty="0">
+                <a:solidFill>
+                  <a:srgbClr val="C586C0"/>
+                </a:solidFill>
+                <a:effectLst/>
+                <a:latin typeface="Consolas" panose="020B0609020204030204" pitchFamily="49" charset="0"/>
+              </a:rPr>
+              <a:t>#include</a:t>
+            </a:r>
+            <a:r>
+              <a:rPr lang="pt-BR" sz="4400" b="0" dirty="0">
+                <a:solidFill>
+                  <a:srgbClr val="569CD6"/>
+                </a:solidFill>
+                <a:effectLst/>
+                <a:latin typeface="Consolas" panose="020B0609020204030204" pitchFamily="49" charset="0"/>
+              </a:rPr>
+              <a:t> </a:t>
+            </a:r>
+            <a:r>
+              <a:rPr lang="pt-BR" sz="4400" b="0" dirty="0">
+                <a:solidFill>
+                  <a:srgbClr val="CE9178"/>
+                </a:solidFill>
+                <a:effectLst/>
+                <a:latin typeface="Consolas" panose="020B0609020204030204" pitchFamily="49" charset="0"/>
+              </a:rPr>
+              <a:t>&lt;</a:t>
+            </a:r>
+            <a:r>
+              <a:rPr lang="pt-BR" sz="4400" b="0" dirty="0" err="1">
+                <a:solidFill>
+                  <a:srgbClr val="CE9178"/>
+                </a:solidFill>
+                <a:effectLst/>
+                <a:latin typeface="Consolas" panose="020B0609020204030204" pitchFamily="49" charset="0"/>
+              </a:rPr>
+              <a:t>PubSubClient.h</a:t>
+            </a:r>
+            <a:r>
+              <a:rPr lang="pt-BR" sz="4400" b="0" dirty="0">
+                <a:solidFill>
+                  <a:srgbClr val="CE9178"/>
+                </a:solidFill>
+                <a:effectLst/>
+                <a:latin typeface="Consolas" panose="020B0609020204030204" pitchFamily="49" charset="0"/>
+              </a:rPr>
+              <a:t>&gt;</a:t>
+            </a:r>
+            <a:endParaRPr lang="pt-BR" sz="4400" b="0" dirty="0">
+              <a:solidFill>
+                <a:srgbClr val="CCCCCC"/>
+              </a:solidFill>
+              <a:effectLst/>
+              <a:latin typeface="Consolas" panose="020B0609020204030204" pitchFamily="49" charset="0"/>
+            </a:endParaRPr>
+          </a:p>
+          <a:p>
+            <a:pPr marL="0" indent="0">
+              <a:buNone/>
+            </a:pPr>
+            <a:br>
+              <a:rPr lang="pt-BR" sz="4400" b="0" dirty="0">
+                <a:solidFill>
+                  <a:srgbClr val="CCCCCC"/>
+                </a:solidFill>
+                <a:effectLst/>
+                <a:latin typeface="Consolas" panose="020B0609020204030204" pitchFamily="49" charset="0"/>
+              </a:rPr>
+            </a:br>
+            <a:r>
+              <a:rPr lang="pt-BR" sz="4400" b="0" dirty="0" err="1">
+                <a:solidFill>
+                  <a:srgbClr val="569CD6"/>
+                </a:solidFill>
+                <a:effectLst/>
+                <a:latin typeface="Consolas" panose="020B0609020204030204" pitchFamily="49" charset="0"/>
+              </a:rPr>
+              <a:t>const</a:t>
+            </a:r>
+            <a:r>
+              <a:rPr lang="pt-BR" sz="4400" b="0" dirty="0">
+                <a:solidFill>
+                  <a:srgbClr val="CCCCCC"/>
+                </a:solidFill>
+                <a:effectLst/>
+                <a:latin typeface="Consolas" panose="020B0609020204030204" pitchFamily="49" charset="0"/>
+              </a:rPr>
+              <a:t> </a:t>
+            </a:r>
+            <a:r>
+              <a:rPr lang="pt-BR" sz="4400" b="0" dirty="0">
+                <a:solidFill>
+                  <a:srgbClr val="569CD6"/>
+                </a:solidFill>
+                <a:effectLst/>
+                <a:latin typeface="Consolas" panose="020B0609020204030204" pitchFamily="49" charset="0"/>
+              </a:rPr>
+              <a:t>char</a:t>
+            </a:r>
+            <a:r>
+              <a:rPr lang="pt-BR" sz="4400" b="0" dirty="0">
+                <a:solidFill>
+                  <a:srgbClr val="D4D4D4"/>
+                </a:solidFill>
+                <a:effectLst/>
+                <a:latin typeface="Consolas" panose="020B0609020204030204" pitchFamily="49" charset="0"/>
+              </a:rPr>
+              <a:t>*</a:t>
+            </a:r>
+            <a:r>
+              <a:rPr lang="pt-BR" sz="4400" b="0" dirty="0">
+                <a:solidFill>
+                  <a:srgbClr val="CCCCCC"/>
+                </a:solidFill>
+                <a:effectLst/>
+                <a:latin typeface="Consolas" panose="020B0609020204030204" pitchFamily="49" charset="0"/>
+              </a:rPr>
+              <a:t> </a:t>
+            </a:r>
+            <a:r>
+              <a:rPr lang="pt-BR" sz="4400" b="0" dirty="0" err="1">
+                <a:solidFill>
+                  <a:srgbClr val="9CDCFE"/>
+                </a:solidFill>
+                <a:effectLst/>
+                <a:latin typeface="Consolas" panose="020B0609020204030204" pitchFamily="49" charset="0"/>
+              </a:rPr>
+              <a:t>ssid</a:t>
+            </a:r>
+            <a:r>
+              <a:rPr lang="pt-BR" sz="4400" b="0" dirty="0">
+                <a:solidFill>
+                  <a:srgbClr val="CCCCCC"/>
+                </a:solidFill>
+                <a:effectLst/>
+                <a:latin typeface="Consolas" panose="020B0609020204030204" pitchFamily="49" charset="0"/>
+              </a:rPr>
+              <a:t> </a:t>
+            </a:r>
+            <a:r>
+              <a:rPr lang="pt-BR" sz="4400" b="0" dirty="0">
+                <a:solidFill>
+                  <a:srgbClr val="D4D4D4"/>
+                </a:solidFill>
+                <a:effectLst/>
+                <a:latin typeface="Consolas" panose="020B0609020204030204" pitchFamily="49" charset="0"/>
+              </a:rPr>
+              <a:t>=</a:t>
+            </a:r>
+            <a:r>
+              <a:rPr lang="pt-BR" sz="4400" b="0" dirty="0">
+                <a:solidFill>
+                  <a:srgbClr val="CCCCCC"/>
+                </a:solidFill>
+                <a:effectLst/>
+                <a:latin typeface="Consolas" panose="020B0609020204030204" pitchFamily="49" charset="0"/>
+              </a:rPr>
+              <a:t> </a:t>
+            </a:r>
+            <a:r>
+              <a:rPr lang="pt-BR" sz="4400" b="0" dirty="0">
+                <a:solidFill>
+                  <a:srgbClr val="CE9178"/>
+                </a:solidFill>
+                <a:effectLst/>
+                <a:latin typeface="Consolas" panose="020B0609020204030204" pitchFamily="49" charset="0"/>
+              </a:rPr>
+              <a:t>"motog8"</a:t>
+            </a:r>
+            <a:r>
+              <a:rPr lang="pt-BR" sz="4400" b="0" dirty="0">
+                <a:solidFill>
+                  <a:srgbClr val="CCCCCC"/>
+                </a:solidFill>
+                <a:effectLst/>
+                <a:latin typeface="Consolas" panose="020B0609020204030204" pitchFamily="49" charset="0"/>
+              </a:rPr>
+              <a:t>;</a:t>
+            </a:r>
+          </a:p>
+          <a:p>
+            <a:pPr marL="0" indent="0">
+              <a:buNone/>
+            </a:pPr>
+            <a:r>
+              <a:rPr lang="pt-BR" sz="4400" b="0" dirty="0" err="1">
+                <a:solidFill>
+                  <a:srgbClr val="569CD6"/>
+                </a:solidFill>
+                <a:effectLst/>
+                <a:latin typeface="Consolas" panose="020B0609020204030204" pitchFamily="49" charset="0"/>
+              </a:rPr>
+              <a:t>const</a:t>
+            </a:r>
+            <a:r>
+              <a:rPr lang="pt-BR" sz="4400" b="0" dirty="0">
+                <a:solidFill>
+                  <a:srgbClr val="CCCCCC"/>
+                </a:solidFill>
+                <a:effectLst/>
+                <a:latin typeface="Consolas" panose="020B0609020204030204" pitchFamily="49" charset="0"/>
+              </a:rPr>
+              <a:t> </a:t>
+            </a:r>
+            <a:r>
+              <a:rPr lang="pt-BR" sz="4400" b="0" dirty="0">
+                <a:solidFill>
+                  <a:srgbClr val="569CD6"/>
+                </a:solidFill>
+                <a:effectLst/>
+                <a:latin typeface="Consolas" panose="020B0609020204030204" pitchFamily="49" charset="0"/>
+              </a:rPr>
+              <a:t>char</a:t>
+            </a:r>
+            <a:r>
+              <a:rPr lang="pt-BR" sz="4400" b="0" dirty="0">
+                <a:solidFill>
+                  <a:srgbClr val="D4D4D4"/>
+                </a:solidFill>
+                <a:effectLst/>
+                <a:latin typeface="Consolas" panose="020B0609020204030204" pitchFamily="49" charset="0"/>
+              </a:rPr>
+              <a:t>*</a:t>
+            </a:r>
+            <a:r>
+              <a:rPr lang="pt-BR" sz="4400" b="0" dirty="0">
+                <a:solidFill>
+                  <a:srgbClr val="CCCCCC"/>
+                </a:solidFill>
+                <a:effectLst/>
+                <a:latin typeface="Consolas" panose="020B0609020204030204" pitchFamily="49" charset="0"/>
+              </a:rPr>
+              <a:t> </a:t>
+            </a:r>
+            <a:r>
+              <a:rPr lang="pt-BR" sz="4400" b="0" dirty="0" err="1">
+                <a:solidFill>
+                  <a:srgbClr val="9CDCFE"/>
+                </a:solidFill>
+                <a:effectLst/>
+                <a:latin typeface="Consolas" panose="020B0609020204030204" pitchFamily="49" charset="0"/>
+              </a:rPr>
+              <a:t>password</a:t>
+            </a:r>
+            <a:r>
+              <a:rPr lang="pt-BR" sz="4400" b="0" dirty="0">
+                <a:solidFill>
+                  <a:srgbClr val="CCCCCC"/>
+                </a:solidFill>
+                <a:effectLst/>
+                <a:latin typeface="Consolas" panose="020B0609020204030204" pitchFamily="49" charset="0"/>
+              </a:rPr>
+              <a:t> </a:t>
+            </a:r>
+            <a:r>
+              <a:rPr lang="pt-BR" sz="4400" b="0" dirty="0">
+                <a:solidFill>
+                  <a:srgbClr val="D4D4D4"/>
+                </a:solidFill>
+                <a:effectLst/>
+                <a:latin typeface="Consolas" panose="020B0609020204030204" pitchFamily="49" charset="0"/>
+              </a:rPr>
+              <a:t>=</a:t>
+            </a:r>
+            <a:r>
+              <a:rPr lang="pt-BR" sz="4400" b="0" dirty="0">
+                <a:solidFill>
+                  <a:srgbClr val="CCCCCC"/>
+                </a:solidFill>
+                <a:effectLst/>
+                <a:latin typeface="Consolas" panose="020B0609020204030204" pitchFamily="49" charset="0"/>
+              </a:rPr>
+              <a:t> </a:t>
+            </a:r>
+            <a:r>
+              <a:rPr lang="pt-BR" sz="4400" b="0" dirty="0">
+                <a:solidFill>
+                  <a:srgbClr val="CE9178"/>
+                </a:solidFill>
+                <a:effectLst/>
+                <a:latin typeface="Consolas" panose="020B0609020204030204" pitchFamily="49" charset="0"/>
+              </a:rPr>
+              <a:t>"0123456789"</a:t>
+            </a:r>
+            <a:r>
+              <a:rPr lang="pt-BR" sz="4400" b="0" dirty="0">
+                <a:solidFill>
+                  <a:srgbClr val="CCCCCC"/>
+                </a:solidFill>
+                <a:effectLst/>
+                <a:latin typeface="Consolas" panose="020B0609020204030204" pitchFamily="49" charset="0"/>
+              </a:rPr>
+              <a:t>;</a:t>
+            </a:r>
+          </a:p>
+          <a:p>
+            <a:pPr marL="0" indent="0">
+              <a:buNone/>
+            </a:pPr>
+            <a:br>
+              <a:rPr lang="pt-BR" sz="4400" b="0" dirty="0">
+                <a:solidFill>
+                  <a:srgbClr val="CCCCCC"/>
+                </a:solidFill>
+                <a:effectLst/>
+                <a:latin typeface="Consolas" panose="020B0609020204030204" pitchFamily="49" charset="0"/>
+              </a:rPr>
+            </a:br>
+            <a:r>
+              <a:rPr lang="pt-BR" sz="4400" b="0" dirty="0" err="1">
+                <a:solidFill>
+                  <a:srgbClr val="569CD6"/>
+                </a:solidFill>
+                <a:effectLst/>
+                <a:latin typeface="Consolas" panose="020B0609020204030204" pitchFamily="49" charset="0"/>
+              </a:rPr>
+              <a:t>const</a:t>
+            </a:r>
+            <a:r>
+              <a:rPr lang="pt-BR" sz="4400" b="0" dirty="0">
+                <a:solidFill>
+                  <a:srgbClr val="CCCCCC"/>
+                </a:solidFill>
+                <a:effectLst/>
+                <a:latin typeface="Consolas" panose="020B0609020204030204" pitchFamily="49" charset="0"/>
+              </a:rPr>
+              <a:t> </a:t>
+            </a:r>
+            <a:r>
+              <a:rPr lang="pt-BR" sz="4400" b="0" dirty="0">
+                <a:solidFill>
+                  <a:srgbClr val="569CD6"/>
+                </a:solidFill>
+                <a:effectLst/>
+                <a:latin typeface="Consolas" panose="020B0609020204030204" pitchFamily="49" charset="0"/>
+              </a:rPr>
+              <a:t>char</a:t>
+            </a:r>
+            <a:r>
+              <a:rPr lang="pt-BR" sz="4400" b="0" dirty="0">
+                <a:solidFill>
+                  <a:srgbClr val="D4D4D4"/>
+                </a:solidFill>
+                <a:effectLst/>
+                <a:latin typeface="Consolas" panose="020B0609020204030204" pitchFamily="49" charset="0"/>
+              </a:rPr>
+              <a:t>*</a:t>
+            </a:r>
+            <a:r>
+              <a:rPr lang="pt-BR" sz="4400" b="0" dirty="0">
+                <a:solidFill>
+                  <a:srgbClr val="CCCCCC"/>
+                </a:solidFill>
+                <a:effectLst/>
+                <a:latin typeface="Consolas" panose="020B0609020204030204" pitchFamily="49" charset="0"/>
+              </a:rPr>
+              <a:t> </a:t>
+            </a:r>
+            <a:r>
+              <a:rPr lang="pt-BR" sz="4400" b="0" dirty="0" err="1">
+                <a:solidFill>
+                  <a:srgbClr val="9CDCFE"/>
+                </a:solidFill>
+                <a:effectLst/>
+                <a:latin typeface="Consolas" panose="020B0609020204030204" pitchFamily="49" charset="0"/>
+              </a:rPr>
+              <a:t>mqtt_broker</a:t>
+            </a:r>
+            <a:r>
+              <a:rPr lang="pt-BR" sz="4400" b="0" dirty="0">
+                <a:solidFill>
+                  <a:srgbClr val="CCCCCC"/>
+                </a:solidFill>
+                <a:effectLst/>
+                <a:latin typeface="Consolas" panose="020B0609020204030204" pitchFamily="49" charset="0"/>
+              </a:rPr>
+              <a:t> </a:t>
+            </a:r>
+            <a:r>
+              <a:rPr lang="pt-BR" sz="4400" b="0" dirty="0">
+                <a:solidFill>
+                  <a:srgbClr val="D4D4D4"/>
+                </a:solidFill>
+                <a:effectLst/>
+                <a:latin typeface="Consolas" panose="020B0609020204030204" pitchFamily="49" charset="0"/>
+              </a:rPr>
+              <a:t>=</a:t>
+            </a:r>
+            <a:r>
+              <a:rPr lang="pt-BR" sz="4400" b="0" dirty="0">
+                <a:solidFill>
+                  <a:srgbClr val="CCCCCC"/>
+                </a:solidFill>
+                <a:effectLst/>
+                <a:latin typeface="Consolas" panose="020B0609020204030204" pitchFamily="49" charset="0"/>
+              </a:rPr>
+              <a:t> </a:t>
+            </a:r>
+            <a:r>
+              <a:rPr lang="pt-BR" sz="4400" b="0" dirty="0">
+                <a:solidFill>
+                  <a:srgbClr val="CE9178"/>
+                </a:solidFill>
+                <a:effectLst/>
+                <a:latin typeface="Consolas" panose="020B0609020204030204" pitchFamily="49" charset="0"/>
+              </a:rPr>
+              <a:t>"broker.emqx.io"</a:t>
+            </a:r>
+            <a:r>
+              <a:rPr lang="pt-BR" sz="4400" b="0" dirty="0">
+                <a:solidFill>
+                  <a:srgbClr val="CCCCCC"/>
+                </a:solidFill>
+                <a:effectLst/>
+                <a:latin typeface="Consolas" panose="020B0609020204030204" pitchFamily="49" charset="0"/>
+              </a:rPr>
+              <a:t>;</a:t>
+            </a:r>
+          </a:p>
+          <a:p>
+            <a:pPr marL="0" indent="0">
+              <a:buNone/>
+            </a:pPr>
+            <a:r>
+              <a:rPr lang="pt-BR" sz="4400" b="0" dirty="0" err="1">
+                <a:solidFill>
+                  <a:srgbClr val="569CD6"/>
+                </a:solidFill>
+                <a:effectLst/>
+                <a:latin typeface="Consolas" panose="020B0609020204030204" pitchFamily="49" charset="0"/>
+              </a:rPr>
+              <a:t>const</a:t>
+            </a:r>
+            <a:r>
+              <a:rPr lang="pt-BR" sz="4400" b="0" dirty="0">
+                <a:solidFill>
+                  <a:srgbClr val="CCCCCC"/>
+                </a:solidFill>
+                <a:effectLst/>
+                <a:latin typeface="Consolas" panose="020B0609020204030204" pitchFamily="49" charset="0"/>
+              </a:rPr>
+              <a:t> </a:t>
+            </a:r>
+            <a:r>
+              <a:rPr lang="pt-BR" sz="4400" b="0" dirty="0" err="1">
+                <a:solidFill>
+                  <a:srgbClr val="569CD6"/>
+                </a:solidFill>
+                <a:effectLst/>
+                <a:latin typeface="Consolas" panose="020B0609020204030204" pitchFamily="49" charset="0"/>
+              </a:rPr>
+              <a:t>int</a:t>
+            </a:r>
+            <a:r>
+              <a:rPr lang="pt-BR" sz="4400" b="0" dirty="0">
+                <a:solidFill>
+                  <a:srgbClr val="CCCCCC"/>
+                </a:solidFill>
+                <a:effectLst/>
+                <a:latin typeface="Consolas" panose="020B0609020204030204" pitchFamily="49" charset="0"/>
+              </a:rPr>
+              <a:t> </a:t>
+            </a:r>
+            <a:r>
+              <a:rPr lang="pt-BR" sz="4400" b="0" dirty="0" err="1">
+                <a:solidFill>
+                  <a:srgbClr val="9CDCFE"/>
+                </a:solidFill>
+                <a:effectLst/>
+                <a:latin typeface="Consolas" panose="020B0609020204030204" pitchFamily="49" charset="0"/>
+              </a:rPr>
+              <a:t>mqtt_port</a:t>
+            </a:r>
+            <a:r>
+              <a:rPr lang="pt-BR" sz="4400" b="0" dirty="0">
+                <a:solidFill>
+                  <a:srgbClr val="CCCCCC"/>
+                </a:solidFill>
+                <a:effectLst/>
+                <a:latin typeface="Consolas" panose="020B0609020204030204" pitchFamily="49" charset="0"/>
+              </a:rPr>
+              <a:t> </a:t>
+            </a:r>
+            <a:r>
+              <a:rPr lang="pt-BR" sz="4400" b="0" dirty="0">
+                <a:solidFill>
+                  <a:srgbClr val="D4D4D4"/>
+                </a:solidFill>
+                <a:effectLst/>
+                <a:latin typeface="Consolas" panose="020B0609020204030204" pitchFamily="49" charset="0"/>
+              </a:rPr>
+              <a:t>=</a:t>
+            </a:r>
+            <a:r>
+              <a:rPr lang="pt-BR" sz="4400" b="0" dirty="0">
+                <a:solidFill>
+                  <a:srgbClr val="CCCCCC"/>
+                </a:solidFill>
+                <a:effectLst/>
+                <a:latin typeface="Consolas" panose="020B0609020204030204" pitchFamily="49" charset="0"/>
+              </a:rPr>
+              <a:t> </a:t>
+            </a:r>
+            <a:r>
+              <a:rPr lang="pt-BR" sz="4400" b="0" dirty="0">
+                <a:solidFill>
+                  <a:srgbClr val="B5CEA8"/>
+                </a:solidFill>
+                <a:effectLst/>
+                <a:latin typeface="Consolas" panose="020B0609020204030204" pitchFamily="49" charset="0"/>
+              </a:rPr>
+              <a:t>1883</a:t>
+            </a:r>
+            <a:r>
+              <a:rPr lang="pt-BR" sz="4400" b="0" dirty="0">
+                <a:solidFill>
+                  <a:srgbClr val="CCCCCC"/>
+                </a:solidFill>
+                <a:effectLst/>
+                <a:latin typeface="Consolas" panose="020B0609020204030204" pitchFamily="49" charset="0"/>
+              </a:rPr>
+              <a:t>;</a:t>
+            </a:r>
+          </a:p>
+          <a:p>
+            <a:pPr marL="0" indent="0">
+              <a:buNone/>
+            </a:pPr>
+            <a:br>
+              <a:rPr lang="pt-BR" sz="4400" b="0" dirty="0">
+                <a:solidFill>
+                  <a:srgbClr val="CCCCCC"/>
+                </a:solidFill>
+                <a:effectLst/>
+                <a:latin typeface="Consolas" panose="020B0609020204030204" pitchFamily="49" charset="0"/>
+              </a:rPr>
+            </a:br>
+            <a:r>
+              <a:rPr lang="pt-BR" sz="4400" b="0" dirty="0">
+                <a:solidFill>
+                  <a:srgbClr val="C586C0"/>
+                </a:solidFill>
+                <a:effectLst/>
+                <a:latin typeface="Consolas" panose="020B0609020204030204" pitchFamily="49" charset="0"/>
+              </a:rPr>
+              <a:t>#define</a:t>
+            </a:r>
+            <a:r>
+              <a:rPr lang="pt-BR" sz="4400" b="0" dirty="0">
+                <a:solidFill>
+                  <a:srgbClr val="569CD6"/>
+                </a:solidFill>
+                <a:effectLst/>
+                <a:latin typeface="Consolas" panose="020B0609020204030204" pitchFamily="49" charset="0"/>
+              </a:rPr>
+              <a:t> ID_MQTT </a:t>
+            </a:r>
+            <a:r>
+              <a:rPr lang="pt-BR" sz="4400" b="0" dirty="0">
+                <a:solidFill>
+                  <a:srgbClr val="CE9178"/>
+                </a:solidFill>
+                <a:effectLst/>
+                <a:latin typeface="Consolas" panose="020B0609020204030204" pitchFamily="49" charset="0"/>
+              </a:rPr>
+              <a:t>""</a:t>
+            </a:r>
+            <a:endParaRPr lang="pt-BR" sz="4400" b="0" dirty="0">
+              <a:solidFill>
+                <a:srgbClr val="CCCCCC"/>
+              </a:solidFill>
+              <a:effectLst/>
+              <a:latin typeface="Consolas" panose="020B0609020204030204" pitchFamily="49" charset="0"/>
+            </a:endParaRPr>
+          </a:p>
+          <a:p>
+            <a:pPr marL="0" indent="0">
+              <a:buNone/>
+            </a:pPr>
+            <a:br>
+              <a:rPr lang="pt-BR" sz="4400" b="0" dirty="0">
+                <a:solidFill>
+                  <a:srgbClr val="CCCCCC"/>
+                </a:solidFill>
+                <a:effectLst/>
+                <a:latin typeface="Consolas" panose="020B0609020204030204" pitchFamily="49" charset="0"/>
+              </a:rPr>
+            </a:br>
+            <a:r>
+              <a:rPr lang="pt-BR" sz="4400" b="0" dirty="0">
+                <a:solidFill>
+                  <a:srgbClr val="C586C0"/>
+                </a:solidFill>
+                <a:effectLst/>
+                <a:latin typeface="Consolas" panose="020B0609020204030204" pitchFamily="49" charset="0"/>
+              </a:rPr>
+              <a:t>#define</a:t>
+            </a:r>
+            <a:r>
+              <a:rPr lang="pt-BR" sz="4400" b="0" dirty="0">
+                <a:solidFill>
+                  <a:srgbClr val="569CD6"/>
+                </a:solidFill>
+                <a:effectLst/>
+                <a:latin typeface="Consolas" panose="020B0609020204030204" pitchFamily="49" charset="0"/>
+              </a:rPr>
+              <a:t> </a:t>
+            </a:r>
+            <a:r>
+              <a:rPr lang="pt-BR" sz="4400" b="0" dirty="0" err="1">
+                <a:solidFill>
+                  <a:srgbClr val="569CD6"/>
+                </a:solidFill>
+                <a:effectLst/>
+                <a:latin typeface="Consolas" panose="020B0609020204030204" pitchFamily="49" charset="0"/>
+              </a:rPr>
+              <a:t>topico_sub_led</a:t>
+            </a:r>
+            <a:r>
+              <a:rPr lang="pt-BR" sz="4400" b="0" dirty="0">
+                <a:solidFill>
+                  <a:srgbClr val="569CD6"/>
+                </a:solidFill>
+                <a:effectLst/>
+                <a:latin typeface="Consolas" panose="020B0609020204030204" pitchFamily="49" charset="0"/>
+              </a:rPr>
+              <a:t> </a:t>
+            </a:r>
+            <a:r>
+              <a:rPr lang="pt-BR" sz="4400" b="0" dirty="0">
+                <a:solidFill>
+                  <a:srgbClr val="CE9178"/>
+                </a:solidFill>
+                <a:effectLst/>
+                <a:latin typeface="Consolas" panose="020B0609020204030204" pitchFamily="49" charset="0"/>
+              </a:rPr>
+              <a:t>"bancada1/led1"</a:t>
+            </a:r>
+            <a:endParaRPr lang="pt-BR" sz="4400" b="0" dirty="0">
+              <a:solidFill>
+                <a:srgbClr val="CCCCCC"/>
+              </a:solidFill>
+              <a:effectLst/>
+              <a:latin typeface="Consolas" panose="020B0609020204030204" pitchFamily="49" charset="0"/>
+            </a:endParaRPr>
+          </a:p>
+          <a:p>
+            <a:pPr marL="0" indent="0">
+              <a:buNone/>
+            </a:pPr>
+            <a:br>
+              <a:rPr lang="pt-BR" sz="4400" b="0" dirty="0">
+                <a:solidFill>
+                  <a:srgbClr val="CCCCCC"/>
+                </a:solidFill>
+                <a:effectLst/>
+                <a:latin typeface="Consolas" panose="020B0609020204030204" pitchFamily="49" charset="0"/>
+              </a:rPr>
+            </a:br>
+            <a:r>
+              <a:rPr lang="pt-BR" sz="4400" b="0" dirty="0" err="1">
+                <a:solidFill>
+                  <a:srgbClr val="CCCCCC"/>
+                </a:solidFill>
+                <a:effectLst/>
+                <a:latin typeface="Consolas" panose="020B0609020204030204" pitchFamily="49" charset="0"/>
+              </a:rPr>
+              <a:t>WiFiClient</a:t>
+            </a:r>
+            <a:r>
+              <a:rPr lang="pt-BR" sz="4400" b="0" dirty="0">
+                <a:solidFill>
+                  <a:srgbClr val="CCCCCC"/>
+                </a:solidFill>
+                <a:effectLst/>
+                <a:latin typeface="Consolas" panose="020B0609020204030204" pitchFamily="49" charset="0"/>
+              </a:rPr>
+              <a:t> </a:t>
+            </a:r>
+            <a:r>
+              <a:rPr lang="pt-BR" sz="4400" b="0" dirty="0" err="1">
+                <a:solidFill>
+                  <a:srgbClr val="9CDCFE"/>
+                </a:solidFill>
+                <a:effectLst/>
+                <a:latin typeface="Consolas" panose="020B0609020204030204" pitchFamily="49" charset="0"/>
+              </a:rPr>
+              <a:t>espClient</a:t>
+            </a:r>
+            <a:r>
+              <a:rPr lang="pt-BR" sz="4400" b="0" dirty="0">
+                <a:solidFill>
+                  <a:srgbClr val="CCCCCC"/>
+                </a:solidFill>
+                <a:effectLst/>
+                <a:latin typeface="Consolas" panose="020B0609020204030204" pitchFamily="49" charset="0"/>
+              </a:rPr>
+              <a:t>;</a:t>
+            </a:r>
+          </a:p>
+          <a:p>
+            <a:pPr marL="0" indent="0">
+              <a:buNone/>
+            </a:pPr>
+            <a:r>
+              <a:rPr lang="pt-BR" sz="4400" b="0" dirty="0" err="1">
+                <a:solidFill>
+                  <a:srgbClr val="4EC9B0"/>
+                </a:solidFill>
+                <a:effectLst/>
+                <a:latin typeface="Consolas" panose="020B0609020204030204" pitchFamily="49" charset="0"/>
+              </a:rPr>
+              <a:t>PubSubClient</a:t>
+            </a:r>
+            <a:r>
+              <a:rPr lang="pt-BR" sz="4400" b="0" dirty="0">
+                <a:solidFill>
+                  <a:srgbClr val="CCCCCC"/>
+                </a:solidFill>
+                <a:effectLst/>
+                <a:latin typeface="Consolas" panose="020B0609020204030204" pitchFamily="49" charset="0"/>
+              </a:rPr>
+              <a:t> </a:t>
+            </a:r>
+            <a:r>
+              <a:rPr lang="pt-BR" sz="4400" b="0" dirty="0">
+                <a:solidFill>
+                  <a:srgbClr val="9CDCFE"/>
+                </a:solidFill>
+                <a:effectLst/>
+                <a:latin typeface="Consolas" panose="020B0609020204030204" pitchFamily="49" charset="0"/>
+              </a:rPr>
+              <a:t>MQTT</a:t>
+            </a:r>
+            <a:r>
+              <a:rPr lang="pt-BR" sz="4400" b="0" dirty="0">
+                <a:solidFill>
+                  <a:srgbClr val="CCCCCC"/>
+                </a:solidFill>
+                <a:effectLst/>
+                <a:latin typeface="Consolas" panose="020B0609020204030204" pitchFamily="49" charset="0"/>
+              </a:rPr>
+              <a:t>(</a:t>
+            </a:r>
+            <a:r>
+              <a:rPr lang="pt-BR" sz="4400" b="0" dirty="0" err="1">
+                <a:solidFill>
+                  <a:srgbClr val="4EC9B0"/>
+                </a:solidFill>
+                <a:effectLst/>
+                <a:latin typeface="Consolas" panose="020B0609020204030204" pitchFamily="49" charset="0"/>
+              </a:rPr>
+              <a:t>espClient</a:t>
+            </a:r>
+            <a:r>
+              <a:rPr lang="pt-BR" sz="4400" b="0" dirty="0">
+                <a:solidFill>
+                  <a:srgbClr val="CCCCCC"/>
+                </a:solidFill>
+                <a:effectLst/>
+                <a:latin typeface="Consolas" panose="020B0609020204030204" pitchFamily="49" charset="0"/>
+              </a:rPr>
+              <a:t>);</a:t>
+            </a:r>
+          </a:p>
+          <a:p>
+            <a:pPr marL="0" indent="0">
+              <a:buNone/>
+            </a:pPr>
+            <a:br>
+              <a:rPr lang="pt-BR" sz="4400" b="0" dirty="0">
+                <a:solidFill>
+                  <a:srgbClr val="CCCCCC"/>
+                </a:solidFill>
+                <a:effectLst/>
+                <a:latin typeface="Consolas" panose="020B0609020204030204" pitchFamily="49" charset="0"/>
+              </a:rPr>
+            </a:br>
+            <a:r>
+              <a:rPr lang="pt-BR" sz="4400" b="0" dirty="0" err="1">
+                <a:solidFill>
+                  <a:srgbClr val="569CD6"/>
+                </a:solidFill>
+                <a:effectLst/>
+                <a:latin typeface="Consolas" panose="020B0609020204030204" pitchFamily="49" charset="0"/>
+              </a:rPr>
+              <a:t>int</a:t>
+            </a:r>
+            <a:r>
+              <a:rPr lang="pt-BR" sz="4400" b="0" dirty="0">
+                <a:solidFill>
+                  <a:srgbClr val="CCCCCC"/>
+                </a:solidFill>
+                <a:effectLst/>
+                <a:latin typeface="Consolas" panose="020B0609020204030204" pitchFamily="49" charset="0"/>
+              </a:rPr>
+              <a:t> </a:t>
+            </a:r>
+            <a:r>
+              <a:rPr lang="pt-BR" sz="4400" b="0" dirty="0">
+                <a:solidFill>
+                  <a:srgbClr val="9CDCFE"/>
+                </a:solidFill>
+                <a:effectLst/>
+                <a:latin typeface="Consolas" panose="020B0609020204030204" pitchFamily="49" charset="0"/>
+              </a:rPr>
+              <a:t>flag</a:t>
+            </a:r>
+            <a:r>
+              <a:rPr lang="pt-BR" sz="4400" b="0" dirty="0">
+                <a:solidFill>
+                  <a:srgbClr val="D4D4D4"/>
+                </a:solidFill>
+                <a:effectLst/>
+                <a:latin typeface="Consolas" panose="020B0609020204030204" pitchFamily="49" charset="0"/>
+              </a:rPr>
+              <a:t>=</a:t>
+            </a:r>
+            <a:r>
+              <a:rPr lang="pt-BR" sz="4400" b="0" dirty="0">
+                <a:solidFill>
+                  <a:srgbClr val="B5CEA8"/>
+                </a:solidFill>
+                <a:effectLst/>
+                <a:latin typeface="Consolas" panose="020B0609020204030204" pitchFamily="49" charset="0"/>
+              </a:rPr>
+              <a:t>0</a:t>
+            </a:r>
+            <a:r>
+              <a:rPr lang="pt-BR" sz="4400" b="0" dirty="0">
+                <a:solidFill>
+                  <a:srgbClr val="CCCCCC"/>
+                </a:solidFill>
+                <a:effectLst/>
+                <a:latin typeface="Consolas" panose="020B0609020204030204" pitchFamily="49" charset="0"/>
+              </a:rPr>
+              <a:t>;</a:t>
+            </a:r>
+          </a:p>
+          <a:p>
+            <a:pPr marL="0" indent="0">
+              <a:buNone/>
+            </a:pPr>
+            <a:br>
+              <a:rPr lang="pt-BR" sz="4400" b="0" dirty="0">
+                <a:solidFill>
+                  <a:srgbClr val="CCCCCC"/>
+                </a:solidFill>
+                <a:effectLst/>
+                <a:latin typeface="Consolas" panose="020B0609020204030204" pitchFamily="49" charset="0"/>
+              </a:rPr>
+            </a:br>
+            <a:r>
+              <a:rPr lang="pt-BR" sz="4400" b="0" dirty="0">
+                <a:solidFill>
+                  <a:srgbClr val="C586C0"/>
+                </a:solidFill>
+                <a:effectLst/>
+                <a:latin typeface="Consolas" panose="020B0609020204030204" pitchFamily="49" charset="0"/>
+              </a:rPr>
+              <a:t>#define</a:t>
+            </a:r>
+            <a:r>
+              <a:rPr lang="pt-BR" sz="4400" b="0" dirty="0">
+                <a:solidFill>
+                  <a:srgbClr val="569CD6"/>
+                </a:solidFill>
+                <a:effectLst/>
+                <a:latin typeface="Consolas" panose="020B0609020204030204" pitchFamily="49" charset="0"/>
+              </a:rPr>
+              <a:t> led </a:t>
+            </a:r>
+            <a:r>
+              <a:rPr lang="pt-BR" sz="4400" b="0" dirty="0">
+                <a:solidFill>
+                  <a:srgbClr val="B5CEA8"/>
+                </a:solidFill>
+                <a:effectLst/>
+                <a:latin typeface="Consolas" panose="020B0609020204030204" pitchFamily="49" charset="0"/>
+              </a:rPr>
+              <a:t>2</a:t>
+            </a:r>
+            <a:endParaRPr lang="pt-BR" sz="4400" b="0" dirty="0">
+              <a:solidFill>
+                <a:srgbClr val="CCCCCC"/>
+              </a:solidFill>
+              <a:effectLst/>
+              <a:latin typeface="Consolas" panose="020B0609020204030204" pitchFamily="49" charset="0"/>
+            </a:endParaRPr>
+          </a:p>
+          <a:p>
+            <a:pPr marL="0" indent="0">
+              <a:buNone/>
+            </a:pPr>
+            <a:br>
+              <a:rPr lang="pt-BR" sz="4400" b="0" dirty="0">
+                <a:solidFill>
+                  <a:srgbClr val="CCCCCC"/>
+                </a:solidFill>
+                <a:effectLst/>
+                <a:latin typeface="Consolas" panose="020B0609020204030204" pitchFamily="49" charset="0"/>
+              </a:rPr>
+            </a:br>
+            <a:endParaRPr lang="pt-BR" dirty="0"/>
+          </a:p>
+        </p:txBody>
+      </p:sp>
+      <p:sp>
+        <p:nvSpPr>
+          <p:cNvPr id="5" name="CaixaDeTexto 4">
+            <a:extLst>
+              <a:ext uri="{FF2B5EF4-FFF2-40B4-BE49-F238E27FC236}">
+                <a16:creationId xmlns:a16="http://schemas.microsoft.com/office/drawing/2014/main" id="{73F11517-F504-6E64-F3BA-538B589E565A}"/>
+              </a:ext>
+            </a:extLst>
+          </p:cNvPr>
+          <p:cNvSpPr txBox="1"/>
+          <p:nvPr/>
+        </p:nvSpPr>
+        <p:spPr>
+          <a:xfrm>
+            <a:off x="5493910" y="1432594"/>
+            <a:ext cx="6096000" cy="4493538"/>
+          </a:xfrm>
+          <a:prstGeom prst="rect">
+            <a:avLst/>
+          </a:prstGeom>
+          <a:solidFill>
+            <a:schemeClr val="tx1"/>
+          </a:solidFill>
+        </p:spPr>
+        <p:txBody>
+          <a:bodyPr wrap="square">
+            <a:spAutoFit/>
+          </a:bodyPr>
+          <a:lstStyle/>
+          <a:p>
+            <a:pPr marL="0" indent="0">
+              <a:buNone/>
+            </a:pPr>
+            <a:r>
+              <a:rPr lang="pt-BR" sz="1100" b="0" dirty="0" err="1">
+                <a:solidFill>
+                  <a:srgbClr val="569CD6"/>
+                </a:solidFill>
+                <a:effectLst/>
+                <a:latin typeface="Consolas" panose="020B0609020204030204" pitchFamily="49" charset="0"/>
+              </a:rPr>
+              <a:t>void</a:t>
+            </a:r>
+            <a:r>
+              <a:rPr lang="pt-BR" sz="1100" b="0" dirty="0">
+                <a:solidFill>
+                  <a:srgbClr val="CCCCCC"/>
+                </a:solidFill>
+                <a:effectLst/>
+                <a:latin typeface="Consolas" panose="020B0609020204030204" pitchFamily="49" charset="0"/>
+              </a:rPr>
+              <a:t> </a:t>
+            </a:r>
+            <a:r>
+              <a:rPr lang="pt-BR" sz="1100" b="0" dirty="0" err="1">
+                <a:solidFill>
+                  <a:srgbClr val="DCDCAA"/>
+                </a:solidFill>
+                <a:effectLst/>
+                <a:latin typeface="Consolas" panose="020B0609020204030204" pitchFamily="49" charset="0"/>
+              </a:rPr>
+              <a:t>conectaWifi</a:t>
+            </a:r>
+            <a:r>
+              <a:rPr lang="pt-BR" sz="1100" b="0" dirty="0">
+                <a:solidFill>
+                  <a:srgbClr val="CCCCCC"/>
+                </a:solidFill>
+                <a:effectLst/>
+                <a:latin typeface="Consolas" panose="020B0609020204030204" pitchFamily="49" charset="0"/>
+              </a:rPr>
+              <a:t>();</a:t>
+            </a:r>
+          </a:p>
+          <a:p>
+            <a:pPr marL="0" indent="0">
+              <a:buNone/>
+            </a:pPr>
+            <a:r>
+              <a:rPr lang="pt-BR" sz="1100" b="0" dirty="0" err="1">
+                <a:solidFill>
+                  <a:srgbClr val="569CD6"/>
+                </a:solidFill>
+                <a:effectLst/>
+                <a:latin typeface="Consolas" panose="020B0609020204030204" pitchFamily="49" charset="0"/>
+              </a:rPr>
+              <a:t>void</a:t>
+            </a:r>
+            <a:r>
+              <a:rPr lang="pt-BR" sz="1100" b="0" dirty="0">
+                <a:solidFill>
+                  <a:srgbClr val="CCCCCC"/>
+                </a:solidFill>
+                <a:effectLst/>
+                <a:latin typeface="Consolas" panose="020B0609020204030204" pitchFamily="49" charset="0"/>
+              </a:rPr>
+              <a:t> </a:t>
+            </a:r>
+            <a:r>
+              <a:rPr lang="pt-BR" sz="1100" b="0" dirty="0" err="1">
+                <a:solidFill>
+                  <a:srgbClr val="DCDCAA"/>
+                </a:solidFill>
+                <a:effectLst/>
+                <a:latin typeface="Consolas" panose="020B0609020204030204" pitchFamily="49" charset="0"/>
+              </a:rPr>
+              <a:t>conectaMQTT</a:t>
+            </a:r>
+            <a:r>
+              <a:rPr lang="pt-BR" sz="1100" b="0" dirty="0">
+                <a:solidFill>
+                  <a:srgbClr val="CCCCCC"/>
+                </a:solidFill>
+                <a:effectLst/>
+                <a:latin typeface="Consolas" panose="020B0609020204030204" pitchFamily="49" charset="0"/>
+              </a:rPr>
+              <a:t>();</a:t>
+            </a:r>
+          </a:p>
+          <a:p>
+            <a:pPr marL="0" indent="0">
+              <a:buNone/>
+            </a:pPr>
+            <a:r>
+              <a:rPr lang="pt-BR" sz="1100" b="0" dirty="0" err="1">
+                <a:solidFill>
+                  <a:srgbClr val="569CD6"/>
+                </a:solidFill>
+                <a:effectLst/>
+                <a:latin typeface="Consolas" panose="020B0609020204030204" pitchFamily="49" charset="0"/>
+              </a:rPr>
+              <a:t>void</a:t>
+            </a:r>
+            <a:r>
+              <a:rPr lang="pt-BR" sz="1100" b="0" dirty="0">
+                <a:solidFill>
+                  <a:srgbClr val="CCCCCC"/>
+                </a:solidFill>
+                <a:effectLst/>
+                <a:latin typeface="Consolas" panose="020B0609020204030204" pitchFamily="49" charset="0"/>
+              </a:rPr>
+              <a:t> </a:t>
+            </a:r>
+            <a:r>
+              <a:rPr lang="pt-BR" sz="1100" b="0" dirty="0" err="1">
+                <a:solidFill>
+                  <a:srgbClr val="DCDCAA"/>
+                </a:solidFill>
+                <a:effectLst/>
+                <a:latin typeface="Consolas" panose="020B0609020204030204" pitchFamily="49" charset="0"/>
+              </a:rPr>
+              <a:t>callback</a:t>
+            </a:r>
+            <a:r>
+              <a:rPr lang="pt-BR" sz="1100" b="0" dirty="0">
+                <a:solidFill>
+                  <a:srgbClr val="CCCCCC"/>
+                </a:solidFill>
+                <a:effectLst/>
+                <a:latin typeface="Consolas" panose="020B0609020204030204" pitchFamily="49" charset="0"/>
+              </a:rPr>
+              <a:t>(</a:t>
+            </a:r>
+            <a:r>
+              <a:rPr lang="pt-BR" sz="1100" b="0" dirty="0">
+                <a:solidFill>
+                  <a:srgbClr val="569CD6"/>
+                </a:solidFill>
+                <a:effectLst/>
+                <a:latin typeface="Consolas" panose="020B0609020204030204" pitchFamily="49" charset="0"/>
+              </a:rPr>
+              <a:t>char</a:t>
+            </a:r>
+            <a:r>
+              <a:rPr lang="pt-BR" sz="1100" b="0" dirty="0">
+                <a:solidFill>
+                  <a:srgbClr val="CCCCCC"/>
+                </a:solidFill>
+                <a:effectLst/>
+                <a:latin typeface="Consolas" panose="020B0609020204030204" pitchFamily="49" charset="0"/>
+              </a:rPr>
+              <a:t> </a:t>
+            </a:r>
+            <a:r>
+              <a:rPr lang="pt-BR" sz="1100" b="0" dirty="0">
+                <a:solidFill>
+                  <a:srgbClr val="569CD6"/>
+                </a:solidFill>
+                <a:effectLst/>
+                <a:latin typeface="Consolas" panose="020B0609020204030204" pitchFamily="49" charset="0"/>
+              </a:rPr>
+              <a:t>*</a:t>
+            </a:r>
+            <a:r>
+              <a:rPr lang="pt-BR" sz="1100" b="0" dirty="0" err="1">
+                <a:solidFill>
+                  <a:srgbClr val="9CDCFE"/>
+                </a:solidFill>
+                <a:effectLst/>
+                <a:latin typeface="Consolas" panose="020B0609020204030204" pitchFamily="49" charset="0"/>
+              </a:rPr>
+              <a:t>topic</a:t>
+            </a:r>
+            <a:r>
+              <a:rPr lang="pt-BR" sz="1100" b="0" dirty="0">
+                <a:solidFill>
+                  <a:srgbClr val="CCCCCC"/>
+                </a:solidFill>
+                <a:effectLst/>
+                <a:latin typeface="Consolas" panose="020B0609020204030204" pitchFamily="49" charset="0"/>
+              </a:rPr>
+              <a:t>, </a:t>
+            </a:r>
+            <a:r>
+              <a:rPr lang="pt-BR" sz="1100" b="0" dirty="0">
+                <a:solidFill>
+                  <a:srgbClr val="4EC9B0"/>
+                </a:solidFill>
+                <a:effectLst/>
+                <a:latin typeface="Consolas" panose="020B0609020204030204" pitchFamily="49" charset="0"/>
+              </a:rPr>
+              <a:t>byte</a:t>
+            </a:r>
+            <a:r>
+              <a:rPr lang="pt-BR" sz="1100" b="0" dirty="0">
+                <a:solidFill>
+                  <a:srgbClr val="CCCCCC"/>
+                </a:solidFill>
+                <a:effectLst/>
+                <a:latin typeface="Consolas" panose="020B0609020204030204" pitchFamily="49" charset="0"/>
+              </a:rPr>
+              <a:t> </a:t>
+            </a:r>
+            <a:r>
+              <a:rPr lang="pt-BR" sz="1100" b="0" dirty="0">
+                <a:solidFill>
+                  <a:srgbClr val="569CD6"/>
+                </a:solidFill>
+                <a:effectLst/>
+                <a:latin typeface="Consolas" panose="020B0609020204030204" pitchFamily="49" charset="0"/>
+              </a:rPr>
+              <a:t>*</a:t>
+            </a:r>
+            <a:r>
+              <a:rPr lang="pt-BR" sz="1100" b="0" dirty="0" err="1">
+                <a:solidFill>
+                  <a:srgbClr val="9CDCFE"/>
+                </a:solidFill>
+                <a:effectLst/>
+                <a:latin typeface="Consolas" panose="020B0609020204030204" pitchFamily="49" charset="0"/>
+              </a:rPr>
+              <a:t>payload</a:t>
+            </a:r>
+            <a:r>
+              <a:rPr lang="pt-BR" sz="1100" b="0" dirty="0">
+                <a:solidFill>
+                  <a:srgbClr val="CCCCCC"/>
+                </a:solidFill>
+                <a:effectLst/>
+                <a:latin typeface="Consolas" panose="020B0609020204030204" pitchFamily="49" charset="0"/>
+              </a:rPr>
+              <a:t>, </a:t>
+            </a:r>
+            <a:r>
+              <a:rPr lang="pt-BR" sz="1100" b="0" dirty="0" err="1">
+                <a:solidFill>
+                  <a:srgbClr val="569CD6"/>
+                </a:solidFill>
+                <a:effectLst/>
+                <a:latin typeface="Consolas" panose="020B0609020204030204" pitchFamily="49" charset="0"/>
+              </a:rPr>
+              <a:t>unsigned</a:t>
+            </a:r>
+            <a:r>
+              <a:rPr lang="pt-BR" sz="1100" b="0" dirty="0">
+                <a:solidFill>
+                  <a:srgbClr val="CCCCCC"/>
+                </a:solidFill>
+                <a:effectLst/>
+                <a:latin typeface="Consolas" panose="020B0609020204030204" pitchFamily="49" charset="0"/>
+              </a:rPr>
+              <a:t> </a:t>
+            </a:r>
+            <a:r>
+              <a:rPr lang="pt-BR" sz="1100" b="0" dirty="0" err="1">
+                <a:solidFill>
+                  <a:srgbClr val="569CD6"/>
+                </a:solidFill>
+                <a:effectLst/>
+                <a:latin typeface="Consolas" panose="020B0609020204030204" pitchFamily="49" charset="0"/>
+              </a:rPr>
+              <a:t>int</a:t>
+            </a:r>
+            <a:r>
+              <a:rPr lang="pt-BR" sz="1100" b="0" dirty="0">
+                <a:solidFill>
+                  <a:srgbClr val="CCCCCC"/>
+                </a:solidFill>
+                <a:effectLst/>
+                <a:latin typeface="Consolas" panose="020B0609020204030204" pitchFamily="49" charset="0"/>
+              </a:rPr>
+              <a:t> </a:t>
+            </a:r>
+            <a:r>
+              <a:rPr lang="pt-BR" sz="1100" b="0" dirty="0" err="1">
+                <a:solidFill>
+                  <a:srgbClr val="9CDCFE"/>
+                </a:solidFill>
+                <a:effectLst/>
+                <a:latin typeface="Consolas" panose="020B0609020204030204" pitchFamily="49" charset="0"/>
+              </a:rPr>
+              <a:t>length</a:t>
+            </a:r>
+            <a:r>
+              <a:rPr lang="pt-BR" sz="1100" b="0" dirty="0">
+                <a:solidFill>
+                  <a:srgbClr val="CCCCCC"/>
+                </a:solidFill>
+                <a:effectLst/>
+                <a:latin typeface="Consolas" panose="020B0609020204030204" pitchFamily="49" charset="0"/>
+              </a:rPr>
+              <a:t>);</a:t>
+            </a:r>
+          </a:p>
+          <a:p>
+            <a:pPr marL="0" indent="0">
+              <a:buNone/>
+            </a:pPr>
+            <a:br>
+              <a:rPr lang="pt-BR" sz="1100" b="0" dirty="0">
+                <a:solidFill>
+                  <a:srgbClr val="CCCCCC"/>
+                </a:solidFill>
+                <a:effectLst/>
+                <a:latin typeface="Consolas" panose="020B0609020204030204" pitchFamily="49" charset="0"/>
+              </a:rPr>
+            </a:br>
+            <a:r>
+              <a:rPr lang="pt-BR" sz="1100" b="0" dirty="0" err="1">
+                <a:solidFill>
+                  <a:srgbClr val="569CD6"/>
+                </a:solidFill>
+                <a:effectLst/>
+                <a:latin typeface="Consolas" panose="020B0609020204030204" pitchFamily="49" charset="0"/>
+              </a:rPr>
+              <a:t>void</a:t>
+            </a:r>
+            <a:r>
+              <a:rPr lang="pt-BR" sz="1100" b="0" dirty="0">
+                <a:solidFill>
+                  <a:srgbClr val="CCCCCC"/>
+                </a:solidFill>
+                <a:effectLst/>
+                <a:latin typeface="Consolas" panose="020B0609020204030204" pitchFamily="49" charset="0"/>
+              </a:rPr>
+              <a:t> </a:t>
+            </a:r>
+            <a:r>
+              <a:rPr lang="pt-BR" sz="1100" b="0" dirty="0">
+                <a:solidFill>
+                  <a:srgbClr val="DCDCAA"/>
+                </a:solidFill>
+                <a:effectLst/>
+                <a:latin typeface="Consolas" panose="020B0609020204030204" pitchFamily="49" charset="0"/>
+              </a:rPr>
+              <a:t>setup</a:t>
+            </a:r>
+            <a:r>
+              <a:rPr lang="pt-BR" sz="1100" b="0" dirty="0">
+                <a:solidFill>
+                  <a:srgbClr val="CCCCCC"/>
+                </a:solidFill>
+                <a:effectLst/>
+                <a:latin typeface="Consolas" panose="020B0609020204030204" pitchFamily="49" charset="0"/>
+              </a:rPr>
+              <a:t>() </a:t>
+            </a:r>
+          </a:p>
+          <a:p>
+            <a:pPr marL="0" indent="0">
+              <a:buNone/>
+            </a:pPr>
+            <a:r>
+              <a:rPr lang="pt-BR" sz="1100" b="0" dirty="0">
+                <a:solidFill>
+                  <a:srgbClr val="CCCCCC"/>
+                </a:solidFill>
+                <a:effectLst/>
+                <a:latin typeface="Consolas" panose="020B0609020204030204" pitchFamily="49" charset="0"/>
+              </a:rPr>
+              <a:t>{  </a:t>
+            </a:r>
+          </a:p>
+          <a:p>
+            <a:pPr marL="0" indent="0">
+              <a:buNone/>
+            </a:pPr>
+            <a:r>
+              <a:rPr lang="pt-BR" sz="1100" b="0" dirty="0">
+                <a:solidFill>
+                  <a:srgbClr val="CCCCCC"/>
+                </a:solidFill>
+                <a:effectLst/>
+                <a:latin typeface="Consolas" panose="020B0609020204030204" pitchFamily="49" charset="0"/>
+              </a:rPr>
+              <a:t>  </a:t>
+            </a:r>
+            <a:r>
+              <a:rPr lang="pt-BR" sz="1100" b="0" dirty="0" err="1">
+                <a:solidFill>
+                  <a:srgbClr val="DCDCAA"/>
+                </a:solidFill>
+                <a:effectLst/>
+                <a:latin typeface="Consolas" panose="020B0609020204030204" pitchFamily="49" charset="0"/>
+              </a:rPr>
+              <a:t>pinMode</a:t>
+            </a:r>
+            <a:r>
+              <a:rPr lang="pt-BR" sz="1100" b="0" dirty="0">
+                <a:solidFill>
+                  <a:srgbClr val="CCCCCC"/>
+                </a:solidFill>
+                <a:effectLst/>
+                <a:latin typeface="Consolas" panose="020B0609020204030204" pitchFamily="49" charset="0"/>
+              </a:rPr>
+              <a:t>(</a:t>
+            </a:r>
+            <a:r>
+              <a:rPr lang="pt-BR" sz="1100" b="0" dirty="0">
+                <a:solidFill>
+                  <a:srgbClr val="569CD6"/>
+                </a:solidFill>
+                <a:effectLst/>
+                <a:latin typeface="Consolas" panose="020B0609020204030204" pitchFamily="49" charset="0"/>
+              </a:rPr>
+              <a:t>led</a:t>
+            </a:r>
+            <a:r>
+              <a:rPr lang="pt-BR" sz="1100" b="0" dirty="0">
+                <a:solidFill>
+                  <a:srgbClr val="CCCCCC"/>
+                </a:solidFill>
+                <a:effectLst/>
+                <a:latin typeface="Consolas" panose="020B0609020204030204" pitchFamily="49" charset="0"/>
+              </a:rPr>
+              <a:t>, OUTPUT);</a:t>
+            </a:r>
+          </a:p>
+          <a:p>
+            <a:pPr marL="0" indent="0">
+              <a:buNone/>
+            </a:pPr>
+            <a:r>
+              <a:rPr lang="pt-BR" sz="1100" b="0" dirty="0">
+                <a:solidFill>
+                  <a:srgbClr val="CCCCCC"/>
+                </a:solidFill>
+                <a:effectLst/>
+                <a:latin typeface="Consolas" panose="020B0609020204030204" pitchFamily="49" charset="0"/>
+              </a:rPr>
+              <a:t>  </a:t>
+            </a:r>
+            <a:r>
+              <a:rPr lang="pt-BR" sz="1100" b="0" dirty="0" err="1">
+                <a:solidFill>
+                  <a:srgbClr val="9CDCFE"/>
+                </a:solidFill>
+                <a:effectLst/>
+                <a:latin typeface="Consolas" panose="020B0609020204030204" pitchFamily="49" charset="0"/>
+              </a:rPr>
+              <a:t>Serial</a:t>
+            </a:r>
+            <a:r>
+              <a:rPr lang="pt-BR" sz="1100" b="0" dirty="0" err="1">
+                <a:solidFill>
+                  <a:srgbClr val="CCCCCC"/>
+                </a:solidFill>
+                <a:effectLst/>
+                <a:latin typeface="Consolas" panose="020B0609020204030204" pitchFamily="49" charset="0"/>
+              </a:rPr>
+              <a:t>.</a:t>
+            </a:r>
+            <a:r>
+              <a:rPr lang="pt-BR" sz="1100" b="0" dirty="0" err="1">
+                <a:solidFill>
+                  <a:srgbClr val="DCDCAA"/>
+                </a:solidFill>
+                <a:effectLst/>
+                <a:latin typeface="Consolas" panose="020B0609020204030204" pitchFamily="49" charset="0"/>
+              </a:rPr>
+              <a:t>begin</a:t>
+            </a:r>
+            <a:r>
+              <a:rPr lang="pt-BR" sz="1100" b="0" dirty="0">
+                <a:solidFill>
+                  <a:srgbClr val="CCCCCC"/>
+                </a:solidFill>
+                <a:effectLst/>
+                <a:latin typeface="Consolas" panose="020B0609020204030204" pitchFamily="49" charset="0"/>
+              </a:rPr>
+              <a:t>(</a:t>
+            </a:r>
+            <a:r>
+              <a:rPr lang="pt-BR" sz="1100" b="0" dirty="0">
+                <a:solidFill>
+                  <a:srgbClr val="B5CEA8"/>
+                </a:solidFill>
+                <a:effectLst/>
+                <a:latin typeface="Consolas" panose="020B0609020204030204" pitchFamily="49" charset="0"/>
+              </a:rPr>
+              <a:t>9600</a:t>
+            </a:r>
+            <a:r>
+              <a:rPr lang="pt-BR" sz="1100" b="0" dirty="0">
+                <a:solidFill>
+                  <a:srgbClr val="CCCCCC"/>
+                </a:solidFill>
+                <a:effectLst/>
+                <a:latin typeface="Consolas" panose="020B0609020204030204" pitchFamily="49" charset="0"/>
+              </a:rPr>
+              <a:t>);</a:t>
+            </a:r>
+          </a:p>
+          <a:p>
+            <a:pPr marL="0" indent="0">
+              <a:buNone/>
+            </a:pPr>
+            <a:r>
+              <a:rPr lang="pt-BR" sz="1100" b="0" dirty="0">
+                <a:solidFill>
+                  <a:srgbClr val="CCCCCC"/>
+                </a:solidFill>
+                <a:effectLst/>
+                <a:latin typeface="Consolas" panose="020B0609020204030204" pitchFamily="49" charset="0"/>
+              </a:rPr>
+              <a:t>  </a:t>
+            </a:r>
+            <a:r>
+              <a:rPr lang="pt-BR" sz="1100" b="0" dirty="0" err="1">
+                <a:solidFill>
+                  <a:srgbClr val="DCDCAA"/>
+                </a:solidFill>
+                <a:effectLst/>
+                <a:latin typeface="Consolas" panose="020B0609020204030204" pitchFamily="49" charset="0"/>
+              </a:rPr>
+              <a:t>conectaWifi</a:t>
+            </a:r>
+            <a:r>
+              <a:rPr lang="pt-BR" sz="1100" b="0" dirty="0">
+                <a:solidFill>
+                  <a:srgbClr val="CCCCCC"/>
+                </a:solidFill>
+                <a:effectLst/>
+                <a:latin typeface="Consolas" panose="020B0609020204030204" pitchFamily="49" charset="0"/>
+              </a:rPr>
+              <a:t>();</a:t>
+            </a:r>
+          </a:p>
+          <a:p>
+            <a:pPr marL="0" indent="0">
+              <a:buNone/>
+            </a:pPr>
+            <a:r>
+              <a:rPr lang="pt-BR" sz="1100" b="0" dirty="0">
+                <a:solidFill>
+                  <a:srgbClr val="CCCCCC"/>
+                </a:solidFill>
+                <a:effectLst/>
+                <a:latin typeface="Consolas" panose="020B0609020204030204" pitchFamily="49" charset="0"/>
+              </a:rPr>
+              <a:t>  </a:t>
+            </a:r>
+            <a:r>
+              <a:rPr lang="pt-BR" sz="1100" b="0" dirty="0" err="1">
+                <a:solidFill>
+                  <a:srgbClr val="9CDCFE"/>
+                </a:solidFill>
+                <a:effectLst/>
+                <a:latin typeface="Consolas" panose="020B0609020204030204" pitchFamily="49" charset="0"/>
+              </a:rPr>
+              <a:t>MQTT</a:t>
+            </a:r>
+            <a:r>
+              <a:rPr lang="pt-BR" sz="1100" b="0" dirty="0" err="1">
+                <a:solidFill>
+                  <a:srgbClr val="CCCCCC"/>
+                </a:solidFill>
+                <a:effectLst/>
+                <a:latin typeface="Consolas" panose="020B0609020204030204" pitchFamily="49" charset="0"/>
+              </a:rPr>
+              <a:t>.</a:t>
+            </a:r>
+            <a:r>
+              <a:rPr lang="pt-BR" sz="1100" b="0" dirty="0" err="1">
+                <a:solidFill>
+                  <a:srgbClr val="DCDCAA"/>
+                </a:solidFill>
+                <a:effectLst/>
+                <a:latin typeface="Consolas" panose="020B0609020204030204" pitchFamily="49" charset="0"/>
+              </a:rPr>
+              <a:t>setServer</a:t>
+            </a:r>
+            <a:r>
+              <a:rPr lang="pt-BR" sz="1100" b="0" dirty="0">
+                <a:solidFill>
+                  <a:srgbClr val="CCCCCC"/>
+                </a:solidFill>
+                <a:effectLst/>
+                <a:latin typeface="Consolas" panose="020B0609020204030204" pitchFamily="49" charset="0"/>
+              </a:rPr>
+              <a:t>(</a:t>
+            </a:r>
+            <a:r>
+              <a:rPr lang="pt-BR" sz="1100" b="0" dirty="0" err="1">
+                <a:solidFill>
+                  <a:srgbClr val="9CDCFE"/>
+                </a:solidFill>
+                <a:effectLst/>
+                <a:latin typeface="Consolas" panose="020B0609020204030204" pitchFamily="49" charset="0"/>
+              </a:rPr>
+              <a:t>mqtt_broker</a:t>
+            </a:r>
+            <a:r>
+              <a:rPr lang="pt-BR" sz="1100" b="0" dirty="0">
+                <a:solidFill>
+                  <a:srgbClr val="CCCCCC"/>
+                </a:solidFill>
+                <a:effectLst/>
+                <a:latin typeface="Consolas" panose="020B0609020204030204" pitchFamily="49" charset="0"/>
+              </a:rPr>
+              <a:t>, </a:t>
+            </a:r>
+            <a:r>
+              <a:rPr lang="pt-BR" sz="1100" b="0" dirty="0" err="1">
+                <a:solidFill>
+                  <a:srgbClr val="9CDCFE"/>
+                </a:solidFill>
+                <a:effectLst/>
+                <a:latin typeface="Consolas" panose="020B0609020204030204" pitchFamily="49" charset="0"/>
+              </a:rPr>
+              <a:t>mqtt_port</a:t>
+            </a:r>
+            <a:r>
+              <a:rPr lang="pt-BR" sz="1100" b="0" dirty="0">
+                <a:solidFill>
+                  <a:srgbClr val="CCCCCC"/>
+                </a:solidFill>
+                <a:effectLst/>
+                <a:latin typeface="Consolas" panose="020B0609020204030204" pitchFamily="49" charset="0"/>
+              </a:rPr>
+              <a:t>);</a:t>
+            </a:r>
+          </a:p>
+          <a:p>
+            <a:pPr marL="0" indent="0">
+              <a:buNone/>
+            </a:pPr>
+            <a:r>
+              <a:rPr lang="pt-BR" sz="1100" b="0" dirty="0">
+                <a:solidFill>
+                  <a:srgbClr val="CCCCCC"/>
+                </a:solidFill>
+                <a:effectLst/>
+                <a:latin typeface="Consolas" panose="020B0609020204030204" pitchFamily="49" charset="0"/>
+              </a:rPr>
+              <a:t>  </a:t>
+            </a:r>
+            <a:r>
+              <a:rPr lang="pt-BR" sz="1100" b="0" dirty="0" err="1">
+                <a:solidFill>
+                  <a:srgbClr val="9CDCFE"/>
+                </a:solidFill>
+                <a:effectLst/>
+                <a:latin typeface="Consolas" panose="020B0609020204030204" pitchFamily="49" charset="0"/>
+              </a:rPr>
+              <a:t>MQTT</a:t>
+            </a:r>
+            <a:r>
+              <a:rPr lang="pt-BR" sz="1100" b="0" dirty="0" err="1">
+                <a:solidFill>
+                  <a:srgbClr val="CCCCCC"/>
+                </a:solidFill>
+                <a:effectLst/>
+                <a:latin typeface="Consolas" panose="020B0609020204030204" pitchFamily="49" charset="0"/>
+              </a:rPr>
+              <a:t>.</a:t>
+            </a:r>
+            <a:r>
+              <a:rPr lang="pt-BR" sz="1100" b="0" dirty="0" err="1">
+                <a:solidFill>
+                  <a:srgbClr val="DCDCAA"/>
+                </a:solidFill>
+                <a:effectLst/>
+                <a:latin typeface="Consolas" panose="020B0609020204030204" pitchFamily="49" charset="0"/>
+              </a:rPr>
+              <a:t>setCallback</a:t>
+            </a:r>
+            <a:r>
+              <a:rPr lang="pt-BR" sz="1100" b="0" dirty="0">
+                <a:solidFill>
+                  <a:srgbClr val="CCCCCC"/>
+                </a:solidFill>
+                <a:effectLst/>
+                <a:latin typeface="Consolas" panose="020B0609020204030204" pitchFamily="49" charset="0"/>
+              </a:rPr>
+              <a:t>(</a:t>
+            </a:r>
+            <a:r>
+              <a:rPr lang="pt-BR" sz="1100" b="0" dirty="0" err="1">
+                <a:solidFill>
+                  <a:srgbClr val="DCDCAA"/>
+                </a:solidFill>
+                <a:effectLst/>
+                <a:latin typeface="Consolas" panose="020B0609020204030204" pitchFamily="49" charset="0"/>
+              </a:rPr>
+              <a:t>callback</a:t>
+            </a:r>
+            <a:r>
+              <a:rPr lang="pt-BR" sz="1100" b="0" dirty="0">
+                <a:solidFill>
+                  <a:srgbClr val="CCCCCC"/>
+                </a:solidFill>
+                <a:effectLst/>
+                <a:latin typeface="Consolas" panose="020B0609020204030204" pitchFamily="49" charset="0"/>
+              </a:rPr>
+              <a:t>);</a:t>
+            </a:r>
+          </a:p>
+          <a:p>
+            <a:pPr marL="0" indent="0">
+              <a:buNone/>
+            </a:pPr>
+            <a:r>
+              <a:rPr lang="pt-BR" sz="1100" b="0" dirty="0">
+                <a:solidFill>
+                  <a:srgbClr val="CCCCCC"/>
+                </a:solidFill>
+                <a:effectLst/>
+                <a:latin typeface="Consolas" panose="020B0609020204030204" pitchFamily="49" charset="0"/>
+              </a:rPr>
+              <a:t>}</a:t>
+            </a:r>
+          </a:p>
+          <a:p>
+            <a:pPr marL="0" indent="0">
+              <a:buNone/>
+            </a:pPr>
+            <a:br>
+              <a:rPr lang="pt-BR" sz="1100" b="0" dirty="0">
+                <a:solidFill>
+                  <a:srgbClr val="CCCCCC"/>
+                </a:solidFill>
+                <a:effectLst/>
+                <a:latin typeface="Consolas" panose="020B0609020204030204" pitchFamily="49" charset="0"/>
+              </a:rPr>
+            </a:br>
+            <a:r>
+              <a:rPr lang="pt-BR" sz="1100" b="0" dirty="0" err="1">
+                <a:solidFill>
+                  <a:srgbClr val="569CD6"/>
+                </a:solidFill>
+                <a:effectLst/>
+                <a:latin typeface="Consolas" panose="020B0609020204030204" pitchFamily="49" charset="0"/>
+              </a:rPr>
+              <a:t>void</a:t>
+            </a:r>
+            <a:r>
+              <a:rPr lang="pt-BR" sz="1100" b="0" dirty="0">
+                <a:solidFill>
+                  <a:srgbClr val="CCCCCC"/>
+                </a:solidFill>
+                <a:effectLst/>
+                <a:latin typeface="Consolas" panose="020B0609020204030204" pitchFamily="49" charset="0"/>
+              </a:rPr>
+              <a:t> </a:t>
+            </a:r>
+            <a:r>
+              <a:rPr lang="pt-BR" sz="1100" b="0" dirty="0" err="1">
+                <a:solidFill>
+                  <a:srgbClr val="DCDCAA"/>
+                </a:solidFill>
+                <a:effectLst/>
+                <a:latin typeface="Consolas" panose="020B0609020204030204" pitchFamily="49" charset="0"/>
+              </a:rPr>
+              <a:t>conectaWifi</a:t>
+            </a:r>
+            <a:r>
+              <a:rPr lang="pt-BR" sz="1100" b="0" dirty="0">
+                <a:solidFill>
+                  <a:srgbClr val="CCCCCC"/>
+                </a:solidFill>
+                <a:effectLst/>
+                <a:latin typeface="Consolas" panose="020B0609020204030204" pitchFamily="49" charset="0"/>
+              </a:rPr>
+              <a:t>()</a:t>
+            </a:r>
+          </a:p>
+          <a:p>
+            <a:pPr marL="0" indent="0">
+              <a:buNone/>
+            </a:pPr>
+            <a:r>
+              <a:rPr lang="pt-BR" sz="1100" b="0" dirty="0">
+                <a:solidFill>
+                  <a:srgbClr val="CCCCCC"/>
+                </a:solidFill>
+                <a:effectLst/>
+                <a:latin typeface="Consolas" panose="020B0609020204030204" pitchFamily="49" charset="0"/>
+              </a:rPr>
+              <a:t>{</a:t>
+            </a:r>
+          </a:p>
+          <a:p>
+            <a:pPr marL="0" indent="0">
+              <a:buNone/>
+            </a:pPr>
+            <a:r>
+              <a:rPr lang="pt-BR" sz="1100" b="0" dirty="0">
+                <a:solidFill>
+                  <a:srgbClr val="CCCCCC"/>
+                </a:solidFill>
+                <a:effectLst/>
+                <a:latin typeface="Consolas" panose="020B0609020204030204" pitchFamily="49" charset="0"/>
+              </a:rPr>
+              <a:t>  </a:t>
+            </a:r>
+            <a:r>
+              <a:rPr lang="pt-BR" sz="1100" b="0" dirty="0" err="1">
+                <a:solidFill>
+                  <a:srgbClr val="9CDCFE"/>
+                </a:solidFill>
+                <a:effectLst/>
+                <a:latin typeface="Consolas" panose="020B0609020204030204" pitchFamily="49" charset="0"/>
+              </a:rPr>
+              <a:t>Serial</a:t>
+            </a:r>
+            <a:r>
+              <a:rPr lang="pt-BR" sz="1100" b="0" dirty="0" err="1">
+                <a:solidFill>
+                  <a:srgbClr val="CCCCCC"/>
+                </a:solidFill>
+                <a:effectLst/>
+                <a:latin typeface="Consolas" panose="020B0609020204030204" pitchFamily="49" charset="0"/>
+              </a:rPr>
+              <a:t>.</a:t>
+            </a:r>
+            <a:r>
+              <a:rPr lang="pt-BR" sz="1100" b="0" dirty="0" err="1">
+                <a:solidFill>
+                  <a:srgbClr val="DCDCAA"/>
+                </a:solidFill>
+                <a:effectLst/>
+                <a:latin typeface="Consolas" panose="020B0609020204030204" pitchFamily="49" charset="0"/>
+              </a:rPr>
+              <a:t>println</a:t>
+            </a:r>
+            <a:r>
+              <a:rPr lang="pt-BR" sz="1100" b="0" dirty="0">
+                <a:solidFill>
+                  <a:srgbClr val="CCCCCC"/>
+                </a:solidFill>
+                <a:effectLst/>
+                <a:latin typeface="Consolas" panose="020B0609020204030204" pitchFamily="49" charset="0"/>
+              </a:rPr>
+              <a:t>(</a:t>
+            </a:r>
+            <a:r>
+              <a:rPr lang="pt-BR" sz="1100" b="0" dirty="0">
+                <a:solidFill>
+                  <a:srgbClr val="CE9178"/>
+                </a:solidFill>
+                <a:effectLst/>
+                <a:latin typeface="Consolas" panose="020B0609020204030204" pitchFamily="49" charset="0"/>
+              </a:rPr>
+              <a:t>"Conectado a rede </a:t>
+            </a:r>
+            <a:r>
+              <a:rPr lang="pt-BR" sz="1100" b="0" dirty="0" err="1">
+                <a:solidFill>
+                  <a:srgbClr val="CE9178"/>
+                </a:solidFill>
+                <a:effectLst/>
+                <a:latin typeface="Consolas" panose="020B0609020204030204" pitchFamily="49" charset="0"/>
+              </a:rPr>
+              <a:t>wifi</a:t>
+            </a:r>
+            <a:r>
+              <a:rPr lang="pt-BR" sz="1100" b="0" dirty="0">
+                <a:solidFill>
+                  <a:srgbClr val="CE9178"/>
+                </a:solidFill>
+                <a:effectLst/>
+                <a:latin typeface="Consolas" panose="020B0609020204030204" pitchFamily="49" charset="0"/>
+              </a:rPr>
+              <a:t>!"</a:t>
+            </a:r>
+            <a:r>
+              <a:rPr lang="pt-BR" sz="1100" b="0" dirty="0">
+                <a:solidFill>
+                  <a:srgbClr val="CCCCCC"/>
+                </a:solidFill>
+                <a:effectLst/>
+                <a:latin typeface="Consolas" panose="020B0609020204030204" pitchFamily="49" charset="0"/>
+              </a:rPr>
+              <a:t>);</a:t>
+            </a:r>
+          </a:p>
+          <a:p>
+            <a:pPr marL="0" indent="0">
+              <a:buNone/>
+            </a:pPr>
+            <a:r>
+              <a:rPr lang="pt-BR" sz="1100" b="0" dirty="0">
+                <a:solidFill>
+                  <a:srgbClr val="CCCCCC"/>
+                </a:solidFill>
+                <a:effectLst/>
+                <a:latin typeface="Consolas" panose="020B0609020204030204" pitchFamily="49" charset="0"/>
+              </a:rPr>
+              <a:t>  </a:t>
+            </a:r>
+            <a:r>
+              <a:rPr lang="pt-BR" sz="1100" b="0" dirty="0" err="1">
+                <a:solidFill>
+                  <a:srgbClr val="9CDCFE"/>
+                </a:solidFill>
+                <a:effectLst/>
+                <a:latin typeface="Consolas" panose="020B0609020204030204" pitchFamily="49" charset="0"/>
+              </a:rPr>
+              <a:t>WiFi</a:t>
+            </a:r>
+            <a:r>
+              <a:rPr lang="pt-BR" sz="1100" b="0" dirty="0" err="1">
+                <a:solidFill>
+                  <a:srgbClr val="CCCCCC"/>
+                </a:solidFill>
+                <a:effectLst/>
+                <a:latin typeface="Consolas" panose="020B0609020204030204" pitchFamily="49" charset="0"/>
+              </a:rPr>
+              <a:t>.</a:t>
+            </a:r>
+            <a:r>
+              <a:rPr lang="pt-BR" sz="1100" b="0" dirty="0" err="1">
+                <a:solidFill>
+                  <a:srgbClr val="DCDCAA"/>
+                </a:solidFill>
+                <a:effectLst/>
+                <a:latin typeface="Consolas" panose="020B0609020204030204" pitchFamily="49" charset="0"/>
+              </a:rPr>
+              <a:t>begin</a:t>
+            </a:r>
+            <a:r>
+              <a:rPr lang="pt-BR" sz="1100" b="0" dirty="0">
+                <a:solidFill>
+                  <a:srgbClr val="CCCCCC"/>
+                </a:solidFill>
+                <a:effectLst/>
+                <a:latin typeface="Consolas" panose="020B0609020204030204" pitchFamily="49" charset="0"/>
+              </a:rPr>
+              <a:t>(</a:t>
+            </a:r>
+            <a:r>
+              <a:rPr lang="pt-BR" sz="1100" b="0" dirty="0" err="1">
+                <a:solidFill>
+                  <a:srgbClr val="9CDCFE"/>
+                </a:solidFill>
+                <a:effectLst/>
+                <a:latin typeface="Consolas" panose="020B0609020204030204" pitchFamily="49" charset="0"/>
+              </a:rPr>
+              <a:t>ssid</a:t>
+            </a:r>
+            <a:r>
+              <a:rPr lang="pt-BR" sz="1100" b="0" dirty="0">
+                <a:solidFill>
+                  <a:srgbClr val="CCCCCC"/>
+                </a:solidFill>
+                <a:effectLst/>
+                <a:latin typeface="Consolas" panose="020B0609020204030204" pitchFamily="49" charset="0"/>
+              </a:rPr>
+              <a:t>, </a:t>
+            </a:r>
+            <a:r>
+              <a:rPr lang="pt-BR" sz="1100" b="0" dirty="0" err="1">
+                <a:solidFill>
+                  <a:srgbClr val="9CDCFE"/>
+                </a:solidFill>
+                <a:effectLst/>
+                <a:latin typeface="Consolas" panose="020B0609020204030204" pitchFamily="49" charset="0"/>
+              </a:rPr>
+              <a:t>password</a:t>
+            </a:r>
+            <a:r>
+              <a:rPr lang="pt-BR" sz="1100" b="0" dirty="0">
+                <a:solidFill>
+                  <a:srgbClr val="CCCCCC"/>
+                </a:solidFill>
+                <a:effectLst/>
+                <a:latin typeface="Consolas" panose="020B0609020204030204" pitchFamily="49" charset="0"/>
+              </a:rPr>
+              <a:t>);</a:t>
+            </a:r>
+          </a:p>
+          <a:p>
+            <a:pPr marL="0" indent="0">
+              <a:buNone/>
+            </a:pPr>
+            <a:r>
+              <a:rPr lang="pt-BR" sz="1100" b="0" dirty="0">
+                <a:solidFill>
+                  <a:srgbClr val="CCCCCC"/>
+                </a:solidFill>
+                <a:effectLst/>
+                <a:latin typeface="Consolas" panose="020B0609020204030204" pitchFamily="49" charset="0"/>
+              </a:rPr>
+              <a:t>  </a:t>
+            </a:r>
+            <a:r>
+              <a:rPr lang="pt-BR" sz="1100" b="0" dirty="0" err="1">
+                <a:solidFill>
+                  <a:srgbClr val="C586C0"/>
+                </a:solidFill>
+                <a:effectLst/>
+                <a:latin typeface="Consolas" panose="020B0609020204030204" pitchFamily="49" charset="0"/>
+              </a:rPr>
+              <a:t>while</a:t>
+            </a:r>
+            <a:r>
+              <a:rPr lang="pt-BR" sz="1100" b="0" dirty="0">
+                <a:solidFill>
+                  <a:srgbClr val="CCCCCC"/>
+                </a:solidFill>
+                <a:effectLst/>
+                <a:latin typeface="Consolas" panose="020B0609020204030204" pitchFamily="49" charset="0"/>
+              </a:rPr>
+              <a:t> (</a:t>
+            </a:r>
+            <a:r>
+              <a:rPr lang="pt-BR" sz="1100" b="0" dirty="0" err="1">
+                <a:solidFill>
+                  <a:srgbClr val="9CDCFE"/>
+                </a:solidFill>
+                <a:effectLst/>
+                <a:latin typeface="Consolas" panose="020B0609020204030204" pitchFamily="49" charset="0"/>
+              </a:rPr>
+              <a:t>WiFi</a:t>
+            </a:r>
+            <a:r>
+              <a:rPr lang="pt-BR" sz="1100" b="0" dirty="0" err="1">
+                <a:solidFill>
+                  <a:srgbClr val="CCCCCC"/>
+                </a:solidFill>
+                <a:effectLst/>
+                <a:latin typeface="Consolas" panose="020B0609020204030204" pitchFamily="49" charset="0"/>
+              </a:rPr>
+              <a:t>.</a:t>
+            </a:r>
+            <a:r>
+              <a:rPr lang="pt-BR" sz="1100" b="0" dirty="0" err="1">
+                <a:solidFill>
+                  <a:srgbClr val="DCDCAA"/>
+                </a:solidFill>
+                <a:effectLst/>
+                <a:latin typeface="Consolas" panose="020B0609020204030204" pitchFamily="49" charset="0"/>
+              </a:rPr>
+              <a:t>status</a:t>
+            </a:r>
+            <a:r>
+              <a:rPr lang="pt-BR" sz="1100" b="0" dirty="0">
+                <a:solidFill>
+                  <a:srgbClr val="CCCCCC"/>
+                </a:solidFill>
+                <a:effectLst/>
+                <a:latin typeface="Consolas" panose="020B0609020204030204" pitchFamily="49" charset="0"/>
+              </a:rPr>
+              <a:t>() </a:t>
+            </a:r>
+            <a:r>
+              <a:rPr lang="pt-BR" sz="1100" b="0" dirty="0">
+                <a:solidFill>
+                  <a:srgbClr val="D4D4D4"/>
+                </a:solidFill>
+                <a:effectLst/>
+                <a:latin typeface="Consolas" panose="020B0609020204030204" pitchFamily="49" charset="0"/>
+              </a:rPr>
+              <a:t>!=</a:t>
+            </a:r>
+            <a:r>
+              <a:rPr lang="pt-BR" sz="1100" b="0" dirty="0">
+                <a:solidFill>
+                  <a:srgbClr val="CCCCCC"/>
+                </a:solidFill>
+                <a:effectLst/>
+                <a:latin typeface="Consolas" panose="020B0609020204030204" pitchFamily="49" charset="0"/>
+              </a:rPr>
+              <a:t> WL_CONNECTED) </a:t>
+            </a:r>
+          </a:p>
+          <a:p>
+            <a:pPr marL="0" indent="0">
+              <a:buNone/>
+            </a:pPr>
+            <a:r>
+              <a:rPr lang="pt-BR" sz="1100" b="0" dirty="0">
+                <a:solidFill>
+                  <a:srgbClr val="CCCCCC"/>
+                </a:solidFill>
+                <a:effectLst/>
+                <a:latin typeface="Consolas" panose="020B0609020204030204" pitchFamily="49" charset="0"/>
+              </a:rPr>
+              <a:t>  {</a:t>
+            </a:r>
+          </a:p>
+          <a:p>
+            <a:pPr marL="0" indent="0">
+              <a:buNone/>
+            </a:pPr>
+            <a:r>
+              <a:rPr lang="pt-BR" sz="1100" b="0" dirty="0">
+                <a:solidFill>
+                  <a:srgbClr val="CCCCCC"/>
+                </a:solidFill>
+                <a:effectLst/>
+                <a:latin typeface="Consolas" panose="020B0609020204030204" pitchFamily="49" charset="0"/>
+              </a:rPr>
+              <a:t>    </a:t>
+            </a:r>
+            <a:r>
+              <a:rPr lang="pt-BR" sz="1100" b="0" dirty="0">
+                <a:solidFill>
+                  <a:srgbClr val="DCDCAA"/>
+                </a:solidFill>
+                <a:effectLst/>
+                <a:latin typeface="Consolas" panose="020B0609020204030204" pitchFamily="49" charset="0"/>
+              </a:rPr>
+              <a:t>delay</a:t>
+            </a:r>
+            <a:r>
+              <a:rPr lang="pt-BR" sz="1100" b="0" dirty="0">
+                <a:solidFill>
+                  <a:srgbClr val="CCCCCC"/>
+                </a:solidFill>
+                <a:effectLst/>
+                <a:latin typeface="Consolas" panose="020B0609020204030204" pitchFamily="49" charset="0"/>
+              </a:rPr>
+              <a:t>(</a:t>
+            </a:r>
+            <a:r>
+              <a:rPr lang="pt-BR" sz="1100" b="0" dirty="0">
+                <a:solidFill>
+                  <a:srgbClr val="B5CEA8"/>
+                </a:solidFill>
+                <a:effectLst/>
+                <a:latin typeface="Consolas" panose="020B0609020204030204" pitchFamily="49" charset="0"/>
+              </a:rPr>
+              <a:t>500</a:t>
+            </a:r>
+            <a:r>
+              <a:rPr lang="pt-BR" sz="1100" b="0" dirty="0">
+                <a:solidFill>
+                  <a:srgbClr val="CCCCCC"/>
+                </a:solidFill>
+                <a:effectLst/>
+                <a:latin typeface="Consolas" panose="020B0609020204030204" pitchFamily="49" charset="0"/>
+              </a:rPr>
+              <a:t>);</a:t>
+            </a:r>
+          </a:p>
+          <a:p>
+            <a:pPr marL="0" indent="0">
+              <a:buNone/>
+            </a:pPr>
+            <a:r>
+              <a:rPr lang="pt-BR" sz="1100" b="0" dirty="0">
+                <a:solidFill>
+                  <a:srgbClr val="CCCCCC"/>
+                </a:solidFill>
+                <a:effectLst/>
+                <a:latin typeface="Consolas" panose="020B0609020204030204" pitchFamily="49" charset="0"/>
+              </a:rPr>
+              <a:t>    </a:t>
+            </a:r>
+            <a:r>
+              <a:rPr lang="pt-BR" sz="1100" b="0" dirty="0" err="1">
+                <a:solidFill>
+                  <a:srgbClr val="9CDCFE"/>
+                </a:solidFill>
+                <a:effectLst/>
+                <a:latin typeface="Consolas" panose="020B0609020204030204" pitchFamily="49" charset="0"/>
+              </a:rPr>
+              <a:t>Serial</a:t>
+            </a:r>
+            <a:r>
+              <a:rPr lang="pt-BR" sz="1100" b="0" dirty="0" err="1">
+                <a:solidFill>
+                  <a:srgbClr val="CCCCCC"/>
+                </a:solidFill>
+                <a:effectLst/>
+                <a:latin typeface="Consolas" panose="020B0609020204030204" pitchFamily="49" charset="0"/>
+              </a:rPr>
+              <a:t>.</a:t>
+            </a:r>
+            <a:r>
+              <a:rPr lang="pt-BR" sz="1100" b="0" dirty="0" err="1">
+                <a:solidFill>
+                  <a:srgbClr val="DCDCAA"/>
+                </a:solidFill>
+                <a:effectLst/>
+                <a:latin typeface="Consolas" panose="020B0609020204030204" pitchFamily="49" charset="0"/>
+              </a:rPr>
+              <a:t>println</a:t>
+            </a:r>
+            <a:r>
+              <a:rPr lang="pt-BR" sz="1100" b="0" dirty="0">
+                <a:solidFill>
+                  <a:srgbClr val="CCCCCC"/>
+                </a:solidFill>
+                <a:effectLst/>
+                <a:latin typeface="Consolas" panose="020B0609020204030204" pitchFamily="49" charset="0"/>
+              </a:rPr>
+              <a:t>(</a:t>
+            </a:r>
+            <a:r>
+              <a:rPr lang="pt-BR" sz="1100" b="0" dirty="0">
+                <a:solidFill>
+                  <a:srgbClr val="CE9178"/>
+                </a:solidFill>
+                <a:effectLst/>
+                <a:latin typeface="Consolas" panose="020B0609020204030204" pitchFamily="49" charset="0"/>
+              </a:rPr>
+              <a:t>"Conectando a rede </a:t>
+            </a:r>
+            <a:r>
+              <a:rPr lang="pt-BR" sz="1100" b="0" dirty="0" err="1">
+                <a:solidFill>
+                  <a:srgbClr val="CE9178"/>
+                </a:solidFill>
+                <a:effectLst/>
+                <a:latin typeface="Consolas" panose="020B0609020204030204" pitchFamily="49" charset="0"/>
+              </a:rPr>
+              <a:t>wifi</a:t>
+            </a:r>
+            <a:r>
+              <a:rPr lang="pt-BR" sz="1100" b="0" dirty="0">
+                <a:solidFill>
+                  <a:srgbClr val="CE9178"/>
+                </a:solidFill>
+                <a:effectLst/>
+                <a:latin typeface="Consolas" panose="020B0609020204030204" pitchFamily="49" charset="0"/>
+              </a:rPr>
+              <a:t>...."</a:t>
+            </a:r>
+            <a:r>
+              <a:rPr lang="pt-BR" sz="1100" b="0" dirty="0">
+                <a:solidFill>
+                  <a:srgbClr val="CCCCCC"/>
+                </a:solidFill>
+                <a:effectLst/>
+                <a:latin typeface="Consolas" panose="020B0609020204030204" pitchFamily="49" charset="0"/>
+              </a:rPr>
+              <a:t>);</a:t>
+            </a:r>
+          </a:p>
+          <a:p>
+            <a:pPr marL="0" indent="0">
+              <a:buNone/>
+            </a:pPr>
+            <a:r>
+              <a:rPr lang="pt-BR" sz="1100" b="0" dirty="0">
+                <a:solidFill>
+                  <a:srgbClr val="CCCCCC"/>
+                </a:solidFill>
+                <a:effectLst/>
+                <a:latin typeface="Consolas" panose="020B0609020204030204" pitchFamily="49" charset="0"/>
+              </a:rPr>
+              <a:t>  }</a:t>
+            </a:r>
+          </a:p>
+          <a:p>
+            <a:pPr marL="0" indent="0">
+              <a:buNone/>
+            </a:pPr>
+            <a:r>
+              <a:rPr lang="pt-BR" sz="1100" b="0" dirty="0">
+                <a:solidFill>
+                  <a:srgbClr val="CCCCCC"/>
+                </a:solidFill>
+                <a:effectLst/>
+                <a:latin typeface="Consolas" panose="020B0609020204030204" pitchFamily="49" charset="0"/>
+              </a:rPr>
+              <a:t>  </a:t>
+            </a:r>
+            <a:r>
+              <a:rPr lang="pt-BR" sz="1100" b="0" dirty="0" err="1">
+                <a:solidFill>
+                  <a:srgbClr val="9CDCFE"/>
+                </a:solidFill>
+                <a:effectLst/>
+                <a:latin typeface="Consolas" panose="020B0609020204030204" pitchFamily="49" charset="0"/>
+              </a:rPr>
+              <a:t>Serial</a:t>
+            </a:r>
+            <a:r>
+              <a:rPr lang="pt-BR" sz="1100" b="0" dirty="0" err="1">
+                <a:solidFill>
+                  <a:srgbClr val="CCCCCC"/>
+                </a:solidFill>
+                <a:effectLst/>
+                <a:latin typeface="Consolas" panose="020B0609020204030204" pitchFamily="49" charset="0"/>
+              </a:rPr>
+              <a:t>.</a:t>
+            </a:r>
+            <a:r>
+              <a:rPr lang="pt-BR" sz="1100" b="0" dirty="0" err="1">
+                <a:solidFill>
+                  <a:srgbClr val="DCDCAA"/>
+                </a:solidFill>
+                <a:effectLst/>
+                <a:latin typeface="Consolas" panose="020B0609020204030204" pitchFamily="49" charset="0"/>
+              </a:rPr>
+              <a:t>println</a:t>
+            </a:r>
+            <a:r>
+              <a:rPr lang="pt-BR" sz="1100" b="0" dirty="0">
+                <a:solidFill>
+                  <a:srgbClr val="CCCCCC"/>
+                </a:solidFill>
+                <a:effectLst/>
+                <a:latin typeface="Consolas" panose="020B0609020204030204" pitchFamily="49" charset="0"/>
+              </a:rPr>
+              <a:t>(</a:t>
+            </a:r>
+            <a:r>
+              <a:rPr lang="pt-BR" sz="1100" b="0" dirty="0">
+                <a:solidFill>
+                  <a:srgbClr val="CE9178"/>
+                </a:solidFill>
+                <a:effectLst/>
+                <a:latin typeface="Consolas" panose="020B0609020204030204" pitchFamily="49" charset="0"/>
+              </a:rPr>
+              <a:t>"Conectado a rede </a:t>
+            </a:r>
+            <a:r>
+              <a:rPr lang="pt-BR" sz="1100" b="0" dirty="0" err="1">
+                <a:solidFill>
+                  <a:srgbClr val="CE9178"/>
+                </a:solidFill>
+                <a:effectLst/>
+                <a:latin typeface="Consolas" panose="020B0609020204030204" pitchFamily="49" charset="0"/>
+              </a:rPr>
+              <a:t>wifi</a:t>
+            </a:r>
+            <a:r>
+              <a:rPr lang="pt-BR" sz="1100" b="0" dirty="0">
+                <a:solidFill>
+                  <a:srgbClr val="CE9178"/>
+                </a:solidFill>
+                <a:effectLst/>
+                <a:latin typeface="Consolas" panose="020B0609020204030204" pitchFamily="49" charset="0"/>
+              </a:rPr>
+              <a:t>!"</a:t>
+            </a:r>
+            <a:r>
+              <a:rPr lang="pt-BR" sz="1100" b="0" dirty="0">
+                <a:solidFill>
+                  <a:srgbClr val="CCCCCC"/>
+                </a:solidFill>
+                <a:effectLst/>
+                <a:latin typeface="Consolas" panose="020B0609020204030204" pitchFamily="49" charset="0"/>
+              </a:rPr>
+              <a:t>);</a:t>
+            </a:r>
+          </a:p>
+          <a:p>
+            <a:pPr marL="0" indent="0">
+              <a:buNone/>
+            </a:pPr>
+            <a:r>
+              <a:rPr lang="pt-BR" sz="1100" b="0" dirty="0">
+                <a:solidFill>
+                  <a:srgbClr val="CCCCCC"/>
+                </a:solidFill>
+                <a:effectLst/>
+                <a:latin typeface="Consolas" panose="020B0609020204030204" pitchFamily="49" charset="0"/>
+              </a:rPr>
+              <a:t>}</a:t>
+            </a:r>
+          </a:p>
+          <a:p>
+            <a:pPr marL="0" indent="0">
+              <a:buNone/>
+            </a:pPr>
+            <a:br>
+              <a:rPr lang="pt-BR" sz="1100" b="0" dirty="0">
+                <a:solidFill>
+                  <a:srgbClr val="CCCCCC"/>
+                </a:solidFill>
+                <a:effectLst/>
+                <a:latin typeface="Consolas" panose="020B0609020204030204" pitchFamily="49" charset="0"/>
+              </a:rPr>
+            </a:br>
+            <a:endParaRPr lang="pt-BR" sz="1100" b="0" dirty="0">
+              <a:solidFill>
+                <a:srgbClr val="CCCCCC"/>
+              </a:solidFill>
+              <a:effectLst/>
+              <a:latin typeface="Consolas" panose="020B0609020204030204" pitchFamily="49" charset="0"/>
+            </a:endParaRPr>
+          </a:p>
+        </p:txBody>
+      </p:sp>
+    </p:spTree>
+    <p:extLst>
+      <p:ext uri="{BB962C8B-B14F-4D97-AF65-F5344CB8AC3E}">
+        <p14:creationId xmlns:p14="http://schemas.microsoft.com/office/powerpoint/2010/main" val="2588924863"/>
+      </p:ext>
+    </p:extLst>
+  </p:cSld>
+  <p:clrMapOvr>
+    <a:masterClrMapping/>
+  </p:clrMapOvr>
+</p:sld>
+</file>
+
+<file path=ppt/slides/slide24.xml><?xml version="1.0" encoding="utf-8"?>
+<p:sld xmlns:a="http://schemas.openxmlformats.org/drawingml/2006/main" xmlns:r="http://schemas.openxmlformats.org/officeDocument/2006/relationships" xmlns:p="http://schemas.openxmlformats.org/presentationml/2006/main">
+  <p:cSld>
+    <p:spTree>
+      <p:nvGrpSpPr>
+        <p:cNvPr id="1" name=""/>
+        <p:cNvGrpSpPr/>
+        <p:nvPr/>
+      </p:nvGrpSpPr>
+      <p:grpSpPr>
+        <a:xfrm>
+          <a:off x="0" y="0"/>
+          <a:ext cx="0" cy="0"/>
+          <a:chOff x="0" y="0"/>
+          <a:chExt cx="0" cy="0"/>
+        </a:xfrm>
+      </p:grpSpPr>
+      <p:sp>
+        <p:nvSpPr>
+          <p:cNvPr id="4" name="CaixaDeTexto 3">
+            <a:extLst>
+              <a:ext uri="{FF2B5EF4-FFF2-40B4-BE49-F238E27FC236}">
+                <a16:creationId xmlns:a16="http://schemas.microsoft.com/office/drawing/2014/main" id="{9FB452DD-9B36-5032-9BE6-8D6D5B32FCE4}"/>
+              </a:ext>
+            </a:extLst>
+          </p:cNvPr>
+          <p:cNvSpPr txBox="1"/>
+          <p:nvPr/>
+        </p:nvSpPr>
+        <p:spPr>
+          <a:xfrm>
+            <a:off x="88233" y="1472700"/>
+            <a:ext cx="5654668" cy="3308598"/>
+          </a:xfrm>
+          <a:prstGeom prst="rect">
+            <a:avLst/>
+          </a:prstGeom>
+          <a:solidFill>
+            <a:schemeClr val="tx1"/>
+          </a:solidFill>
+        </p:spPr>
+        <p:txBody>
+          <a:bodyPr wrap="square">
+            <a:spAutoFit/>
+          </a:bodyPr>
+          <a:lstStyle/>
+          <a:p>
+            <a:pPr marL="0" indent="0">
+              <a:buNone/>
+            </a:pPr>
+            <a:r>
+              <a:rPr lang="pt-BR" sz="1100" b="0" dirty="0" err="1">
+                <a:solidFill>
+                  <a:srgbClr val="569CD6"/>
+                </a:solidFill>
+                <a:effectLst/>
+                <a:latin typeface="Consolas" panose="020B0609020204030204" pitchFamily="49" charset="0"/>
+              </a:rPr>
+              <a:t>void</a:t>
+            </a:r>
+            <a:r>
+              <a:rPr lang="pt-BR" sz="1100" b="0" dirty="0">
+                <a:solidFill>
+                  <a:srgbClr val="CCCCCC"/>
+                </a:solidFill>
+                <a:effectLst/>
+                <a:latin typeface="Consolas" panose="020B0609020204030204" pitchFamily="49" charset="0"/>
+              </a:rPr>
+              <a:t> </a:t>
+            </a:r>
+            <a:r>
+              <a:rPr lang="pt-BR" sz="1100" b="0" dirty="0" err="1">
+                <a:solidFill>
+                  <a:srgbClr val="DCDCAA"/>
+                </a:solidFill>
+                <a:effectLst/>
+                <a:latin typeface="Consolas" panose="020B0609020204030204" pitchFamily="49" charset="0"/>
+              </a:rPr>
+              <a:t>conectaMQTT</a:t>
+            </a:r>
+            <a:r>
+              <a:rPr lang="pt-BR" sz="1100" b="0" dirty="0">
+                <a:solidFill>
+                  <a:srgbClr val="CCCCCC"/>
+                </a:solidFill>
+                <a:effectLst/>
+                <a:latin typeface="Consolas" panose="020B0609020204030204" pitchFamily="49" charset="0"/>
+              </a:rPr>
+              <a:t>()</a:t>
+            </a:r>
+          </a:p>
+          <a:p>
+            <a:pPr marL="0" indent="0">
+              <a:buNone/>
+            </a:pPr>
+            <a:r>
+              <a:rPr lang="pt-BR" sz="1100" b="0" dirty="0">
+                <a:solidFill>
+                  <a:srgbClr val="CCCCCC"/>
+                </a:solidFill>
+                <a:effectLst/>
+                <a:latin typeface="Consolas" panose="020B0609020204030204" pitchFamily="49" charset="0"/>
+              </a:rPr>
+              <a:t>{</a:t>
+            </a:r>
+          </a:p>
+          <a:p>
+            <a:pPr marL="0" indent="0">
+              <a:buNone/>
+            </a:pPr>
+            <a:r>
+              <a:rPr lang="pt-BR" sz="1100" b="0" dirty="0">
+                <a:solidFill>
+                  <a:srgbClr val="CCCCCC"/>
+                </a:solidFill>
+                <a:effectLst/>
+                <a:latin typeface="Consolas" panose="020B0609020204030204" pitchFamily="49" charset="0"/>
+              </a:rPr>
+              <a:t>  </a:t>
+            </a:r>
+            <a:r>
+              <a:rPr lang="pt-BR" sz="1100" b="0" dirty="0" err="1">
+                <a:solidFill>
+                  <a:srgbClr val="C586C0"/>
+                </a:solidFill>
+                <a:effectLst/>
+                <a:latin typeface="Consolas" panose="020B0609020204030204" pitchFamily="49" charset="0"/>
+              </a:rPr>
+              <a:t>while</a:t>
+            </a:r>
+            <a:r>
+              <a:rPr lang="pt-BR" sz="1100" b="0" dirty="0">
+                <a:solidFill>
+                  <a:srgbClr val="CCCCCC"/>
+                </a:solidFill>
+                <a:effectLst/>
+                <a:latin typeface="Consolas" panose="020B0609020204030204" pitchFamily="49" charset="0"/>
+              </a:rPr>
+              <a:t>(</a:t>
+            </a:r>
+            <a:r>
+              <a:rPr lang="pt-BR" sz="1100" b="0" dirty="0">
+                <a:solidFill>
+                  <a:srgbClr val="D4D4D4"/>
+                </a:solidFill>
+                <a:effectLst/>
+                <a:latin typeface="Consolas" panose="020B0609020204030204" pitchFamily="49" charset="0"/>
+              </a:rPr>
+              <a:t>!</a:t>
+            </a:r>
+            <a:r>
+              <a:rPr lang="pt-BR" sz="1100" b="0" dirty="0" err="1">
+                <a:solidFill>
+                  <a:srgbClr val="9CDCFE"/>
+                </a:solidFill>
+                <a:effectLst/>
+                <a:latin typeface="Consolas" panose="020B0609020204030204" pitchFamily="49" charset="0"/>
+              </a:rPr>
+              <a:t>MQTT</a:t>
+            </a:r>
+            <a:r>
+              <a:rPr lang="pt-BR" sz="1100" b="0" dirty="0" err="1">
+                <a:solidFill>
+                  <a:srgbClr val="CCCCCC"/>
+                </a:solidFill>
+                <a:effectLst/>
+                <a:latin typeface="Consolas" panose="020B0609020204030204" pitchFamily="49" charset="0"/>
+              </a:rPr>
+              <a:t>.</a:t>
+            </a:r>
+            <a:r>
+              <a:rPr lang="pt-BR" sz="1100" b="0" dirty="0" err="1">
+                <a:solidFill>
+                  <a:srgbClr val="DCDCAA"/>
+                </a:solidFill>
+                <a:effectLst/>
+                <a:latin typeface="Consolas" panose="020B0609020204030204" pitchFamily="49" charset="0"/>
+              </a:rPr>
+              <a:t>connected</a:t>
+            </a:r>
+            <a:r>
+              <a:rPr lang="pt-BR" sz="1100" b="0" dirty="0">
+                <a:solidFill>
+                  <a:srgbClr val="CCCCCC"/>
+                </a:solidFill>
+                <a:effectLst/>
+                <a:latin typeface="Consolas" panose="020B0609020204030204" pitchFamily="49" charset="0"/>
+              </a:rPr>
+              <a:t>()) </a:t>
+            </a:r>
+          </a:p>
+          <a:p>
+            <a:pPr marL="0" indent="0">
+              <a:buNone/>
+            </a:pPr>
+            <a:r>
+              <a:rPr lang="pt-BR" sz="1100" b="0" dirty="0">
+                <a:solidFill>
+                  <a:srgbClr val="CCCCCC"/>
+                </a:solidFill>
+                <a:effectLst/>
+                <a:latin typeface="Consolas" panose="020B0609020204030204" pitchFamily="49" charset="0"/>
+              </a:rPr>
+              <a:t>  {</a:t>
+            </a:r>
+          </a:p>
+          <a:p>
+            <a:pPr marL="0" indent="0">
+              <a:buNone/>
+            </a:pPr>
+            <a:r>
+              <a:rPr lang="pt-BR" sz="1100" b="0" dirty="0">
+                <a:solidFill>
+                  <a:srgbClr val="CCCCCC"/>
+                </a:solidFill>
+                <a:effectLst/>
+                <a:latin typeface="Consolas" panose="020B0609020204030204" pitchFamily="49" charset="0"/>
+              </a:rPr>
+              <a:t>    </a:t>
+            </a:r>
+            <a:r>
+              <a:rPr lang="pt-BR" sz="1100" b="0" dirty="0" err="1">
+                <a:solidFill>
+                  <a:srgbClr val="C586C0"/>
+                </a:solidFill>
+                <a:effectLst/>
+                <a:latin typeface="Consolas" panose="020B0609020204030204" pitchFamily="49" charset="0"/>
+              </a:rPr>
+              <a:t>if</a:t>
+            </a:r>
+            <a:r>
+              <a:rPr lang="pt-BR" sz="1100" b="0" dirty="0">
+                <a:solidFill>
+                  <a:srgbClr val="CCCCCC"/>
+                </a:solidFill>
+                <a:effectLst/>
+                <a:latin typeface="Consolas" panose="020B0609020204030204" pitchFamily="49" charset="0"/>
+              </a:rPr>
+              <a:t>(</a:t>
+            </a:r>
+            <a:r>
+              <a:rPr lang="pt-BR" sz="1100" b="0" dirty="0" err="1">
+                <a:solidFill>
+                  <a:srgbClr val="9CDCFE"/>
+                </a:solidFill>
+                <a:effectLst/>
+                <a:latin typeface="Consolas" panose="020B0609020204030204" pitchFamily="49" charset="0"/>
+              </a:rPr>
+              <a:t>MQTT</a:t>
+            </a:r>
+            <a:r>
+              <a:rPr lang="pt-BR" sz="1100" b="0" dirty="0" err="1">
+                <a:solidFill>
+                  <a:srgbClr val="CCCCCC"/>
+                </a:solidFill>
+                <a:effectLst/>
+                <a:latin typeface="Consolas" panose="020B0609020204030204" pitchFamily="49" charset="0"/>
+              </a:rPr>
+              <a:t>.</a:t>
+            </a:r>
+            <a:r>
+              <a:rPr lang="pt-BR" sz="1100" b="0" dirty="0" err="1">
+                <a:solidFill>
+                  <a:srgbClr val="DCDCAA"/>
+                </a:solidFill>
+                <a:effectLst/>
+                <a:latin typeface="Consolas" panose="020B0609020204030204" pitchFamily="49" charset="0"/>
+              </a:rPr>
+              <a:t>connect</a:t>
+            </a:r>
+            <a:r>
+              <a:rPr lang="pt-BR" sz="1100" b="0" dirty="0">
+                <a:solidFill>
+                  <a:srgbClr val="CCCCCC"/>
+                </a:solidFill>
+                <a:effectLst/>
+                <a:latin typeface="Consolas" panose="020B0609020204030204" pitchFamily="49" charset="0"/>
+              </a:rPr>
+              <a:t>(</a:t>
+            </a:r>
+            <a:r>
+              <a:rPr lang="pt-BR" sz="1100" b="0" dirty="0">
+                <a:solidFill>
+                  <a:srgbClr val="569CD6"/>
+                </a:solidFill>
+                <a:effectLst/>
+                <a:latin typeface="Consolas" panose="020B0609020204030204" pitchFamily="49" charset="0"/>
+              </a:rPr>
+              <a:t>ID_MQTT</a:t>
+            </a:r>
+            <a:r>
+              <a:rPr lang="pt-BR" sz="1100" b="0" dirty="0">
+                <a:solidFill>
+                  <a:srgbClr val="CCCCCC"/>
+                </a:solidFill>
+                <a:effectLst/>
+                <a:latin typeface="Consolas" panose="020B0609020204030204" pitchFamily="49" charset="0"/>
+              </a:rPr>
+              <a:t>))</a:t>
+            </a:r>
+          </a:p>
+          <a:p>
+            <a:pPr marL="0" indent="0">
+              <a:buNone/>
+            </a:pPr>
+            <a:r>
+              <a:rPr lang="pt-BR" sz="1100" b="0" dirty="0">
+                <a:solidFill>
+                  <a:srgbClr val="CCCCCC"/>
+                </a:solidFill>
+                <a:effectLst/>
+                <a:latin typeface="Consolas" panose="020B0609020204030204" pitchFamily="49" charset="0"/>
+              </a:rPr>
+              <a:t>    {</a:t>
+            </a:r>
+          </a:p>
+          <a:p>
+            <a:pPr marL="0" indent="0">
+              <a:buNone/>
+            </a:pPr>
+            <a:r>
+              <a:rPr lang="pt-BR" sz="1100" b="0" dirty="0">
+                <a:solidFill>
+                  <a:srgbClr val="CCCCCC"/>
+                </a:solidFill>
+                <a:effectLst/>
+                <a:latin typeface="Consolas" panose="020B0609020204030204" pitchFamily="49" charset="0"/>
+              </a:rPr>
+              <a:t>      </a:t>
+            </a:r>
+            <a:r>
+              <a:rPr lang="pt-BR" sz="1100" b="0" dirty="0" err="1">
+                <a:solidFill>
+                  <a:srgbClr val="9CDCFE"/>
+                </a:solidFill>
+                <a:effectLst/>
+                <a:latin typeface="Consolas" panose="020B0609020204030204" pitchFamily="49" charset="0"/>
+              </a:rPr>
+              <a:t>Serial</a:t>
+            </a:r>
+            <a:r>
+              <a:rPr lang="pt-BR" sz="1100" b="0" dirty="0" err="1">
+                <a:solidFill>
+                  <a:srgbClr val="CCCCCC"/>
+                </a:solidFill>
+                <a:effectLst/>
+                <a:latin typeface="Consolas" panose="020B0609020204030204" pitchFamily="49" charset="0"/>
+              </a:rPr>
+              <a:t>.</a:t>
+            </a:r>
+            <a:r>
+              <a:rPr lang="pt-BR" sz="1100" b="0" dirty="0" err="1">
+                <a:solidFill>
+                  <a:srgbClr val="DCDCAA"/>
+                </a:solidFill>
+                <a:effectLst/>
+                <a:latin typeface="Consolas" panose="020B0609020204030204" pitchFamily="49" charset="0"/>
+              </a:rPr>
+              <a:t>println</a:t>
+            </a:r>
+            <a:r>
+              <a:rPr lang="pt-BR" sz="1100" b="0" dirty="0">
+                <a:solidFill>
+                  <a:srgbClr val="CCCCCC"/>
+                </a:solidFill>
+                <a:effectLst/>
+                <a:latin typeface="Consolas" panose="020B0609020204030204" pitchFamily="49" charset="0"/>
+              </a:rPr>
+              <a:t>(</a:t>
+            </a:r>
+            <a:r>
+              <a:rPr lang="pt-BR" sz="1100" b="0" dirty="0">
+                <a:solidFill>
+                  <a:srgbClr val="CE9178"/>
+                </a:solidFill>
+                <a:effectLst/>
+                <a:latin typeface="Consolas" panose="020B0609020204030204" pitchFamily="49" charset="0"/>
+              </a:rPr>
+              <a:t>"Conectado ao Broker!"</a:t>
+            </a:r>
+            <a:r>
+              <a:rPr lang="pt-BR" sz="1100" b="0" dirty="0">
+                <a:solidFill>
+                  <a:srgbClr val="CCCCCC"/>
+                </a:solidFill>
+                <a:effectLst/>
+                <a:latin typeface="Consolas" panose="020B0609020204030204" pitchFamily="49" charset="0"/>
+              </a:rPr>
+              <a:t>);</a:t>
+            </a:r>
+          </a:p>
+          <a:p>
+            <a:pPr marL="0" indent="0">
+              <a:buNone/>
+            </a:pPr>
+            <a:r>
+              <a:rPr lang="pt-BR" sz="1100" b="0" dirty="0">
+                <a:solidFill>
+                  <a:srgbClr val="CCCCCC"/>
+                </a:solidFill>
+                <a:effectLst/>
+                <a:latin typeface="Consolas" panose="020B0609020204030204" pitchFamily="49" charset="0"/>
+              </a:rPr>
+              <a:t>      </a:t>
+            </a:r>
+            <a:r>
+              <a:rPr lang="pt-BR" sz="1100" b="0" dirty="0" err="1">
+                <a:solidFill>
+                  <a:srgbClr val="9CDCFE"/>
+                </a:solidFill>
+                <a:effectLst/>
+                <a:latin typeface="Consolas" panose="020B0609020204030204" pitchFamily="49" charset="0"/>
+              </a:rPr>
+              <a:t>MQTT</a:t>
+            </a:r>
+            <a:r>
+              <a:rPr lang="pt-BR" sz="1100" b="0" dirty="0" err="1">
+                <a:solidFill>
+                  <a:srgbClr val="CCCCCC"/>
+                </a:solidFill>
+                <a:effectLst/>
+                <a:latin typeface="Consolas" panose="020B0609020204030204" pitchFamily="49" charset="0"/>
+              </a:rPr>
+              <a:t>.</a:t>
+            </a:r>
+            <a:r>
+              <a:rPr lang="pt-BR" sz="1100" b="0" dirty="0" err="1">
+                <a:solidFill>
+                  <a:srgbClr val="DCDCAA"/>
+                </a:solidFill>
+                <a:effectLst/>
+                <a:latin typeface="Consolas" panose="020B0609020204030204" pitchFamily="49" charset="0"/>
+              </a:rPr>
+              <a:t>subscribe</a:t>
+            </a:r>
+            <a:r>
+              <a:rPr lang="pt-BR" sz="1100" b="0" dirty="0">
+                <a:solidFill>
+                  <a:srgbClr val="CCCCCC"/>
+                </a:solidFill>
+                <a:effectLst/>
+                <a:latin typeface="Consolas" panose="020B0609020204030204" pitchFamily="49" charset="0"/>
+              </a:rPr>
+              <a:t>(</a:t>
+            </a:r>
+            <a:r>
+              <a:rPr lang="pt-BR" sz="1100" b="0" dirty="0" err="1">
+                <a:solidFill>
+                  <a:srgbClr val="569CD6"/>
+                </a:solidFill>
+                <a:effectLst/>
+                <a:latin typeface="Consolas" panose="020B0609020204030204" pitchFamily="49" charset="0"/>
+              </a:rPr>
+              <a:t>topico_sub_led</a:t>
+            </a:r>
+            <a:r>
+              <a:rPr lang="pt-BR" sz="1100" b="0" dirty="0">
+                <a:solidFill>
+                  <a:srgbClr val="CCCCCC"/>
+                </a:solidFill>
+                <a:effectLst/>
+                <a:latin typeface="Consolas" panose="020B0609020204030204" pitchFamily="49" charset="0"/>
+              </a:rPr>
+              <a:t>);</a:t>
+            </a:r>
+          </a:p>
+          <a:p>
+            <a:pPr marL="0" indent="0">
+              <a:buNone/>
+            </a:pPr>
+            <a:r>
+              <a:rPr lang="pt-BR" sz="1100" b="0" dirty="0">
+                <a:solidFill>
+                  <a:srgbClr val="CCCCCC"/>
+                </a:solidFill>
+                <a:effectLst/>
+                <a:latin typeface="Consolas" panose="020B0609020204030204" pitchFamily="49" charset="0"/>
+              </a:rPr>
+              <a:t>    } </a:t>
+            </a:r>
+          </a:p>
+          <a:p>
+            <a:pPr marL="0" indent="0">
+              <a:buNone/>
+            </a:pPr>
+            <a:r>
+              <a:rPr lang="pt-BR" sz="1100" b="0" dirty="0">
+                <a:solidFill>
+                  <a:srgbClr val="CCCCCC"/>
+                </a:solidFill>
+                <a:effectLst/>
+                <a:latin typeface="Consolas" panose="020B0609020204030204" pitchFamily="49" charset="0"/>
+              </a:rPr>
+              <a:t>    </a:t>
+            </a:r>
+            <a:r>
+              <a:rPr lang="pt-BR" sz="1100" b="0" dirty="0" err="1">
+                <a:solidFill>
+                  <a:srgbClr val="C586C0"/>
+                </a:solidFill>
+                <a:effectLst/>
+                <a:latin typeface="Consolas" panose="020B0609020204030204" pitchFamily="49" charset="0"/>
+              </a:rPr>
+              <a:t>else</a:t>
+            </a:r>
+            <a:r>
+              <a:rPr lang="pt-BR" sz="1100" b="0" dirty="0">
+                <a:solidFill>
+                  <a:srgbClr val="CCCCCC"/>
+                </a:solidFill>
+                <a:effectLst/>
+                <a:latin typeface="Consolas" panose="020B0609020204030204" pitchFamily="49" charset="0"/>
+              </a:rPr>
+              <a:t> </a:t>
+            </a:r>
+          </a:p>
+          <a:p>
+            <a:pPr marL="0" indent="0">
+              <a:buNone/>
+            </a:pPr>
+            <a:r>
+              <a:rPr lang="pt-BR" sz="1100" b="0" dirty="0">
+                <a:solidFill>
+                  <a:srgbClr val="CCCCCC"/>
+                </a:solidFill>
+                <a:effectLst/>
+                <a:latin typeface="Consolas" panose="020B0609020204030204" pitchFamily="49" charset="0"/>
+              </a:rPr>
+              <a:t>    {</a:t>
+            </a:r>
+          </a:p>
+          <a:p>
+            <a:pPr marL="0" indent="0">
+              <a:buNone/>
+            </a:pPr>
+            <a:r>
+              <a:rPr lang="pt-BR" sz="1100" b="0" dirty="0">
+                <a:solidFill>
+                  <a:srgbClr val="CCCCCC"/>
+                </a:solidFill>
+                <a:effectLst/>
+                <a:latin typeface="Consolas" panose="020B0609020204030204" pitchFamily="49" charset="0"/>
+              </a:rPr>
+              <a:t>      </a:t>
+            </a:r>
+            <a:r>
+              <a:rPr lang="pt-BR" sz="1100" b="0" dirty="0" err="1">
+                <a:solidFill>
+                  <a:srgbClr val="9CDCFE"/>
+                </a:solidFill>
+                <a:effectLst/>
+                <a:latin typeface="Consolas" panose="020B0609020204030204" pitchFamily="49" charset="0"/>
+              </a:rPr>
+              <a:t>Serial</a:t>
+            </a:r>
+            <a:r>
+              <a:rPr lang="pt-BR" sz="1100" b="0" dirty="0" err="1">
+                <a:solidFill>
+                  <a:srgbClr val="CCCCCC"/>
+                </a:solidFill>
+                <a:effectLst/>
+                <a:latin typeface="Consolas" panose="020B0609020204030204" pitchFamily="49" charset="0"/>
+              </a:rPr>
+              <a:t>.</a:t>
+            </a:r>
+            <a:r>
+              <a:rPr lang="pt-BR" sz="1100" b="0" dirty="0" err="1">
+                <a:solidFill>
+                  <a:srgbClr val="DCDCAA"/>
+                </a:solidFill>
+                <a:effectLst/>
+                <a:latin typeface="Consolas" panose="020B0609020204030204" pitchFamily="49" charset="0"/>
+              </a:rPr>
+              <a:t>print</a:t>
+            </a:r>
+            <a:r>
+              <a:rPr lang="pt-BR" sz="1100" b="0" dirty="0">
+                <a:solidFill>
+                  <a:srgbClr val="CCCCCC"/>
+                </a:solidFill>
+                <a:effectLst/>
+                <a:latin typeface="Consolas" panose="020B0609020204030204" pitchFamily="49" charset="0"/>
+              </a:rPr>
+              <a:t>(</a:t>
+            </a:r>
+            <a:r>
+              <a:rPr lang="pt-BR" sz="1100" b="0" dirty="0">
+                <a:solidFill>
+                  <a:srgbClr val="CE9178"/>
+                </a:solidFill>
+                <a:effectLst/>
+                <a:latin typeface="Consolas" panose="020B0609020204030204" pitchFamily="49" charset="0"/>
+              </a:rPr>
+              <a:t>"Falha na conexão. O status é: "</a:t>
+            </a:r>
+            <a:r>
+              <a:rPr lang="pt-BR" sz="1100" b="0" dirty="0">
+                <a:solidFill>
+                  <a:srgbClr val="CCCCCC"/>
+                </a:solidFill>
+                <a:effectLst/>
+                <a:latin typeface="Consolas" panose="020B0609020204030204" pitchFamily="49" charset="0"/>
+              </a:rPr>
+              <a:t>);</a:t>
+            </a:r>
+          </a:p>
+          <a:p>
+            <a:pPr marL="0" indent="0">
+              <a:buNone/>
+            </a:pPr>
+            <a:r>
+              <a:rPr lang="pt-BR" sz="1100" b="0" dirty="0">
+                <a:solidFill>
+                  <a:srgbClr val="CCCCCC"/>
+                </a:solidFill>
+                <a:effectLst/>
+                <a:latin typeface="Consolas" panose="020B0609020204030204" pitchFamily="49" charset="0"/>
+              </a:rPr>
+              <a:t>      </a:t>
+            </a:r>
+            <a:r>
+              <a:rPr lang="pt-BR" sz="1100" b="0" dirty="0" err="1">
+                <a:solidFill>
+                  <a:srgbClr val="9CDCFE"/>
+                </a:solidFill>
+                <a:effectLst/>
+                <a:latin typeface="Consolas" panose="020B0609020204030204" pitchFamily="49" charset="0"/>
+              </a:rPr>
+              <a:t>Serial</a:t>
+            </a:r>
+            <a:r>
+              <a:rPr lang="pt-BR" sz="1100" b="0" dirty="0" err="1">
+                <a:solidFill>
+                  <a:srgbClr val="CCCCCC"/>
+                </a:solidFill>
+                <a:effectLst/>
+                <a:latin typeface="Consolas" panose="020B0609020204030204" pitchFamily="49" charset="0"/>
+              </a:rPr>
+              <a:t>.</a:t>
+            </a:r>
+            <a:r>
+              <a:rPr lang="pt-BR" sz="1100" b="0" dirty="0" err="1">
+                <a:solidFill>
+                  <a:srgbClr val="DCDCAA"/>
+                </a:solidFill>
+                <a:effectLst/>
+                <a:latin typeface="Consolas" panose="020B0609020204030204" pitchFamily="49" charset="0"/>
+              </a:rPr>
+              <a:t>print</a:t>
+            </a:r>
+            <a:r>
+              <a:rPr lang="pt-BR" sz="1100" b="0" dirty="0">
+                <a:solidFill>
+                  <a:srgbClr val="CCCCCC"/>
+                </a:solidFill>
+                <a:effectLst/>
+                <a:latin typeface="Consolas" panose="020B0609020204030204" pitchFamily="49" charset="0"/>
+              </a:rPr>
+              <a:t>(</a:t>
+            </a:r>
+            <a:r>
+              <a:rPr lang="pt-BR" sz="1100" b="0" dirty="0" err="1">
+                <a:solidFill>
+                  <a:srgbClr val="9CDCFE"/>
+                </a:solidFill>
+                <a:effectLst/>
+                <a:latin typeface="Consolas" panose="020B0609020204030204" pitchFamily="49" charset="0"/>
+              </a:rPr>
+              <a:t>MQTT</a:t>
+            </a:r>
+            <a:r>
+              <a:rPr lang="pt-BR" sz="1100" b="0" dirty="0" err="1">
+                <a:solidFill>
+                  <a:srgbClr val="CCCCCC"/>
+                </a:solidFill>
+                <a:effectLst/>
+                <a:latin typeface="Consolas" panose="020B0609020204030204" pitchFamily="49" charset="0"/>
+              </a:rPr>
+              <a:t>.</a:t>
+            </a:r>
+            <a:r>
+              <a:rPr lang="pt-BR" sz="1100" b="0" dirty="0" err="1">
+                <a:solidFill>
+                  <a:srgbClr val="DCDCAA"/>
+                </a:solidFill>
+                <a:effectLst/>
+                <a:latin typeface="Consolas" panose="020B0609020204030204" pitchFamily="49" charset="0"/>
+              </a:rPr>
+              <a:t>state</a:t>
+            </a:r>
+            <a:r>
+              <a:rPr lang="pt-BR" sz="1100" b="0" dirty="0">
+                <a:solidFill>
+                  <a:srgbClr val="CCCCCC"/>
+                </a:solidFill>
+                <a:effectLst/>
+                <a:latin typeface="Consolas" panose="020B0609020204030204" pitchFamily="49" charset="0"/>
+              </a:rPr>
+              <a:t>());</a:t>
+            </a:r>
+          </a:p>
+          <a:p>
+            <a:pPr marL="0" indent="0">
+              <a:buNone/>
+            </a:pPr>
+            <a:r>
+              <a:rPr lang="pt-BR" sz="1100" b="0" dirty="0">
+                <a:solidFill>
+                  <a:srgbClr val="CCCCCC"/>
+                </a:solidFill>
+                <a:effectLst/>
+                <a:latin typeface="Consolas" panose="020B0609020204030204" pitchFamily="49" charset="0"/>
+              </a:rPr>
+              <a:t>      </a:t>
+            </a:r>
+            <a:r>
+              <a:rPr lang="pt-BR" sz="1100" b="0" dirty="0">
+                <a:solidFill>
+                  <a:srgbClr val="DCDCAA"/>
+                </a:solidFill>
+                <a:effectLst/>
+                <a:latin typeface="Consolas" panose="020B0609020204030204" pitchFamily="49" charset="0"/>
+              </a:rPr>
+              <a:t>delay</a:t>
+            </a:r>
+            <a:r>
+              <a:rPr lang="pt-BR" sz="1100" b="0" dirty="0">
+                <a:solidFill>
+                  <a:srgbClr val="CCCCCC"/>
+                </a:solidFill>
+                <a:effectLst/>
+                <a:latin typeface="Consolas" panose="020B0609020204030204" pitchFamily="49" charset="0"/>
+              </a:rPr>
+              <a:t>(</a:t>
+            </a:r>
+            <a:r>
+              <a:rPr lang="pt-BR" sz="1100" b="0" dirty="0">
+                <a:solidFill>
+                  <a:srgbClr val="B5CEA8"/>
+                </a:solidFill>
+                <a:effectLst/>
+                <a:latin typeface="Consolas" panose="020B0609020204030204" pitchFamily="49" charset="0"/>
+              </a:rPr>
+              <a:t>2000</a:t>
+            </a:r>
+            <a:r>
+              <a:rPr lang="pt-BR" sz="1100" b="0" dirty="0">
+                <a:solidFill>
+                  <a:srgbClr val="CCCCCC"/>
+                </a:solidFill>
+                <a:effectLst/>
+                <a:latin typeface="Consolas" panose="020B0609020204030204" pitchFamily="49" charset="0"/>
+              </a:rPr>
+              <a:t>);</a:t>
+            </a:r>
+          </a:p>
+          <a:p>
+            <a:pPr marL="0" indent="0">
+              <a:buNone/>
+            </a:pPr>
+            <a:r>
+              <a:rPr lang="pt-BR" sz="1100" b="0" dirty="0">
+                <a:solidFill>
+                  <a:srgbClr val="CCCCCC"/>
+                </a:solidFill>
+                <a:effectLst/>
+                <a:latin typeface="Consolas" panose="020B0609020204030204" pitchFamily="49" charset="0"/>
+              </a:rPr>
+              <a:t>    }</a:t>
+            </a:r>
+          </a:p>
+          <a:p>
+            <a:pPr marL="0" indent="0">
+              <a:buNone/>
+            </a:pPr>
+            <a:r>
+              <a:rPr lang="pt-BR" sz="1100" b="0" dirty="0">
+                <a:solidFill>
+                  <a:srgbClr val="CCCCCC"/>
+                </a:solidFill>
+                <a:effectLst/>
+                <a:latin typeface="Consolas" panose="020B0609020204030204" pitchFamily="49" charset="0"/>
+              </a:rPr>
+              <a:t>  }</a:t>
+            </a:r>
+          </a:p>
+          <a:p>
+            <a:pPr marL="0" indent="0">
+              <a:buNone/>
+            </a:pPr>
+            <a:r>
+              <a:rPr lang="pt-BR" sz="1100" b="0" dirty="0">
+                <a:solidFill>
+                  <a:srgbClr val="CCCCCC"/>
+                </a:solidFill>
+                <a:effectLst/>
+                <a:latin typeface="Consolas" panose="020B0609020204030204" pitchFamily="49" charset="0"/>
+              </a:rPr>
+              <a:t>}</a:t>
+            </a:r>
+          </a:p>
+          <a:p>
+            <a:pPr marL="0" indent="0">
+              <a:buNone/>
+            </a:pPr>
+            <a:br>
+              <a:rPr lang="pt-BR" sz="1100" b="0" dirty="0">
+                <a:solidFill>
+                  <a:srgbClr val="CCCCCC"/>
+                </a:solidFill>
+                <a:effectLst/>
+                <a:latin typeface="Consolas" panose="020B0609020204030204" pitchFamily="49" charset="0"/>
+              </a:rPr>
+            </a:br>
+            <a:endParaRPr lang="pt-BR" sz="1100" b="0" dirty="0">
+              <a:solidFill>
+                <a:srgbClr val="CCCCCC"/>
+              </a:solidFill>
+              <a:effectLst/>
+              <a:latin typeface="Consolas" panose="020B0609020204030204" pitchFamily="49" charset="0"/>
+            </a:endParaRPr>
+          </a:p>
+        </p:txBody>
+      </p:sp>
+      <p:sp>
+        <p:nvSpPr>
+          <p:cNvPr id="6" name="CaixaDeTexto 5">
+            <a:extLst>
+              <a:ext uri="{FF2B5EF4-FFF2-40B4-BE49-F238E27FC236}">
+                <a16:creationId xmlns:a16="http://schemas.microsoft.com/office/drawing/2014/main" id="{212A940E-FADB-2FC5-8E15-A09F80BD0A86}"/>
+              </a:ext>
+            </a:extLst>
+          </p:cNvPr>
+          <p:cNvSpPr txBox="1"/>
+          <p:nvPr/>
+        </p:nvSpPr>
+        <p:spPr>
+          <a:xfrm>
+            <a:off x="5887453" y="984757"/>
+            <a:ext cx="6216314" cy="5678478"/>
+          </a:xfrm>
+          <a:prstGeom prst="rect">
+            <a:avLst/>
+          </a:prstGeom>
+          <a:solidFill>
+            <a:schemeClr val="tx1"/>
+          </a:solidFill>
+        </p:spPr>
+        <p:txBody>
+          <a:bodyPr wrap="square">
+            <a:spAutoFit/>
+          </a:bodyPr>
+          <a:lstStyle/>
+          <a:p>
+            <a:pPr marL="0" indent="0">
+              <a:buNone/>
+            </a:pPr>
+            <a:r>
+              <a:rPr lang="pt-BR" sz="1100" b="0" dirty="0" err="1">
+                <a:solidFill>
+                  <a:srgbClr val="569CD6"/>
+                </a:solidFill>
+                <a:effectLst/>
+                <a:latin typeface="Consolas" panose="020B0609020204030204" pitchFamily="49" charset="0"/>
+              </a:rPr>
+              <a:t>void</a:t>
+            </a:r>
+            <a:r>
+              <a:rPr lang="pt-BR" sz="1100" b="0" dirty="0">
+                <a:solidFill>
+                  <a:srgbClr val="CCCCCC"/>
+                </a:solidFill>
+                <a:effectLst/>
+                <a:latin typeface="Consolas" panose="020B0609020204030204" pitchFamily="49" charset="0"/>
+              </a:rPr>
+              <a:t> </a:t>
+            </a:r>
+            <a:r>
+              <a:rPr lang="pt-BR" sz="1100" b="0" dirty="0" err="1">
+                <a:solidFill>
+                  <a:srgbClr val="DCDCAA"/>
+                </a:solidFill>
+                <a:effectLst/>
+                <a:latin typeface="Consolas" panose="020B0609020204030204" pitchFamily="49" charset="0"/>
+              </a:rPr>
+              <a:t>callback</a:t>
+            </a:r>
+            <a:r>
+              <a:rPr lang="pt-BR" sz="1100" b="0" dirty="0">
+                <a:solidFill>
+                  <a:srgbClr val="CCCCCC"/>
+                </a:solidFill>
+                <a:effectLst/>
+                <a:latin typeface="Consolas" panose="020B0609020204030204" pitchFamily="49" charset="0"/>
+              </a:rPr>
+              <a:t>(</a:t>
+            </a:r>
+            <a:r>
+              <a:rPr lang="pt-BR" sz="1100" b="0" dirty="0">
+                <a:solidFill>
+                  <a:srgbClr val="569CD6"/>
+                </a:solidFill>
+                <a:effectLst/>
+                <a:latin typeface="Consolas" panose="020B0609020204030204" pitchFamily="49" charset="0"/>
+              </a:rPr>
+              <a:t>char</a:t>
+            </a:r>
+            <a:r>
+              <a:rPr lang="pt-BR" sz="1100" b="0" dirty="0">
+                <a:solidFill>
+                  <a:srgbClr val="CCCCCC"/>
+                </a:solidFill>
+                <a:effectLst/>
+                <a:latin typeface="Consolas" panose="020B0609020204030204" pitchFamily="49" charset="0"/>
+              </a:rPr>
+              <a:t> </a:t>
+            </a:r>
+            <a:r>
+              <a:rPr lang="pt-BR" sz="1100" b="0" dirty="0">
+                <a:solidFill>
+                  <a:srgbClr val="569CD6"/>
+                </a:solidFill>
+                <a:effectLst/>
+                <a:latin typeface="Consolas" panose="020B0609020204030204" pitchFamily="49" charset="0"/>
+              </a:rPr>
+              <a:t>*</a:t>
+            </a:r>
+            <a:r>
+              <a:rPr lang="pt-BR" sz="1100" b="0" dirty="0" err="1">
+                <a:solidFill>
+                  <a:srgbClr val="9CDCFE"/>
+                </a:solidFill>
+                <a:effectLst/>
+                <a:latin typeface="Consolas" panose="020B0609020204030204" pitchFamily="49" charset="0"/>
+              </a:rPr>
+              <a:t>topic</a:t>
+            </a:r>
+            <a:r>
+              <a:rPr lang="pt-BR" sz="1100" b="0" dirty="0">
+                <a:solidFill>
+                  <a:srgbClr val="CCCCCC"/>
+                </a:solidFill>
+                <a:effectLst/>
+                <a:latin typeface="Consolas" panose="020B0609020204030204" pitchFamily="49" charset="0"/>
+              </a:rPr>
+              <a:t>, </a:t>
+            </a:r>
+            <a:r>
+              <a:rPr lang="pt-BR" sz="1100" b="0" dirty="0">
+                <a:solidFill>
+                  <a:srgbClr val="4EC9B0"/>
+                </a:solidFill>
+                <a:effectLst/>
+                <a:latin typeface="Consolas" panose="020B0609020204030204" pitchFamily="49" charset="0"/>
+              </a:rPr>
+              <a:t>byte</a:t>
+            </a:r>
+            <a:r>
+              <a:rPr lang="pt-BR" sz="1100" b="0" dirty="0">
+                <a:solidFill>
+                  <a:srgbClr val="CCCCCC"/>
+                </a:solidFill>
+                <a:effectLst/>
+                <a:latin typeface="Consolas" panose="020B0609020204030204" pitchFamily="49" charset="0"/>
+              </a:rPr>
+              <a:t> </a:t>
+            </a:r>
+            <a:r>
+              <a:rPr lang="pt-BR" sz="1100" b="0" dirty="0">
+                <a:solidFill>
+                  <a:srgbClr val="569CD6"/>
+                </a:solidFill>
+                <a:effectLst/>
+                <a:latin typeface="Consolas" panose="020B0609020204030204" pitchFamily="49" charset="0"/>
+              </a:rPr>
+              <a:t>*</a:t>
+            </a:r>
+            <a:r>
+              <a:rPr lang="pt-BR" sz="1100" b="0" dirty="0" err="1">
+                <a:solidFill>
+                  <a:srgbClr val="9CDCFE"/>
+                </a:solidFill>
+                <a:effectLst/>
+                <a:latin typeface="Consolas" panose="020B0609020204030204" pitchFamily="49" charset="0"/>
+              </a:rPr>
+              <a:t>payload</a:t>
+            </a:r>
+            <a:r>
+              <a:rPr lang="pt-BR" sz="1100" b="0" dirty="0">
+                <a:solidFill>
+                  <a:srgbClr val="CCCCCC"/>
+                </a:solidFill>
+                <a:effectLst/>
+                <a:latin typeface="Consolas" panose="020B0609020204030204" pitchFamily="49" charset="0"/>
+              </a:rPr>
+              <a:t>, </a:t>
+            </a:r>
+            <a:r>
+              <a:rPr lang="pt-BR" sz="1100" b="0" dirty="0" err="1">
+                <a:solidFill>
+                  <a:srgbClr val="569CD6"/>
+                </a:solidFill>
+                <a:effectLst/>
+                <a:latin typeface="Consolas" panose="020B0609020204030204" pitchFamily="49" charset="0"/>
+              </a:rPr>
+              <a:t>unsigned</a:t>
+            </a:r>
+            <a:r>
+              <a:rPr lang="pt-BR" sz="1100" b="0" dirty="0">
+                <a:solidFill>
+                  <a:srgbClr val="CCCCCC"/>
+                </a:solidFill>
+                <a:effectLst/>
+                <a:latin typeface="Consolas" panose="020B0609020204030204" pitchFamily="49" charset="0"/>
+              </a:rPr>
+              <a:t> </a:t>
+            </a:r>
+            <a:r>
+              <a:rPr lang="pt-BR" sz="1100" b="0" dirty="0" err="1">
+                <a:solidFill>
+                  <a:srgbClr val="569CD6"/>
+                </a:solidFill>
+                <a:effectLst/>
+                <a:latin typeface="Consolas" panose="020B0609020204030204" pitchFamily="49" charset="0"/>
+              </a:rPr>
+              <a:t>int</a:t>
+            </a:r>
+            <a:r>
+              <a:rPr lang="pt-BR" sz="1100" b="0" dirty="0">
+                <a:solidFill>
+                  <a:srgbClr val="CCCCCC"/>
+                </a:solidFill>
+                <a:effectLst/>
+                <a:latin typeface="Consolas" panose="020B0609020204030204" pitchFamily="49" charset="0"/>
+              </a:rPr>
+              <a:t> </a:t>
+            </a:r>
+            <a:r>
+              <a:rPr lang="pt-BR" sz="1100" b="0" dirty="0" err="1">
+                <a:solidFill>
+                  <a:srgbClr val="9CDCFE"/>
+                </a:solidFill>
+                <a:effectLst/>
+                <a:latin typeface="Consolas" panose="020B0609020204030204" pitchFamily="49" charset="0"/>
+              </a:rPr>
+              <a:t>length</a:t>
+            </a:r>
+            <a:r>
+              <a:rPr lang="pt-BR" sz="1100" b="0" dirty="0">
+                <a:solidFill>
+                  <a:srgbClr val="CCCCCC"/>
+                </a:solidFill>
+                <a:effectLst/>
+                <a:latin typeface="Consolas" panose="020B0609020204030204" pitchFamily="49" charset="0"/>
+              </a:rPr>
+              <a:t>) </a:t>
+            </a:r>
+          </a:p>
+          <a:p>
+            <a:pPr marL="0" indent="0">
+              <a:buNone/>
+            </a:pPr>
+            <a:r>
+              <a:rPr lang="pt-BR" sz="1100" b="0" dirty="0">
+                <a:solidFill>
+                  <a:srgbClr val="CCCCCC"/>
+                </a:solidFill>
+                <a:effectLst/>
+                <a:latin typeface="Consolas" panose="020B0609020204030204" pitchFamily="49" charset="0"/>
+              </a:rPr>
+              <a:t>{</a:t>
+            </a:r>
+          </a:p>
+          <a:p>
+            <a:pPr marL="0" indent="0">
+              <a:buNone/>
+            </a:pPr>
+            <a:r>
+              <a:rPr lang="pt-BR" sz="1100" b="0" dirty="0">
+                <a:solidFill>
+                  <a:srgbClr val="CCCCCC"/>
+                </a:solidFill>
+                <a:effectLst/>
+                <a:latin typeface="Consolas" panose="020B0609020204030204" pitchFamily="49" charset="0"/>
+              </a:rPr>
+              <a:t>  </a:t>
+            </a:r>
+            <a:r>
+              <a:rPr lang="pt-BR" sz="1100" b="0" dirty="0" err="1">
+                <a:solidFill>
+                  <a:srgbClr val="CCCCCC"/>
+                </a:solidFill>
+                <a:effectLst/>
+                <a:latin typeface="Consolas" panose="020B0609020204030204" pitchFamily="49" charset="0"/>
+              </a:rPr>
+              <a:t>String</a:t>
+            </a:r>
+            <a:r>
+              <a:rPr lang="pt-BR" sz="1100" b="0" dirty="0">
+                <a:solidFill>
+                  <a:srgbClr val="CCCCCC"/>
+                </a:solidFill>
+                <a:effectLst/>
+                <a:latin typeface="Consolas" panose="020B0609020204030204" pitchFamily="49" charset="0"/>
+              </a:rPr>
+              <a:t> </a:t>
+            </a:r>
+            <a:r>
+              <a:rPr lang="pt-BR" sz="1100" b="0" dirty="0" err="1">
+                <a:solidFill>
+                  <a:srgbClr val="9CDCFE"/>
+                </a:solidFill>
+                <a:effectLst/>
+                <a:latin typeface="Consolas" panose="020B0609020204030204" pitchFamily="49" charset="0"/>
+              </a:rPr>
+              <a:t>msg_led</a:t>
+            </a:r>
+            <a:r>
+              <a:rPr lang="pt-BR" sz="1100" b="0" dirty="0">
+                <a:solidFill>
+                  <a:srgbClr val="CCCCCC"/>
+                </a:solidFill>
+                <a:effectLst/>
+                <a:latin typeface="Consolas" panose="020B0609020204030204" pitchFamily="49" charset="0"/>
+              </a:rPr>
+              <a:t>;</a:t>
+            </a:r>
+          </a:p>
+          <a:p>
+            <a:pPr marL="0" indent="0">
+              <a:buNone/>
+            </a:pPr>
+            <a:r>
+              <a:rPr lang="pt-BR" sz="1100" b="0" dirty="0">
+                <a:solidFill>
+                  <a:srgbClr val="CCCCCC"/>
+                </a:solidFill>
+                <a:effectLst/>
+                <a:latin typeface="Consolas" panose="020B0609020204030204" pitchFamily="49" charset="0"/>
+              </a:rPr>
+              <a:t>  </a:t>
+            </a:r>
+            <a:r>
+              <a:rPr lang="pt-BR" sz="1100" b="0" dirty="0" err="1">
+                <a:solidFill>
+                  <a:srgbClr val="9CDCFE"/>
+                </a:solidFill>
+                <a:effectLst/>
+                <a:latin typeface="Consolas" panose="020B0609020204030204" pitchFamily="49" charset="0"/>
+              </a:rPr>
+              <a:t>Serial</a:t>
+            </a:r>
+            <a:r>
+              <a:rPr lang="pt-BR" sz="1100" b="0" dirty="0" err="1">
+                <a:solidFill>
+                  <a:srgbClr val="CCCCCC"/>
+                </a:solidFill>
+                <a:effectLst/>
+                <a:latin typeface="Consolas" panose="020B0609020204030204" pitchFamily="49" charset="0"/>
+              </a:rPr>
+              <a:t>.</a:t>
+            </a:r>
+            <a:r>
+              <a:rPr lang="pt-BR" sz="1100" b="0" dirty="0" err="1">
+                <a:solidFill>
+                  <a:srgbClr val="DCDCAA"/>
+                </a:solidFill>
+                <a:effectLst/>
+                <a:latin typeface="Consolas" panose="020B0609020204030204" pitchFamily="49" charset="0"/>
+              </a:rPr>
+              <a:t>print</a:t>
+            </a:r>
+            <a:r>
+              <a:rPr lang="pt-BR" sz="1100" b="0" dirty="0">
+                <a:solidFill>
+                  <a:srgbClr val="CCCCCC"/>
+                </a:solidFill>
+                <a:effectLst/>
+                <a:latin typeface="Consolas" panose="020B0609020204030204" pitchFamily="49" charset="0"/>
+              </a:rPr>
+              <a:t>(</a:t>
+            </a:r>
+            <a:r>
+              <a:rPr lang="pt-BR" sz="1100" b="0" dirty="0">
+                <a:solidFill>
+                  <a:srgbClr val="CE9178"/>
+                </a:solidFill>
+                <a:effectLst/>
+                <a:latin typeface="Consolas" panose="020B0609020204030204" pitchFamily="49" charset="0"/>
+              </a:rPr>
+              <a:t>"Mensagem recebida do </a:t>
+            </a:r>
+            <a:r>
+              <a:rPr lang="pt-BR" sz="1100" b="0" dirty="0" err="1">
+                <a:solidFill>
+                  <a:srgbClr val="CE9178"/>
+                </a:solidFill>
+                <a:effectLst/>
+                <a:latin typeface="Consolas" panose="020B0609020204030204" pitchFamily="49" charset="0"/>
+              </a:rPr>
+              <a:t>topico</a:t>
+            </a:r>
+            <a:r>
+              <a:rPr lang="pt-BR" sz="1100" b="0" dirty="0">
+                <a:solidFill>
+                  <a:srgbClr val="CE9178"/>
+                </a:solidFill>
+                <a:effectLst/>
+                <a:latin typeface="Consolas" panose="020B0609020204030204" pitchFamily="49" charset="0"/>
+              </a:rPr>
+              <a:t> "</a:t>
+            </a:r>
+            <a:r>
+              <a:rPr lang="pt-BR" sz="1100" b="0" dirty="0">
+                <a:solidFill>
+                  <a:srgbClr val="CCCCCC"/>
+                </a:solidFill>
+                <a:effectLst/>
+                <a:latin typeface="Consolas" panose="020B0609020204030204" pitchFamily="49" charset="0"/>
+              </a:rPr>
+              <a:t>);</a:t>
+            </a:r>
+          </a:p>
+          <a:p>
+            <a:pPr marL="0" indent="0">
+              <a:buNone/>
+            </a:pPr>
+            <a:r>
+              <a:rPr lang="pt-BR" sz="1100" b="0" dirty="0">
+                <a:solidFill>
+                  <a:srgbClr val="CCCCCC"/>
+                </a:solidFill>
+                <a:effectLst/>
+                <a:latin typeface="Consolas" panose="020B0609020204030204" pitchFamily="49" charset="0"/>
+              </a:rPr>
+              <a:t>  </a:t>
+            </a:r>
+            <a:r>
+              <a:rPr lang="pt-BR" sz="1100" b="0" dirty="0" err="1">
+                <a:solidFill>
+                  <a:srgbClr val="9CDCFE"/>
+                </a:solidFill>
+                <a:effectLst/>
+                <a:latin typeface="Consolas" panose="020B0609020204030204" pitchFamily="49" charset="0"/>
+              </a:rPr>
+              <a:t>Serial</a:t>
+            </a:r>
+            <a:r>
+              <a:rPr lang="pt-BR" sz="1100" b="0" dirty="0" err="1">
+                <a:solidFill>
+                  <a:srgbClr val="CCCCCC"/>
+                </a:solidFill>
+                <a:effectLst/>
+                <a:latin typeface="Consolas" panose="020B0609020204030204" pitchFamily="49" charset="0"/>
+              </a:rPr>
+              <a:t>.</a:t>
+            </a:r>
+            <a:r>
+              <a:rPr lang="pt-BR" sz="1100" b="0" dirty="0" err="1">
+                <a:solidFill>
+                  <a:srgbClr val="DCDCAA"/>
+                </a:solidFill>
+                <a:effectLst/>
+                <a:latin typeface="Consolas" panose="020B0609020204030204" pitchFamily="49" charset="0"/>
+              </a:rPr>
+              <a:t>println</a:t>
+            </a:r>
+            <a:r>
+              <a:rPr lang="pt-BR" sz="1100" b="0" dirty="0">
+                <a:solidFill>
+                  <a:srgbClr val="CCCCCC"/>
+                </a:solidFill>
+                <a:effectLst/>
+                <a:latin typeface="Consolas" panose="020B0609020204030204" pitchFamily="49" charset="0"/>
+              </a:rPr>
+              <a:t>(</a:t>
+            </a:r>
+            <a:r>
+              <a:rPr lang="pt-BR" sz="1100" b="0" dirty="0" err="1">
+                <a:solidFill>
+                  <a:srgbClr val="9CDCFE"/>
+                </a:solidFill>
+                <a:effectLst/>
+                <a:latin typeface="Consolas" panose="020B0609020204030204" pitchFamily="49" charset="0"/>
+              </a:rPr>
+              <a:t>topic</a:t>
+            </a:r>
+            <a:r>
+              <a:rPr lang="pt-BR" sz="1100" b="0" dirty="0">
+                <a:solidFill>
+                  <a:srgbClr val="CCCCCC"/>
+                </a:solidFill>
+                <a:effectLst/>
+                <a:latin typeface="Consolas" panose="020B0609020204030204" pitchFamily="49" charset="0"/>
+              </a:rPr>
+              <a:t>);</a:t>
+            </a:r>
+          </a:p>
+          <a:p>
+            <a:pPr marL="0" indent="0">
+              <a:buNone/>
+            </a:pPr>
+            <a:br>
+              <a:rPr lang="pt-BR" sz="1100" b="0" dirty="0">
+                <a:solidFill>
+                  <a:srgbClr val="CCCCCC"/>
+                </a:solidFill>
+                <a:effectLst/>
+                <a:latin typeface="Consolas" panose="020B0609020204030204" pitchFamily="49" charset="0"/>
+              </a:rPr>
+            </a:br>
+            <a:br>
+              <a:rPr lang="pt-BR" sz="1100" b="0" dirty="0">
+                <a:solidFill>
+                  <a:srgbClr val="CCCCCC"/>
+                </a:solidFill>
+                <a:effectLst/>
+                <a:latin typeface="Consolas" panose="020B0609020204030204" pitchFamily="49" charset="0"/>
+              </a:rPr>
+            </a:br>
+            <a:r>
+              <a:rPr lang="pt-BR" sz="1100" b="0" dirty="0">
+                <a:solidFill>
+                  <a:srgbClr val="CCCCCC"/>
+                </a:solidFill>
+                <a:effectLst/>
+                <a:latin typeface="Consolas" panose="020B0609020204030204" pitchFamily="49" charset="0"/>
+              </a:rPr>
+              <a:t>  </a:t>
+            </a:r>
+            <a:r>
+              <a:rPr lang="pt-BR" sz="1100" b="0" dirty="0" err="1">
+                <a:solidFill>
+                  <a:srgbClr val="C586C0"/>
+                </a:solidFill>
+                <a:effectLst/>
+                <a:latin typeface="Consolas" panose="020B0609020204030204" pitchFamily="49" charset="0"/>
+              </a:rPr>
+              <a:t>if</a:t>
+            </a:r>
+            <a:r>
+              <a:rPr lang="pt-BR" sz="1100" b="0" dirty="0">
+                <a:solidFill>
+                  <a:srgbClr val="CCCCCC"/>
+                </a:solidFill>
+                <a:effectLst/>
+                <a:latin typeface="Consolas" panose="020B0609020204030204" pitchFamily="49" charset="0"/>
+              </a:rPr>
+              <a:t>(</a:t>
+            </a:r>
+            <a:r>
+              <a:rPr lang="pt-BR" sz="1100" b="0" dirty="0" err="1">
+                <a:solidFill>
+                  <a:srgbClr val="DCDCAA"/>
+                </a:solidFill>
+                <a:effectLst/>
+                <a:latin typeface="Consolas" panose="020B0609020204030204" pitchFamily="49" charset="0"/>
+              </a:rPr>
+              <a:t>String</a:t>
+            </a:r>
+            <a:r>
+              <a:rPr lang="pt-BR" sz="1100" b="0" dirty="0">
+                <a:solidFill>
+                  <a:srgbClr val="CCCCCC"/>
+                </a:solidFill>
+                <a:effectLst/>
+                <a:latin typeface="Consolas" panose="020B0609020204030204" pitchFamily="49" charset="0"/>
+              </a:rPr>
+              <a:t>(</a:t>
+            </a:r>
+            <a:r>
+              <a:rPr lang="pt-BR" sz="1100" b="0" dirty="0" err="1">
+                <a:solidFill>
+                  <a:srgbClr val="9CDCFE"/>
+                </a:solidFill>
+                <a:effectLst/>
+                <a:latin typeface="Consolas" panose="020B0609020204030204" pitchFamily="49" charset="0"/>
+              </a:rPr>
+              <a:t>topic</a:t>
+            </a:r>
+            <a:r>
+              <a:rPr lang="pt-BR" sz="1100" b="0" dirty="0">
+                <a:solidFill>
+                  <a:srgbClr val="CCCCCC"/>
+                </a:solidFill>
+                <a:effectLst/>
+                <a:latin typeface="Consolas" panose="020B0609020204030204" pitchFamily="49" charset="0"/>
+              </a:rPr>
+              <a:t>) </a:t>
+            </a:r>
+            <a:r>
+              <a:rPr lang="pt-BR" sz="1100" b="0" dirty="0">
+                <a:solidFill>
+                  <a:srgbClr val="D4D4D4"/>
+                </a:solidFill>
+                <a:effectLst/>
+                <a:latin typeface="Consolas" panose="020B0609020204030204" pitchFamily="49" charset="0"/>
+              </a:rPr>
+              <a:t>==</a:t>
+            </a:r>
+            <a:r>
+              <a:rPr lang="pt-BR" sz="1100" b="0" dirty="0">
+                <a:solidFill>
+                  <a:srgbClr val="CCCCCC"/>
+                </a:solidFill>
+                <a:effectLst/>
+                <a:latin typeface="Consolas" panose="020B0609020204030204" pitchFamily="49" charset="0"/>
+              </a:rPr>
+              <a:t> </a:t>
+            </a:r>
+            <a:r>
+              <a:rPr lang="pt-BR" sz="1100" b="0" dirty="0">
+                <a:solidFill>
+                  <a:srgbClr val="CE9178"/>
+                </a:solidFill>
+                <a:effectLst/>
+                <a:latin typeface="Consolas" panose="020B0609020204030204" pitchFamily="49" charset="0"/>
+              </a:rPr>
+              <a:t>"bancada1/led1"</a:t>
+            </a:r>
+            <a:r>
+              <a:rPr lang="pt-BR" sz="1100" b="0" dirty="0">
+                <a:solidFill>
+                  <a:srgbClr val="CCCCCC"/>
+                </a:solidFill>
+                <a:effectLst/>
+                <a:latin typeface="Consolas" panose="020B0609020204030204" pitchFamily="49" charset="0"/>
+              </a:rPr>
+              <a:t>)</a:t>
+            </a:r>
+          </a:p>
+          <a:p>
+            <a:pPr marL="0" indent="0">
+              <a:buNone/>
+            </a:pPr>
+            <a:r>
+              <a:rPr lang="pt-BR" sz="1100" b="0" dirty="0">
+                <a:solidFill>
+                  <a:srgbClr val="CCCCCC"/>
+                </a:solidFill>
+                <a:effectLst/>
+                <a:latin typeface="Consolas" panose="020B0609020204030204" pitchFamily="49" charset="0"/>
+              </a:rPr>
+              <a:t>  {</a:t>
+            </a:r>
+          </a:p>
+          <a:p>
+            <a:pPr marL="0" indent="0">
+              <a:buNone/>
+            </a:pPr>
+            <a:r>
+              <a:rPr lang="pt-BR" sz="1100" b="0" dirty="0">
+                <a:solidFill>
+                  <a:srgbClr val="CCCCCC"/>
+                </a:solidFill>
+                <a:effectLst/>
+                <a:latin typeface="Consolas" panose="020B0609020204030204" pitchFamily="49" charset="0"/>
+              </a:rPr>
+              <a:t>    </a:t>
+            </a:r>
+            <a:r>
+              <a:rPr lang="pt-BR" sz="1100" b="0" dirty="0">
+                <a:solidFill>
+                  <a:srgbClr val="C586C0"/>
+                </a:solidFill>
+                <a:effectLst/>
+                <a:latin typeface="Consolas" panose="020B0609020204030204" pitchFamily="49" charset="0"/>
+              </a:rPr>
+              <a:t>for</a:t>
+            </a:r>
+            <a:r>
+              <a:rPr lang="pt-BR" sz="1100" b="0" dirty="0">
+                <a:solidFill>
+                  <a:srgbClr val="CCCCCC"/>
+                </a:solidFill>
+                <a:effectLst/>
+                <a:latin typeface="Consolas" panose="020B0609020204030204" pitchFamily="49" charset="0"/>
+              </a:rPr>
+              <a:t> (</a:t>
+            </a:r>
+            <a:r>
+              <a:rPr lang="pt-BR" sz="1100" b="0" dirty="0" err="1">
+                <a:solidFill>
+                  <a:srgbClr val="569CD6"/>
+                </a:solidFill>
+                <a:effectLst/>
+                <a:latin typeface="Consolas" panose="020B0609020204030204" pitchFamily="49" charset="0"/>
+              </a:rPr>
+              <a:t>int</a:t>
+            </a:r>
+            <a:r>
+              <a:rPr lang="pt-BR" sz="1100" b="0" dirty="0">
+                <a:solidFill>
+                  <a:srgbClr val="CCCCCC"/>
+                </a:solidFill>
+                <a:effectLst/>
+                <a:latin typeface="Consolas" panose="020B0609020204030204" pitchFamily="49" charset="0"/>
+              </a:rPr>
+              <a:t> </a:t>
+            </a:r>
+            <a:r>
+              <a:rPr lang="pt-BR" sz="1100" b="0" dirty="0">
+                <a:solidFill>
+                  <a:srgbClr val="9CDCFE"/>
+                </a:solidFill>
+                <a:effectLst/>
+                <a:latin typeface="Consolas" panose="020B0609020204030204" pitchFamily="49" charset="0"/>
+              </a:rPr>
+              <a:t>i</a:t>
+            </a:r>
+            <a:r>
+              <a:rPr lang="pt-BR" sz="1100" b="0" dirty="0">
+                <a:solidFill>
+                  <a:srgbClr val="CCCCCC"/>
+                </a:solidFill>
+                <a:effectLst/>
+                <a:latin typeface="Consolas" panose="020B0609020204030204" pitchFamily="49" charset="0"/>
+              </a:rPr>
+              <a:t> </a:t>
+            </a:r>
+            <a:r>
+              <a:rPr lang="pt-BR" sz="1100" b="0" dirty="0">
+                <a:solidFill>
+                  <a:srgbClr val="D4D4D4"/>
+                </a:solidFill>
+                <a:effectLst/>
+                <a:latin typeface="Consolas" panose="020B0609020204030204" pitchFamily="49" charset="0"/>
+              </a:rPr>
+              <a:t>=</a:t>
+            </a:r>
+            <a:r>
+              <a:rPr lang="pt-BR" sz="1100" b="0" dirty="0">
+                <a:solidFill>
+                  <a:srgbClr val="CCCCCC"/>
+                </a:solidFill>
+                <a:effectLst/>
+                <a:latin typeface="Consolas" panose="020B0609020204030204" pitchFamily="49" charset="0"/>
+              </a:rPr>
+              <a:t> </a:t>
+            </a:r>
+            <a:r>
+              <a:rPr lang="pt-BR" sz="1100" b="0" dirty="0">
+                <a:solidFill>
+                  <a:srgbClr val="B5CEA8"/>
+                </a:solidFill>
+                <a:effectLst/>
+                <a:latin typeface="Consolas" panose="020B0609020204030204" pitchFamily="49" charset="0"/>
+              </a:rPr>
+              <a:t>0</a:t>
+            </a:r>
+            <a:r>
+              <a:rPr lang="pt-BR" sz="1100" b="0" dirty="0">
+                <a:solidFill>
+                  <a:srgbClr val="CCCCCC"/>
+                </a:solidFill>
+                <a:effectLst/>
+                <a:latin typeface="Consolas" panose="020B0609020204030204" pitchFamily="49" charset="0"/>
+              </a:rPr>
+              <a:t>; </a:t>
+            </a:r>
+            <a:r>
+              <a:rPr lang="pt-BR" sz="1100" b="0" dirty="0">
+                <a:solidFill>
+                  <a:srgbClr val="9CDCFE"/>
+                </a:solidFill>
+                <a:effectLst/>
+                <a:latin typeface="Consolas" panose="020B0609020204030204" pitchFamily="49" charset="0"/>
+              </a:rPr>
+              <a:t>i</a:t>
+            </a:r>
+            <a:r>
+              <a:rPr lang="pt-BR" sz="1100" b="0" dirty="0">
+                <a:solidFill>
+                  <a:srgbClr val="CCCCCC"/>
+                </a:solidFill>
+                <a:effectLst/>
+                <a:latin typeface="Consolas" panose="020B0609020204030204" pitchFamily="49" charset="0"/>
+              </a:rPr>
+              <a:t> </a:t>
+            </a:r>
+            <a:r>
+              <a:rPr lang="pt-BR" sz="1100" b="0" dirty="0">
+                <a:solidFill>
+                  <a:srgbClr val="D4D4D4"/>
+                </a:solidFill>
+                <a:effectLst/>
+                <a:latin typeface="Consolas" panose="020B0609020204030204" pitchFamily="49" charset="0"/>
+              </a:rPr>
+              <a:t>&lt;</a:t>
+            </a:r>
+            <a:r>
+              <a:rPr lang="pt-BR" sz="1100" b="0" dirty="0">
+                <a:solidFill>
+                  <a:srgbClr val="CCCCCC"/>
+                </a:solidFill>
+                <a:effectLst/>
+                <a:latin typeface="Consolas" panose="020B0609020204030204" pitchFamily="49" charset="0"/>
+              </a:rPr>
+              <a:t> </a:t>
+            </a:r>
+            <a:r>
+              <a:rPr lang="pt-BR" sz="1100" b="0" dirty="0" err="1">
+                <a:solidFill>
+                  <a:srgbClr val="9CDCFE"/>
+                </a:solidFill>
+                <a:effectLst/>
+                <a:latin typeface="Consolas" panose="020B0609020204030204" pitchFamily="49" charset="0"/>
+              </a:rPr>
+              <a:t>length</a:t>
+            </a:r>
+            <a:r>
+              <a:rPr lang="pt-BR" sz="1100" b="0" dirty="0">
+                <a:solidFill>
+                  <a:srgbClr val="CCCCCC"/>
+                </a:solidFill>
+                <a:effectLst/>
+                <a:latin typeface="Consolas" panose="020B0609020204030204" pitchFamily="49" charset="0"/>
+              </a:rPr>
+              <a:t>; </a:t>
+            </a:r>
+            <a:r>
+              <a:rPr lang="pt-BR" sz="1100" b="0" dirty="0">
+                <a:solidFill>
+                  <a:srgbClr val="9CDCFE"/>
+                </a:solidFill>
+                <a:effectLst/>
+                <a:latin typeface="Consolas" panose="020B0609020204030204" pitchFamily="49" charset="0"/>
+              </a:rPr>
+              <a:t>i</a:t>
+            </a:r>
+            <a:r>
+              <a:rPr lang="pt-BR" sz="1100" b="0" dirty="0">
+                <a:solidFill>
+                  <a:srgbClr val="D4D4D4"/>
+                </a:solidFill>
+                <a:effectLst/>
+                <a:latin typeface="Consolas" panose="020B0609020204030204" pitchFamily="49" charset="0"/>
+              </a:rPr>
+              <a:t>++</a:t>
+            </a:r>
+            <a:r>
+              <a:rPr lang="pt-BR" sz="1100" b="0" dirty="0">
+                <a:solidFill>
+                  <a:srgbClr val="CCCCCC"/>
+                </a:solidFill>
+                <a:effectLst/>
+                <a:latin typeface="Consolas" panose="020B0609020204030204" pitchFamily="49" charset="0"/>
+              </a:rPr>
+              <a:t>) </a:t>
+            </a:r>
+          </a:p>
+          <a:p>
+            <a:pPr marL="0" indent="0">
+              <a:buNone/>
+            </a:pPr>
+            <a:r>
+              <a:rPr lang="pt-BR" sz="1100" b="0" dirty="0">
+                <a:solidFill>
+                  <a:srgbClr val="CCCCCC"/>
+                </a:solidFill>
+                <a:effectLst/>
+                <a:latin typeface="Consolas" panose="020B0609020204030204" pitchFamily="49" charset="0"/>
+              </a:rPr>
+              <a:t>    {</a:t>
+            </a:r>
+          </a:p>
+          <a:p>
+            <a:pPr marL="0" indent="0">
+              <a:buNone/>
+            </a:pPr>
+            <a:r>
+              <a:rPr lang="pt-BR" sz="1100" b="0" dirty="0">
+                <a:solidFill>
+                  <a:srgbClr val="CCCCCC"/>
+                </a:solidFill>
+                <a:effectLst/>
+                <a:latin typeface="Consolas" panose="020B0609020204030204" pitchFamily="49" charset="0"/>
+              </a:rPr>
+              <a:t>      </a:t>
+            </a:r>
+            <a:r>
+              <a:rPr lang="pt-BR" sz="1100" b="0" dirty="0" err="1">
+                <a:solidFill>
+                  <a:srgbClr val="9CDCFE"/>
+                </a:solidFill>
+                <a:effectLst/>
+                <a:latin typeface="Consolas" panose="020B0609020204030204" pitchFamily="49" charset="0"/>
+              </a:rPr>
+              <a:t>msg_led</a:t>
+            </a:r>
+            <a:r>
+              <a:rPr lang="pt-BR" sz="1100" b="0" dirty="0">
+                <a:solidFill>
+                  <a:srgbClr val="CCCCCC"/>
+                </a:solidFill>
+                <a:effectLst/>
+                <a:latin typeface="Consolas" panose="020B0609020204030204" pitchFamily="49" charset="0"/>
+              </a:rPr>
+              <a:t> </a:t>
+            </a:r>
+            <a:r>
+              <a:rPr lang="pt-BR" sz="1100" b="0" dirty="0">
+                <a:solidFill>
+                  <a:srgbClr val="D4D4D4"/>
+                </a:solidFill>
+                <a:effectLst/>
+                <a:latin typeface="Consolas" panose="020B0609020204030204" pitchFamily="49" charset="0"/>
+              </a:rPr>
+              <a:t>+=</a:t>
+            </a:r>
+            <a:r>
+              <a:rPr lang="pt-BR" sz="1100" b="0" dirty="0">
+                <a:solidFill>
+                  <a:srgbClr val="CCCCCC"/>
+                </a:solidFill>
+                <a:effectLst/>
+                <a:latin typeface="Consolas" panose="020B0609020204030204" pitchFamily="49" charset="0"/>
+              </a:rPr>
+              <a:t> </a:t>
+            </a:r>
+            <a:r>
+              <a:rPr lang="pt-BR" sz="1100" b="0" dirty="0">
+                <a:solidFill>
+                  <a:srgbClr val="569CD6"/>
+                </a:solidFill>
+                <a:effectLst/>
+                <a:latin typeface="Consolas" panose="020B0609020204030204" pitchFamily="49" charset="0"/>
+              </a:rPr>
+              <a:t>char</a:t>
+            </a:r>
+            <a:r>
+              <a:rPr lang="pt-BR" sz="1100" b="0" dirty="0">
+                <a:solidFill>
+                  <a:srgbClr val="CCCCCC"/>
+                </a:solidFill>
+                <a:effectLst/>
+                <a:latin typeface="Consolas" panose="020B0609020204030204" pitchFamily="49" charset="0"/>
+              </a:rPr>
+              <a:t>(</a:t>
+            </a:r>
+            <a:r>
+              <a:rPr lang="pt-BR" sz="1100" b="0" dirty="0" err="1">
+                <a:solidFill>
+                  <a:srgbClr val="9CDCFE"/>
+                </a:solidFill>
+                <a:effectLst/>
+                <a:latin typeface="Consolas" panose="020B0609020204030204" pitchFamily="49" charset="0"/>
+              </a:rPr>
+              <a:t>payload</a:t>
+            </a:r>
+            <a:r>
+              <a:rPr lang="pt-BR" sz="1100" b="0" dirty="0">
+                <a:solidFill>
+                  <a:srgbClr val="CCCCCC"/>
+                </a:solidFill>
+                <a:effectLst/>
+                <a:latin typeface="Consolas" panose="020B0609020204030204" pitchFamily="49" charset="0"/>
+              </a:rPr>
+              <a:t>[</a:t>
+            </a:r>
+            <a:r>
+              <a:rPr lang="pt-BR" sz="1100" b="0" dirty="0">
+                <a:solidFill>
+                  <a:srgbClr val="9CDCFE"/>
+                </a:solidFill>
+                <a:effectLst/>
+                <a:latin typeface="Consolas" panose="020B0609020204030204" pitchFamily="49" charset="0"/>
+              </a:rPr>
+              <a:t>i</a:t>
+            </a:r>
+            <a:r>
+              <a:rPr lang="pt-BR" sz="1100" b="0" dirty="0">
+                <a:solidFill>
+                  <a:srgbClr val="CCCCCC"/>
+                </a:solidFill>
+                <a:effectLst/>
+                <a:latin typeface="Consolas" panose="020B0609020204030204" pitchFamily="49" charset="0"/>
+              </a:rPr>
+              <a:t>]);</a:t>
+            </a:r>
+          </a:p>
+          <a:p>
+            <a:pPr marL="0" indent="0">
+              <a:buNone/>
+            </a:pPr>
+            <a:r>
+              <a:rPr lang="pt-BR" sz="1100" b="0" dirty="0">
+                <a:solidFill>
+                  <a:srgbClr val="CCCCCC"/>
+                </a:solidFill>
+                <a:effectLst/>
+                <a:latin typeface="Consolas" panose="020B0609020204030204" pitchFamily="49" charset="0"/>
+              </a:rPr>
+              <a:t>    }</a:t>
+            </a:r>
+          </a:p>
+          <a:p>
+            <a:pPr marL="0" indent="0">
+              <a:buNone/>
+            </a:pPr>
+            <a:br>
+              <a:rPr lang="pt-BR" sz="1100" b="0" dirty="0">
+                <a:solidFill>
+                  <a:srgbClr val="CCCCCC"/>
+                </a:solidFill>
+                <a:effectLst/>
+                <a:latin typeface="Consolas" panose="020B0609020204030204" pitchFamily="49" charset="0"/>
+              </a:rPr>
+            </a:br>
+            <a:r>
+              <a:rPr lang="pt-BR" sz="1100" b="0" dirty="0">
+                <a:solidFill>
+                  <a:srgbClr val="CCCCCC"/>
+                </a:solidFill>
+                <a:effectLst/>
+                <a:latin typeface="Consolas" panose="020B0609020204030204" pitchFamily="49" charset="0"/>
+              </a:rPr>
+              <a:t>      </a:t>
+            </a:r>
+            <a:r>
+              <a:rPr lang="pt-BR" sz="1100" b="0" dirty="0" err="1">
+                <a:solidFill>
+                  <a:srgbClr val="9CDCFE"/>
+                </a:solidFill>
+                <a:effectLst/>
+                <a:latin typeface="Consolas" panose="020B0609020204030204" pitchFamily="49" charset="0"/>
+              </a:rPr>
+              <a:t>Serial</a:t>
+            </a:r>
+            <a:r>
+              <a:rPr lang="pt-BR" sz="1100" b="0" dirty="0" err="1">
+                <a:solidFill>
+                  <a:srgbClr val="CCCCCC"/>
+                </a:solidFill>
+                <a:effectLst/>
+                <a:latin typeface="Consolas" panose="020B0609020204030204" pitchFamily="49" charset="0"/>
+              </a:rPr>
+              <a:t>.</a:t>
+            </a:r>
+            <a:r>
+              <a:rPr lang="pt-BR" sz="1100" b="0" dirty="0" err="1">
+                <a:solidFill>
+                  <a:srgbClr val="DCDCAA"/>
+                </a:solidFill>
+                <a:effectLst/>
+                <a:latin typeface="Consolas" panose="020B0609020204030204" pitchFamily="49" charset="0"/>
+              </a:rPr>
+              <a:t>println</a:t>
+            </a:r>
+            <a:r>
+              <a:rPr lang="pt-BR" sz="1100" b="0" dirty="0">
+                <a:solidFill>
+                  <a:srgbClr val="CCCCCC"/>
+                </a:solidFill>
+                <a:effectLst/>
+                <a:latin typeface="Consolas" panose="020B0609020204030204" pitchFamily="49" charset="0"/>
+              </a:rPr>
+              <a:t>(</a:t>
+            </a:r>
+            <a:r>
+              <a:rPr lang="pt-BR" sz="1100" b="0" dirty="0" err="1">
+                <a:solidFill>
+                  <a:srgbClr val="9CDCFE"/>
+                </a:solidFill>
+                <a:effectLst/>
+                <a:latin typeface="Consolas" panose="020B0609020204030204" pitchFamily="49" charset="0"/>
+              </a:rPr>
+              <a:t>msg_led</a:t>
+            </a:r>
+            <a:r>
+              <a:rPr lang="pt-BR" sz="1100" b="0" dirty="0">
+                <a:solidFill>
+                  <a:srgbClr val="CCCCCC"/>
+                </a:solidFill>
+                <a:effectLst/>
+                <a:latin typeface="Consolas" panose="020B0609020204030204" pitchFamily="49" charset="0"/>
+              </a:rPr>
+              <a:t>);      </a:t>
+            </a:r>
+          </a:p>
+          <a:p>
+            <a:pPr marL="0" indent="0">
+              <a:buNone/>
+            </a:pPr>
+            <a:r>
+              <a:rPr lang="pt-BR" sz="1100" b="0" dirty="0">
+                <a:solidFill>
+                  <a:srgbClr val="CCCCCC"/>
+                </a:solidFill>
+                <a:effectLst/>
+                <a:latin typeface="Consolas" panose="020B0609020204030204" pitchFamily="49" charset="0"/>
+              </a:rPr>
+              <a:t>      </a:t>
+            </a:r>
+            <a:r>
+              <a:rPr lang="pt-BR" sz="1100" b="0" dirty="0" err="1">
+                <a:solidFill>
+                  <a:srgbClr val="C586C0"/>
+                </a:solidFill>
+                <a:effectLst/>
+                <a:latin typeface="Consolas" panose="020B0609020204030204" pitchFamily="49" charset="0"/>
+              </a:rPr>
+              <a:t>if</a:t>
+            </a:r>
+            <a:r>
+              <a:rPr lang="pt-BR" sz="1100" b="0" dirty="0">
+                <a:solidFill>
+                  <a:srgbClr val="CCCCCC"/>
+                </a:solidFill>
+                <a:effectLst/>
+                <a:latin typeface="Consolas" panose="020B0609020204030204" pitchFamily="49" charset="0"/>
+              </a:rPr>
+              <a:t>(</a:t>
+            </a:r>
+            <a:r>
+              <a:rPr lang="pt-BR" sz="1100" b="0" dirty="0" err="1">
+                <a:solidFill>
+                  <a:srgbClr val="9CDCFE"/>
+                </a:solidFill>
+                <a:effectLst/>
+                <a:latin typeface="Consolas" panose="020B0609020204030204" pitchFamily="49" charset="0"/>
+              </a:rPr>
+              <a:t>msg_led</a:t>
+            </a:r>
+            <a:r>
+              <a:rPr lang="pt-BR" sz="1100" b="0" dirty="0">
+                <a:solidFill>
+                  <a:srgbClr val="D4D4D4"/>
+                </a:solidFill>
+                <a:effectLst/>
+                <a:latin typeface="Consolas" panose="020B0609020204030204" pitchFamily="49" charset="0"/>
+              </a:rPr>
+              <a:t>==</a:t>
+            </a:r>
+            <a:r>
+              <a:rPr lang="pt-BR" sz="1100" b="0" dirty="0">
+                <a:solidFill>
+                  <a:srgbClr val="CE9178"/>
+                </a:solidFill>
+                <a:effectLst/>
+                <a:latin typeface="Consolas" panose="020B0609020204030204" pitchFamily="49" charset="0"/>
+              </a:rPr>
+              <a:t>"led1on"</a:t>
+            </a:r>
+            <a:r>
+              <a:rPr lang="pt-BR" sz="1100" b="0" dirty="0">
+                <a:solidFill>
+                  <a:srgbClr val="CCCCCC"/>
+                </a:solidFill>
+                <a:effectLst/>
+                <a:latin typeface="Consolas" panose="020B0609020204030204" pitchFamily="49" charset="0"/>
+              </a:rPr>
+              <a:t>)</a:t>
+            </a:r>
+          </a:p>
+          <a:p>
+            <a:pPr marL="0" indent="0">
+              <a:buNone/>
+            </a:pPr>
+            <a:r>
+              <a:rPr lang="pt-BR" sz="1100" b="0" dirty="0">
+                <a:solidFill>
+                  <a:srgbClr val="CCCCCC"/>
+                </a:solidFill>
+                <a:effectLst/>
+                <a:latin typeface="Consolas" panose="020B0609020204030204" pitchFamily="49" charset="0"/>
+              </a:rPr>
+              <a:t>      {</a:t>
+            </a:r>
+          </a:p>
+          <a:p>
+            <a:pPr marL="0" indent="0">
+              <a:buNone/>
+            </a:pPr>
+            <a:r>
+              <a:rPr lang="pt-BR" sz="1100" b="0" dirty="0">
+                <a:solidFill>
+                  <a:srgbClr val="CCCCCC"/>
+                </a:solidFill>
+                <a:effectLst/>
+                <a:latin typeface="Consolas" panose="020B0609020204030204" pitchFamily="49" charset="0"/>
+              </a:rPr>
+              <a:t>        </a:t>
+            </a:r>
+            <a:r>
+              <a:rPr lang="pt-BR" sz="1100" b="0" dirty="0" err="1">
+                <a:solidFill>
+                  <a:srgbClr val="DCDCAA"/>
+                </a:solidFill>
+                <a:effectLst/>
+                <a:latin typeface="Consolas" panose="020B0609020204030204" pitchFamily="49" charset="0"/>
+              </a:rPr>
+              <a:t>digitalWrite</a:t>
+            </a:r>
+            <a:r>
+              <a:rPr lang="pt-BR" sz="1100" b="0" dirty="0">
+                <a:solidFill>
+                  <a:srgbClr val="CCCCCC"/>
+                </a:solidFill>
+                <a:effectLst/>
+                <a:latin typeface="Consolas" panose="020B0609020204030204" pitchFamily="49" charset="0"/>
+              </a:rPr>
+              <a:t>(</a:t>
+            </a:r>
+            <a:r>
+              <a:rPr lang="pt-BR" sz="1100" b="0" dirty="0">
+                <a:solidFill>
+                  <a:srgbClr val="569CD6"/>
+                </a:solidFill>
+                <a:effectLst/>
+                <a:latin typeface="Consolas" panose="020B0609020204030204" pitchFamily="49" charset="0"/>
+              </a:rPr>
+              <a:t>led</a:t>
+            </a:r>
+            <a:r>
+              <a:rPr lang="pt-BR" sz="1100" b="0" dirty="0">
+                <a:solidFill>
+                  <a:srgbClr val="CCCCCC"/>
+                </a:solidFill>
+                <a:effectLst/>
+                <a:latin typeface="Consolas" panose="020B0609020204030204" pitchFamily="49" charset="0"/>
+              </a:rPr>
+              <a:t>, HIGH);</a:t>
+            </a:r>
+          </a:p>
+          <a:p>
+            <a:pPr marL="0" indent="0">
+              <a:buNone/>
+            </a:pPr>
+            <a:r>
+              <a:rPr lang="pt-BR" sz="1100" b="0" dirty="0">
+                <a:solidFill>
+                  <a:srgbClr val="CCCCCC"/>
+                </a:solidFill>
+                <a:effectLst/>
+                <a:latin typeface="Consolas" panose="020B0609020204030204" pitchFamily="49" charset="0"/>
+              </a:rPr>
+              <a:t>      }</a:t>
+            </a:r>
+          </a:p>
+          <a:p>
+            <a:pPr marL="0" indent="0">
+              <a:buNone/>
+            </a:pPr>
+            <a:r>
+              <a:rPr lang="pt-BR" sz="1100" b="0" dirty="0">
+                <a:solidFill>
+                  <a:srgbClr val="CCCCCC"/>
+                </a:solidFill>
+                <a:effectLst/>
+                <a:latin typeface="Consolas" panose="020B0609020204030204" pitchFamily="49" charset="0"/>
+              </a:rPr>
+              <a:t>      </a:t>
+            </a:r>
+            <a:r>
+              <a:rPr lang="pt-BR" sz="1100" b="0" dirty="0" err="1">
+                <a:solidFill>
+                  <a:srgbClr val="C586C0"/>
+                </a:solidFill>
+                <a:effectLst/>
+                <a:latin typeface="Consolas" panose="020B0609020204030204" pitchFamily="49" charset="0"/>
+              </a:rPr>
+              <a:t>else</a:t>
+            </a:r>
+            <a:r>
+              <a:rPr lang="pt-BR" sz="1100" b="0" dirty="0">
+                <a:solidFill>
+                  <a:srgbClr val="CCCCCC"/>
+                </a:solidFill>
+                <a:effectLst/>
+                <a:latin typeface="Consolas" panose="020B0609020204030204" pitchFamily="49" charset="0"/>
+              </a:rPr>
+              <a:t> </a:t>
+            </a:r>
+            <a:r>
+              <a:rPr lang="pt-BR" sz="1100" b="0" dirty="0" err="1">
+                <a:solidFill>
+                  <a:srgbClr val="C586C0"/>
+                </a:solidFill>
+                <a:effectLst/>
+                <a:latin typeface="Consolas" panose="020B0609020204030204" pitchFamily="49" charset="0"/>
+              </a:rPr>
+              <a:t>if</a:t>
+            </a:r>
+            <a:r>
+              <a:rPr lang="pt-BR" sz="1100" b="0" dirty="0">
+                <a:solidFill>
+                  <a:srgbClr val="CCCCCC"/>
+                </a:solidFill>
+                <a:effectLst/>
+                <a:latin typeface="Consolas" panose="020B0609020204030204" pitchFamily="49" charset="0"/>
+              </a:rPr>
+              <a:t>(</a:t>
+            </a:r>
+            <a:r>
+              <a:rPr lang="pt-BR" sz="1100" b="0" dirty="0" err="1">
+                <a:solidFill>
+                  <a:srgbClr val="9CDCFE"/>
+                </a:solidFill>
+                <a:effectLst/>
+                <a:latin typeface="Consolas" panose="020B0609020204030204" pitchFamily="49" charset="0"/>
+              </a:rPr>
+              <a:t>msg_led</a:t>
+            </a:r>
+            <a:r>
+              <a:rPr lang="pt-BR" sz="1100" b="0" dirty="0">
+                <a:solidFill>
+                  <a:srgbClr val="D4D4D4"/>
+                </a:solidFill>
+                <a:effectLst/>
+                <a:latin typeface="Consolas" panose="020B0609020204030204" pitchFamily="49" charset="0"/>
+              </a:rPr>
+              <a:t>=</a:t>
+            </a:r>
+            <a:r>
+              <a:rPr lang="pt-BR" sz="1100" b="0" dirty="0">
+                <a:solidFill>
+                  <a:srgbClr val="CE9178"/>
+                </a:solidFill>
+                <a:effectLst/>
+                <a:latin typeface="Consolas" panose="020B0609020204030204" pitchFamily="49" charset="0"/>
+              </a:rPr>
+              <a:t>"led1off"</a:t>
+            </a:r>
+            <a:r>
+              <a:rPr lang="pt-BR" sz="1100" b="0" dirty="0">
+                <a:solidFill>
+                  <a:srgbClr val="CCCCCC"/>
+                </a:solidFill>
+                <a:effectLst/>
+                <a:latin typeface="Consolas" panose="020B0609020204030204" pitchFamily="49" charset="0"/>
+              </a:rPr>
+              <a:t>)</a:t>
+            </a:r>
+          </a:p>
+          <a:p>
+            <a:pPr marL="0" indent="0">
+              <a:buNone/>
+            </a:pPr>
+            <a:r>
+              <a:rPr lang="pt-BR" sz="1100" b="0" dirty="0">
+                <a:solidFill>
+                  <a:srgbClr val="CCCCCC"/>
+                </a:solidFill>
+                <a:effectLst/>
+                <a:latin typeface="Consolas" panose="020B0609020204030204" pitchFamily="49" charset="0"/>
+              </a:rPr>
+              <a:t>      {</a:t>
+            </a:r>
+          </a:p>
+          <a:p>
+            <a:pPr marL="0" indent="0">
+              <a:buNone/>
+            </a:pPr>
+            <a:r>
+              <a:rPr lang="pt-BR" sz="1100" b="0" dirty="0">
+                <a:solidFill>
+                  <a:srgbClr val="CCCCCC"/>
+                </a:solidFill>
+                <a:effectLst/>
+                <a:latin typeface="Consolas" panose="020B0609020204030204" pitchFamily="49" charset="0"/>
+              </a:rPr>
+              <a:t>        </a:t>
+            </a:r>
+            <a:r>
+              <a:rPr lang="pt-BR" sz="1100" b="0" dirty="0" err="1">
+                <a:solidFill>
+                  <a:srgbClr val="DCDCAA"/>
+                </a:solidFill>
+                <a:effectLst/>
+                <a:latin typeface="Consolas" panose="020B0609020204030204" pitchFamily="49" charset="0"/>
+              </a:rPr>
+              <a:t>digitalWrite</a:t>
+            </a:r>
+            <a:r>
+              <a:rPr lang="pt-BR" sz="1100" b="0" dirty="0">
+                <a:solidFill>
+                  <a:srgbClr val="CCCCCC"/>
+                </a:solidFill>
+                <a:effectLst/>
+                <a:latin typeface="Consolas" panose="020B0609020204030204" pitchFamily="49" charset="0"/>
+              </a:rPr>
+              <a:t>(</a:t>
+            </a:r>
+            <a:r>
+              <a:rPr lang="pt-BR" sz="1100" b="0" dirty="0">
+                <a:solidFill>
+                  <a:srgbClr val="569CD6"/>
+                </a:solidFill>
+                <a:effectLst/>
+                <a:latin typeface="Consolas" panose="020B0609020204030204" pitchFamily="49" charset="0"/>
+              </a:rPr>
+              <a:t>led</a:t>
+            </a:r>
+            <a:r>
+              <a:rPr lang="pt-BR" sz="1100" b="0" dirty="0">
+                <a:solidFill>
+                  <a:srgbClr val="CCCCCC"/>
+                </a:solidFill>
+                <a:effectLst/>
+                <a:latin typeface="Consolas" panose="020B0609020204030204" pitchFamily="49" charset="0"/>
+              </a:rPr>
+              <a:t>, LOW);</a:t>
+            </a:r>
+          </a:p>
+          <a:p>
+            <a:pPr marL="0" indent="0">
+              <a:buNone/>
+            </a:pPr>
+            <a:r>
+              <a:rPr lang="pt-BR" sz="1100" b="0" dirty="0">
+                <a:solidFill>
+                  <a:srgbClr val="CCCCCC"/>
+                </a:solidFill>
+                <a:effectLst/>
+                <a:latin typeface="Consolas" panose="020B0609020204030204" pitchFamily="49" charset="0"/>
+              </a:rPr>
+              <a:t>      }</a:t>
+            </a:r>
+          </a:p>
+          <a:p>
+            <a:pPr marL="0" indent="0">
+              <a:buNone/>
+            </a:pPr>
+            <a:r>
+              <a:rPr lang="pt-BR" sz="1100" b="0" dirty="0">
+                <a:solidFill>
+                  <a:srgbClr val="CCCCCC"/>
+                </a:solidFill>
+                <a:effectLst/>
+                <a:latin typeface="Consolas" panose="020B0609020204030204" pitchFamily="49" charset="0"/>
+              </a:rPr>
+              <a:t>            </a:t>
+            </a:r>
+          </a:p>
+          <a:p>
+            <a:pPr marL="0" indent="0">
+              <a:buNone/>
+            </a:pPr>
+            <a:r>
+              <a:rPr lang="pt-BR" sz="1100" b="0" dirty="0">
+                <a:solidFill>
+                  <a:srgbClr val="CCCCCC"/>
+                </a:solidFill>
+                <a:effectLst/>
+                <a:latin typeface="Consolas" panose="020B0609020204030204" pitchFamily="49" charset="0"/>
+              </a:rPr>
+              <a:t>  }</a:t>
+            </a:r>
+          </a:p>
+          <a:p>
+            <a:pPr marL="0" indent="0">
+              <a:buNone/>
+            </a:pPr>
+            <a:r>
+              <a:rPr lang="pt-BR" sz="1100" b="0" dirty="0">
+                <a:solidFill>
+                  <a:srgbClr val="CCCCCC"/>
+                </a:solidFill>
+                <a:effectLst/>
+                <a:latin typeface="Consolas" panose="020B0609020204030204" pitchFamily="49" charset="0"/>
+              </a:rPr>
+              <a:t>}</a:t>
+            </a:r>
+          </a:p>
+          <a:p>
+            <a:pPr marL="0" indent="0">
+              <a:buNone/>
+            </a:pPr>
+            <a:br>
+              <a:rPr lang="pt-BR" sz="1100" b="0" dirty="0">
+                <a:solidFill>
+                  <a:srgbClr val="CCCCCC"/>
+                </a:solidFill>
+                <a:effectLst/>
+                <a:latin typeface="Consolas" panose="020B0609020204030204" pitchFamily="49" charset="0"/>
+              </a:rPr>
+            </a:br>
+            <a:r>
+              <a:rPr lang="pt-BR" sz="1100" b="0" dirty="0" err="1">
+                <a:solidFill>
+                  <a:srgbClr val="569CD6"/>
+                </a:solidFill>
+                <a:effectLst/>
+                <a:latin typeface="Consolas" panose="020B0609020204030204" pitchFamily="49" charset="0"/>
+              </a:rPr>
+              <a:t>void</a:t>
+            </a:r>
+            <a:r>
+              <a:rPr lang="pt-BR" sz="1100" b="0" dirty="0">
+                <a:solidFill>
+                  <a:srgbClr val="CCCCCC"/>
+                </a:solidFill>
+                <a:effectLst/>
+                <a:latin typeface="Consolas" panose="020B0609020204030204" pitchFamily="49" charset="0"/>
+              </a:rPr>
+              <a:t> </a:t>
+            </a:r>
+            <a:r>
+              <a:rPr lang="pt-BR" sz="1100" b="0" dirty="0">
+                <a:solidFill>
+                  <a:srgbClr val="DCDCAA"/>
+                </a:solidFill>
+                <a:effectLst/>
+                <a:latin typeface="Consolas" panose="020B0609020204030204" pitchFamily="49" charset="0"/>
+              </a:rPr>
+              <a:t>loop</a:t>
+            </a:r>
+            <a:r>
+              <a:rPr lang="pt-BR" sz="1100" b="0" dirty="0">
+                <a:solidFill>
+                  <a:srgbClr val="CCCCCC"/>
+                </a:solidFill>
+                <a:effectLst/>
+                <a:latin typeface="Consolas" panose="020B0609020204030204" pitchFamily="49" charset="0"/>
+              </a:rPr>
+              <a:t>() </a:t>
+            </a:r>
+          </a:p>
+          <a:p>
+            <a:pPr marL="0" indent="0">
+              <a:buNone/>
+            </a:pPr>
+            <a:r>
+              <a:rPr lang="pt-BR" sz="1100" b="0" dirty="0">
+                <a:solidFill>
+                  <a:srgbClr val="CCCCCC"/>
+                </a:solidFill>
+                <a:effectLst/>
+                <a:latin typeface="Consolas" panose="020B0609020204030204" pitchFamily="49" charset="0"/>
+              </a:rPr>
+              <a:t>{</a:t>
+            </a:r>
+          </a:p>
+          <a:p>
+            <a:pPr marL="0" indent="0">
+              <a:buNone/>
+            </a:pPr>
+            <a:r>
+              <a:rPr lang="pt-BR" sz="1100" b="0" dirty="0">
+                <a:solidFill>
+                  <a:srgbClr val="CCCCCC"/>
+                </a:solidFill>
+                <a:effectLst/>
+                <a:latin typeface="Consolas" panose="020B0609020204030204" pitchFamily="49" charset="0"/>
+              </a:rPr>
+              <a:t>  </a:t>
+            </a:r>
+            <a:r>
+              <a:rPr lang="pt-BR" sz="1100" b="0" dirty="0" err="1">
+                <a:solidFill>
+                  <a:srgbClr val="C586C0"/>
+                </a:solidFill>
+                <a:effectLst/>
+                <a:latin typeface="Consolas" panose="020B0609020204030204" pitchFamily="49" charset="0"/>
+              </a:rPr>
+              <a:t>if</a:t>
+            </a:r>
+            <a:r>
+              <a:rPr lang="pt-BR" sz="1100" b="0" dirty="0">
+                <a:solidFill>
+                  <a:srgbClr val="CCCCCC"/>
+                </a:solidFill>
+                <a:effectLst/>
+                <a:latin typeface="Consolas" panose="020B0609020204030204" pitchFamily="49" charset="0"/>
+              </a:rPr>
+              <a:t>(</a:t>
+            </a:r>
+            <a:r>
+              <a:rPr lang="pt-BR" sz="1100" b="0" dirty="0">
+                <a:solidFill>
+                  <a:srgbClr val="D4D4D4"/>
+                </a:solidFill>
+                <a:effectLst/>
+                <a:latin typeface="Consolas" panose="020B0609020204030204" pitchFamily="49" charset="0"/>
+              </a:rPr>
+              <a:t>!</a:t>
+            </a:r>
+            <a:r>
+              <a:rPr lang="pt-BR" sz="1100" b="0" dirty="0" err="1">
+                <a:solidFill>
+                  <a:srgbClr val="9CDCFE"/>
+                </a:solidFill>
+                <a:effectLst/>
+                <a:latin typeface="Consolas" panose="020B0609020204030204" pitchFamily="49" charset="0"/>
+              </a:rPr>
+              <a:t>MQTT</a:t>
+            </a:r>
+            <a:r>
+              <a:rPr lang="pt-BR" sz="1100" b="0" dirty="0" err="1">
+                <a:solidFill>
+                  <a:srgbClr val="CCCCCC"/>
+                </a:solidFill>
+                <a:effectLst/>
+                <a:latin typeface="Consolas" panose="020B0609020204030204" pitchFamily="49" charset="0"/>
+              </a:rPr>
+              <a:t>.</a:t>
+            </a:r>
+            <a:r>
+              <a:rPr lang="pt-BR" sz="1100" b="0" dirty="0" err="1">
+                <a:solidFill>
+                  <a:srgbClr val="DCDCAA"/>
+                </a:solidFill>
+                <a:effectLst/>
+                <a:latin typeface="Consolas" panose="020B0609020204030204" pitchFamily="49" charset="0"/>
+              </a:rPr>
+              <a:t>connected</a:t>
+            </a:r>
+            <a:r>
+              <a:rPr lang="pt-BR" sz="1100" b="0" dirty="0">
+                <a:solidFill>
+                  <a:srgbClr val="CCCCCC"/>
+                </a:solidFill>
+                <a:effectLst/>
+                <a:latin typeface="Consolas" panose="020B0609020204030204" pitchFamily="49" charset="0"/>
+              </a:rPr>
+              <a:t>()) </a:t>
+            </a:r>
+            <a:r>
+              <a:rPr lang="pt-BR" sz="1100" b="0" dirty="0" err="1">
+                <a:solidFill>
+                  <a:srgbClr val="DCDCAA"/>
+                </a:solidFill>
+                <a:effectLst/>
+                <a:latin typeface="Consolas" panose="020B0609020204030204" pitchFamily="49" charset="0"/>
+              </a:rPr>
+              <a:t>conectaMQTT</a:t>
+            </a:r>
+            <a:r>
+              <a:rPr lang="pt-BR" sz="1100" b="0" dirty="0">
+                <a:solidFill>
+                  <a:srgbClr val="CCCCCC"/>
+                </a:solidFill>
+                <a:effectLst/>
+                <a:latin typeface="Consolas" panose="020B0609020204030204" pitchFamily="49" charset="0"/>
+              </a:rPr>
+              <a:t>();</a:t>
+            </a:r>
+          </a:p>
+          <a:p>
+            <a:pPr marL="0" indent="0">
+              <a:buNone/>
+            </a:pPr>
+            <a:r>
+              <a:rPr lang="pt-BR" sz="1100" b="0" dirty="0">
+                <a:solidFill>
+                  <a:srgbClr val="CCCCCC"/>
+                </a:solidFill>
+                <a:effectLst/>
+                <a:latin typeface="Consolas" panose="020B0609020204030204" pitchFamily="49" charset="0"/>
+              </a:rPr>
+              <a:t>  </a:t>
+            </a:r>
+            <a:r>
+              <a:rPr lang="pt-BR" sz="1100" b="0" dirty="0" err="1">
+                <a:solidFill>
+                  <a:srgbClr val="C586C0"/>
+                </a:solidFill>
+                <a:effectLst/>
+                <a:latin typeface="Consolas" panose="020B0609020204030204" pitchFamily="49" charset="0"/>
+              </a:rPr>
+              <a:t>if</a:t>
+            </a:r>
+            <a:r>
+              <a:rPr lang="pt-BR" sz="1100" b="0" dirty="0">
+                <a:solidFill>
+                  <a:srgbClr val="CCCCCC"/>
+                </a:solidFill>
+                <a:effectLst/>
+                <a:latin typeface="Consolas" panose="020B0609020204030204" pitchFamily="49" charset="0"/>
+              </a:rPr>
+              <a:t>(</a:t>
+            </a:r>
+            <a:r>
+              <a:rPr lang="pt-BR" sz="1100" b="0" dirty="0" err="1">
+                <a:solidFill>
+                  <a:srgbClr val="9CDCFE"/>
+                </a:solidFill>
+                <a:effectLst/>
+                <a:latin typeface="Consolas" panose="020B0609020204030204" pitchFamily="49" charset="0"/>
+              </a:rPr>
+              <a:t>WiFi</a:t>
+            </a:r>
+            <a:r>
+              <a:rPr lang="pt-BR" sz="1100" b="0" dirty="0" err="1">
+                <a:solidFill>
+                  <a:srgbClr val="CCCCCC"/>
+                </a:solidFill>
+                <a:effectLst/>
+                <a:latin typeface="Consolas" panose="020B0609020204030204" pitchFamily="49" charset="0"/>
+              </a:rPr>
+              <a:t>.</a:t>
+            </a:r>
+            <a:r>
+              <a:rPr lang="pt-BR" sz="1100" b="0" dirty="0" err="1">
+                <a:solidFill>
+                  <a:srgbClr val="DCDCAA"/>
+                </a:solidFill>
+                <a:effectLst/>
+                <a:latin typeface="Consolas" panose="020B0609020204030204" pitchFamily="49" charset="0"/>
+              </a:rPr>
+              <a:t>status</a:t>
+            </a:r>
+            <a:r>
+              <a:rPr lang="pt-BR" sz="1100" b="0" dirty="0">
+                <a:solidFill>
+                  <a:srgbClr val="CCCCCC"/>
+                </a:solidFill>
+                <a:effectLst/>
+                <a:latin typeface="Consolas" panose="020B0609020204030204" pitchFamily="49" charset="0"/>
+              </a:rPr>
+              <a:t>() </a:t>
+            </a:r>
+            <a:r>
+              <a:rPr lang="pt-BR" sz="1100" b="0" dirty="0">
+                <a:solidFill>
+                  <a:srgbClr val="D4D4D4"/>
+                </a:solidFill>
+                <a:effectLst/>
+                <a:latin typeface="Consolas" panose="020B0609020204030204" pitchFamily="49" charset="0"/>
+              </a:rPr>
+              <a:t>!=</a:t>
+            </a:r>
+            <a:r>
+              <a:rPr lang="pt-BR" sz="1100" b="0" dirty="0">
+                <a:solidFill>
+                  <a:srgbClr val="CCCCCC"/>
+                </a:solidFill>
+                <a:effectLst/>
+                <a:latin typeface="Consolas" panose="020B0609020204030204" pitchFamily="49" charset="0"/>
+              </a:rPr>
+              <a:t> WL_CONNECTED) </a:t>
+            </a:r>
+            <a:r>
+              <a:rPr lang="pt-BR" sz="1100" b="0" dirty="0" err="1">
+                <a:solidFill>
+                  <a:srgbClr val="DCDCAA"/>
+                </a:solidFill>
+                <a:effectLst/>
+                <a:latin typeface="Consolas" panose="020B0609020204030204" pitchFamily="49" charset="0"/>
+              </a:rPr>
+              <a:t>conectaWifi</a:t>
+            </a:r>
+            <a:r>
+              <a:rPr lang="pt-BR" sz="1100" b="0" dirty="0">
+                <a:solidFill>
+                  <a:srgbClr val="CCCCCC"/>
+                </a:solidFill>
+                <a:effectLst/>
+                <a:latin typeface="Consolas" panose="020B0609020204030204" pitchFamily="49" charset="0"/>
+              </a:rPr>
+              <a:t>();</a:t>
+            </a:r>
+          </a:p>
+          <a:p>
+            <a:pPr marL="0" indent="0">
+              <a:buNone/>
+            </a:pPr>
+            <a:r>
+              <a:rPr lang="pt-BR" sz="1100" b="0" dirty="0">
+                <a:solidFill>
+                  <a:srgbClr val="CCCCCC"/>
+                </a:solidFill>
+                <a:effectLst/>
+                <a:latin typeface="Consolas" panose="020B0609020204030204" pitchFamily="49" charset="0"/>
+              </a:rPr>
+              <a:t>  </a:t>
+            </a:r>
+            <a:r>
+              <a:rPr lang="pt-BR" sz="1100" b="0" dirty="0" err="1">
+                <a:solidFill>
+                  <a:srgbClr val="9CDCFE"/>
+                </a:solidFill>
+                <a:effectLst/>
+                <a:latin typeface="Consolas" panose="020B0609020204030204" pitchFamily="49" charset="0"/>
+              </a:rPr>
+              <a:t>MQTT</a:t>
+            </a:r>
+            <a:r>
+              <a:rPr lang="pt-BR" sz="1100" b="0" dirty="0" err="1">
+                <a:solidFill>
+                  <a:srgbClr val="CCCCCC"/>
+                </a:solidFill>
+                <a:effectLst/>
+                <a:latin typeface="Consolas" panose="020B0609020204030204" pitchFamily="49" charset="0"/>
+              </a:rPr>
+              <a:t>.</a:t>
+            </a:r>
+            <a:r>
+              <a:rPr lang="pt-BR" sz="1100" b="0" dirty="0" err="1">
+                <a:solidFill>
+                  <a:srgbClr val="DCDCAA"/>
+                </a:solidFill>
+                <a:effectLst/>
+                <a:latin typeface="Consolas" panose="020B0609020204030204" pitchFamily="49" charset="0"/>
+              </a:rPr>
+              <a:t>loop</a:t>
+            </a:r>
+            <a:r>
+              <a:rPr lang="pt-BR" sz="1100" b="0" dirty="0">
+                <a:solidFill>
+                  <a:srgbClr val="CCCCCC"/>
+                </a:solidFill>
+                <a:effectLst/>
+                <a:latin typeface="Consolas" panose="020B0609020204030204" pitchFamily="49" charset="0"/>
+              </a:rPr>
+              <a:t>();</a:t>
+            </a:r>
+          </a:p>
+          <a:p>
+            <a:pPr marL="0" indent="0">
+              <a:buNone/>
+            </a:pPr>
+            <a:r>
+              <a:rPr lang="pt-BR" sz="1100" b="0" dirty="0">
+                <a:solidFill>
+                  <a:srgbClr val="CCCCCC"/>
+                </a:solidFill>
+                <a:effectLst/>
+                <a:latin typeface="Consolas" panose="020B0609020204030204" pitchFamily="49" charset="0"/>
+              </a:rPr>
+              <a:t>}</a:t>
+            </a:r>
+          </a:p>
+        </p:txBody>
+      </p:sp>
+      <p:sp>
+        <p:nvSpPr>
+          <p:cNvPr id="7" name="Título 1">
+            <a:extLst>
+              <a:ext uri="{FF2B5EF4-FFF2-40B4-BE49-F238E27FC236}">
+                <a16:creationId xmlns:a16="http://schemas.microsoft.com/office/drawing/2014/main" id="{F5C67FDB-7656-BDE0-12AC-29B100ACF50B}"/>
+              </a:ext>
+            </a:extLst>
+          </p:cNvPr>
+          <p:cNvSpPr txBox="1">
+            <a:spLocks/>
+          </p:cNvSpPr>
+          <p:nvPr/>
+        </p:nvSpPr>
+        <p:spPr>
+          <a:xfrm>
+            <a:off x="2448641" y="0"/>
+            <a:ext cx="9494196" cy="1325563"/>
+          </a:xfrm>
+          <a:prstGeom prst="rect">
+            <a:avLst/>
+          </a:prstGeom>
+        </p:spPr>
+        <p:txBody>
+          <a:bodyPr vert="horz" lIns="91440" tIns="45720" rIns="91440" bIns="45720" rtlCol="0" anchor="ctr">
+            <a:normAutofit/>
+          </a:bodyPr>
+          <a:lstStyle>
+            <a:lvl1pPr algn="l" defTabSz="914400" rtl="0" eaLnBrk="1" latinLnBrk="0" hangingPunct="1">
+              <a:lnSpc>
+                <a:spcPct val="90000"/>
+              </a:lnSpc>
+              <a:spcBef>
+                <a:spcPct val="0"/>
+              </a:spcBef>
+              <a:buNone/>
+              <a:defRPr sz="4400" kern="1200">
+                <a:solidFill>
+                  <a:srgbClr val="7FCFE5"/>
+                </a:solidFill>
+                <a:latin typeface="+mj-lt"/>
+                <a:ea typeface="+mj-ea"/>
+                <a:cs typeface="+mj-cs"/>
+              </a:defRPr>
+            </a:lvl1pPr>
+          </a:lstStyle>
+          <a:p>
+            <a:r>
+              <a:rPr lang="pt-BR" dirty="0"/>
+              <a:t>Continuação....</a:t>
+            </a:r>
+          </a:p>
+        </p:txBody>
+      </p:sp>
+    </p:spTree>
+    <p:extLst>
+      <p:ext uri="{BB962C8B-B14F-4D97-AF65-F5344CB8AC3E}">
+        <p14:creationId xmlns:p14="http://schemas.microsoft.com/office/powerpoint/2010/main" val="225932757"/>
+      </p:ext>
+    </p:extLst>
+  </p:cSld>
+  <p:clrMapOvr>
+    <a:masterClrMapping/>
+  </p:clrMapOvr>
+</p:sld>
+</file>
+
 <file path=ppt/slides/slide3.xml><?xml version="1.0" encoding="utf-8"?>
 <p:sld xmlns:a="http://schemas.openxmlformats.org/drawingml/2006/main" xmlns:r="http://schemas.openxmlformats.org/officeDocument/2006/relationships" xmlns:p="http://schemas.openxmlformats.org/presentationml/2006/main">
   <p:cSld>
